--- a/Slides/2.Locking.pptx
+++ b/Slides/2.Locking.pptx
@@ -15,6 +15,17 @@
     <p:sldId id="266" r:id="rId9"/>
     <p:sldId id="267" r:id="rId10"/>
     <p:sldId id="268" r:id="rId11"/>
+    <p:sldId id="269" r:id="rId12"/>
+    <p:sldId id="271" r:id="rId13"/>
+    <p:sldId id="270" r:id="rId14"/>
+    <p:sldId id="272" r:id="rId15"/>
+    <p:sldId id="273" r:id="rId16"/>
+    <p:sldId id="274" r:id="rId17"/>
+    <p:sldId id="275" r:id="rId18"/>
+    <p:sldId id="276" r:id="rId19"/>
+    <p:sldId id="278" r:id="rId20"/>
+    <p:sldId id="279" r:id="rId21"/>
+    <p:sldId id="277" r:id="rId22"/>
   </p:sldIdLst>
   <p:sldSz cx="12192000" cy="6858000"/>
   <p:notesSz cx="6858000" cy="9144000"/>
@@ -113,6 +124,11 @@
       </a:defRPr>
     </a:lvl9pPr>
   </p:defaultTextStyle>
+  <p:extLst>
+    <p:ext uri="{EFAFB233-063F-42B5-8137-9DF3F51BA10A}">
+      <p15:sldGuideLst xmlns:p15="http://schemas.microsoft.com/office/powerpoint/2012/main"/>
+    </p:ext>
+  </p:extLst>
 </p:presentation>
 </file>
 
@@ -392,7 +408,7 @@
                 <a:tabLst/>
                 <a:defRPr/>
               </a:pPr>
-              <a:t>12/10/2015</a:t>
+              <a:t>13/10/2015</a:t>
             </a:fld>
             <a:endParaRPr kumimoji="0" lang="en-GB" sz="1000" b="0" i="0" u="none" strike="noStrike" kern="1200" cap="none" spc="0" normalizeH="0" baseline="0" noProof="0">
               <a:ln>
@@ -883,7 +899,7 @@
                 <a:tabLst/>
                 <a:defRPr/>
               </a:pPr>
-              <a:t>12/10/2015</a:t>
+              <a:t>13/10/2015</a:t>
             </a:fld>
             <a:endParaRPr kumimoji="0" lang="en-GB" sz="1000" b="0" i="0" u="none" strike="noStrike" kern="1200" cap="none" spc="0" normalizeH="0" baseline="0" noProof="0">
               <a:ln>
@@ -1311,7 +1327,7 @@
                 <a:tabLst/>
                 <a:defRPr/>
               </a:pPr>
-              <a:t>12/10/2015</a:t>
+              <a:t>13/10/2015</a:t>
             </a:fld>
             <a:endParaRPr kumimoji="0" lang="en-GB" sz="1000" b="0" i="0" u="none" strike="noStrike" kern="1200" cap="none" spc="0" normalizeH="0" baseline="0" noProof="0">
               <a:ln>
@@ -2077,7 +2093,7 @@
                 <a:tabLst/>
                 <a:defRPr/>
               </a:pPr>
-              <a:t>12/10/2015</a:t>
+              <a:t>13/10/2015</a:t>
             </a:fld>
             <a:endParaRPr kumimoji="0" lang="en-GB" sz="1000" b="0" i="0" u="none" strike="noStrike" kern="1200" cap="none" spc="0" normalizeH="0" baseline="0" noProof="0">
               <a:ln>
@@ -2505,7 +2521,7 @@
                 <a:tabLst/>
                 <a:defRPr/>
               </a:pPr>
-              <a:t>12/10/2015</a:t>
+              <a:t>13/10/2015</a:t>
             </a:fld>
             <a:endParaRPr kumimoji="0" lang="en-GB" sz="1000" b="0" i="0" u="none" strike="noStrike" kern="1200" cap="none" spc="0" normalizeH="0" baseline="0" noProof="0">
               <a:ln>
@@ -3265,7 +3281,7 @@
                 <a:tabLst/>
                 <a:defRPr/>
               </a:pPr>
-              <a:t>12/10/2015</a:t>
+              <a:t>13/10/2015</a:t>
             </a:fld>
             <a:endParaRPr kumimoji="0" lang="en-GB" sz="1000" b="0" i="0" u="none" strike="noStrike" kern="1200" cap="none" spc="0" normalizeH="0" baseline="0" noProof="0">
               <a:ln>
@@ -3742,7 +3758,7 @@
                 <a:tabLst/>
                 <a:defRPr/>
               </a:pPr>
-              <a:t>12/10/2015</a:t>
+              <a:t>13/10/2015</a:t>
             </a:fld>
             <a:endParaRPr kumimoji="0" lang="en-GB" sz="1000" b="0" i="0" u="none" strike="noStrike" kern="1200" cap="none" spc="0" normalizeH="0" baseline="0" noProof="0">
               <a:ln>
@@ -4069,7 +4085,7 @@
                 <a:tabLst/>
                 <a:defRPr/>
               </a:pPr>
-              <a:t>12/10/2015</a:t>
+              <a:t>13/10/2015</a:t>
             </a:fld>
             <a:endParaRPr kumimoji="0" lang="en-GB" sz="1000" b="0" i="0" u="none" strike="noStrike" kern="1200" cap="none" spc="0" normalizeH="0" baseline="0" noProof="0">
               <a:ln>
@@ -4457,7 +4473,7 @@
                 <a:tabLst/>
                 <a:defRPr/>
               </a:pPr>
-              <a:t>12/10/2015</a:t>
+              <a:t>13/10/2015</a:t>
             </a:fld>
             <a:endParaRPr kumimoji="0" lang="en-GB" sz="1000" b="0" i="0" u="none" strike="noStrike" kern="1200" cap="none" spc="0" normalizeH="0" baseline="0" noProof="0">
               <a:ln>
@@ -4807,7 +4823,7 @@
                 <a:tabLst/>
                 <a:defRPr/>
               </a:pPr>
-              <a:t>12/10/2015</a:t>
+              <a:t>13/10/2015</a:t>
             </a:fld>
             <a:endParaRPr kumimoji="0" lang="en-GB" sz="1000" b="0" i="0" u="none" strike="noStrike" kern="1200" cap="none" spc="0" normalizeH="0" baseline="0" noProof="0">
               <a:ln>
@@ -5240,7 +5256,7 @@
                 <a:tabLst/>
                 <a:defRPr/>
               </a:pPr>
-              <a:t>12/10/2015</a:t>
+              <a:t>13/10/2015</a:t>
             </a:fld>
             <a:endParaRPr kumimoji="0" lang="en-GB" sz="1000" b="0" i="0" u="none" strike="noStrike" kern="1200" cap="none" spc="0" normalizeH="0" baseline="0" noProof="0">
               <a:ln>
@@ -5663,7 +5679,7 @@
                 <a:tabLst/>
                 <a:defRPr/>
               </a:pPr>
-              <a:t>12/10/2015</a:t>
+              <a:t>13/10/2015</a:t>
             </a:fld>
             <a:endParaRPr kumimoji="0" lang="en-GB" sz="1000" b="0" i="0" u="none" strike="noStrike" kern="1200" cap="none" spc="0" normalizeH="0" baseline="0" noProof="0">
               <a:ln>
@@ -6187,7 +6203,7 @@
                 <a:tabLst/>
                 <a:defRPr/>
               </a:pPr>
-              <a:t>12/10/2015</a:t>
+              <a:t>13/10/2015</a:t>
             </a:fld>
             <a:endParaRPr kumimoji="0" lang="en-GB" sz="1000" b="0" i="0" u="none" strike="noStrike" kern="1200" cap="none" spc="0" normalizeH="0" baseline="0" noProof="0">
               <a:ln>
@@ -6492,7 +6508,7 @@
                 <a:tabLst/>
                 <a:defRPr/>
               </a:pPr>
-              <a:t>12/10/2015</a:t>
+              <a:t>13/10/2015</a:t>
             </a:fld>
             <a:endParaRPr kumimoji="0" lang="en-GB" sz="1000" b="0" i="0" u="none" strike="noStrike" kern="1200" cap="none" spc="0" normalizeH="0" baseline="0" noProof="0">
               <a:ln>
@@ -6767,7 +6783,7 @@
                 <a:tabLst/>
                 <a:defRPr/>
               </a:pPr>
-              <a:t>12/10/2015</a:t>
+              <a:t>13/10/2015</a:t>
             </a:fld>
             <a:endParaRPr kumimoji="0" lang="en-GB" sz="1000" b="0" i="0" u="none" strike="noStrike" kern="1200" cap="none" spc="0" normalizeH="0" baseline="0" noProof="0">
               <a:ln>
@@ -7202,7 +7218,7 @@
                 <a:tabLst/>
                 <a:defRPr/>
               </a:pPr>
-              <a:t>12/10/2015</a:t>
+              <a:t>13/10/2015</a:t>
             </a:fld>
             <a:endParaRPr kumimoji="0" lang="en-GB" sz="1000" b="0" i="0" u="none" strike="noStrike" kern="1200" cap="none" spc="0" normalizeH="0" baseline="0" noProof="0">
               <a:ln>
@@ -7676,7 +7692,7 @@
                 <a:tabLst/>
                 <a:defRPr/>
               </a:pPr>
-              <a:t>12/10/2015</a:t>
+              <a:t>13/10/2015</a:t>
             </a:fld>
             <a:endParaRPr kumimoji="0" lang="en-GB" sz="1000" b="0" i="0" u="none" strike="noStrike" kern="1200" cap="none" spc="0" normalizeH="0" baseline="0" noProof="0">
               <a:ln>
@@ -8040,7 +8056,7 @@
                 <a:tabLst/>
                 <a:defRPr/>
               </a:pPr>
-              <a:t>12/10/2015</a:t>
+              <a:t>13/10/2015</a:t>
             </a:fld>
             <a:endParaRPr kumimoji="0" lang="en-GB" sz="1000" b="0" i="0" u="none" strike="noStrike" kern="1200" cap="none" spc="0" normalizeH="0" baseline="0" noProof="0">
               <a:ln>
@@ -8816,35 +8832,60 @@
           <a:p>
             <a:r>
               <a:rPr lang="en-GB" dirty="0" smtClean="0"/>
-              <a:t>Bulk Update</a:t>
-            </a:r>
-          </a:p>
-          <a:p>
+              <a:t>Bulk </a:t>
+            </a:r>
             <a:r>
               <a:rPr lang="en-GB" dirty="0" smtClean="0"/>
-              <a:t>Key Range</a:t>
-            </a:r>
-          </a:p>
-          <a:p>
-            <a:r>
-              <a:rPr lang="en-GB"/>
-              <a:t>Schema </a:t>
-            </a:r>
-            <a:r>
-              <a:rPr lang="en-GB" smtClean="0"/>
-              <a:t>Stability</a:t>
+              <a:t>Update</a:t>
+            </a:r>
+          </a:p>
+          <a:p>
+            <a:pPr lvl="3"/>
+            <a:r>
+              <a:rPr lang="en-GB" dirty="0" smtClean="0"/>
+              <a:t>Used to bulk copy data into a table (use </a:t>
+            </a:r>
+            <a:r>
+              <a:rPr lang="en-GB" dirty="0" err="1" smtClean="0"/>
+              <a:t>tablock</a:t>
+            </a:r>
+            <a:r>
+              <a:rPr lang="en-GB" dirty="0" smtClean="0"/>
+              <a:t> hint)</a:t>
             </a:r>
             <a:endParaRPr lang="en-GB" dirty="0" smtClean="0"/>
           </a:p>
           <a:p>
             <a:r>
-              <a:rPr lang="en-GB" dirty="0"/>
-              <a:t>Schema </a:t>
-            </a:r>
-            <a:r>
               <a:rPr lang="en-GB" dirty="0" smtClean="0"/>
-              <a:t>Modification</a:t>
-            </a:r>
+              <a:t>Key </a:t>
+            </a:r>
+            <a:r>
+              <a:rPr lang="en-GB" dirty="0" smtClean="0"/>
+              <a:t>Range</a:t>
+            </a:r>
+          </a:p>
+          <a:p>
+            <a:pPr lvl="3"/>
+            <a:r>
+              <a:rPr lang="en-GB" dirty="0" smtClean="0"/>
+              <a:t>Used on data ranges when using serializable isolation level. Stop Phantom reads</a:t>
+            </a:r>
+            <a:endParaRPr lang="en-GB" dirty="0" smtClean="0"/>
+          </a:p>
+          <a:p>
+            <a:r>
+              <a:rPr lang="en-GB" dirty="0" smtClean="0"/>
+              <a:t>Schema</a:t>
+            </a:r>
+          </a:p>
+          <a:p>
+            <a:pPr lvl="3"/>
+            <a:r>
+              <a:rPr lang="en-GB" dirty="0" smtClean="0"/>
+              <a:t>Used when an operation dependent on the table schema is executed</a:t>
+            </a:r>
+            <a:endParaRPr lang="en-GB" dirty="0" smtClean="0"/>
           </a:p>
         </p:txBody>
       </p:sp>
@@ -8852,6 +8893,5512 @@
     <p:extLst>
       <p:ext uri="{BB962C8B-B14F-4D97-AF65-F5344CB8AC3E}">
         <p14:creationId xmlns:p14="http://schemas.microsoft.com/office/powerpoint/2010/main" val="1567759643"/>
+      </p:ext>
+    </p:extLst>
+  </p:cSld>
+  <p:clrMapOvr>
+    <a:masterClrMapping/>
+  </p:clrMapOvr>
+</p:sld>
+</file>
+
+<file path=ppt/slides/slide11.xml><?xml version="1.0" encoding="utf-8"?>
+<p:sld xmlns:a="http://schemas.openxmlformats.org/drawingml/2006/main" xmlns:r="http://schemas.openxmlformats.org/officeDocument/2006/relationships" xmlns:p="http://schemas.openxmlformats.org/presentationml/2006/main">
+  <p:cSld>
+    <p:spTree>
+      <p:nvGrpSpPr>
+        <p:cNvPr id="1" name=""/>
+        <p:cNvGrpSpPr/>
+        <p:nvPr/>
+      </p:nvGrpSpPr>
+      <p:grpSpPr>
+        <a:xfrm>
+          <a:off x="0" y="0"/>
+          <a:ext cx="0" cy="0"/>
+          <a:chOff x="0" y="0"/>
+          <a:chExt cx="0" cy="0"/>
+        </a:xfrm>
+      </p:grpSpPr>
+      <p:sp>
+        <p:nvSpPr>
+          <p:cNvPr id="2" name="Title 1"/>
+          <p:cNvSpPr>
+            <a:spLocks noGrp="1"/>
+          </p:cNvSpPr>
+          <p:nvPr>
+            <p:ph type="title"/>
+          </p:nvPr>
+        </p:nvSpPr>
+        <p:spPr/>
+        <p:txBody>
+          <a:bodyPr/>
+          <a:lstStyle/>
+          <a:p>
+            <a:r>
+              <a:rPr lang="en-GB" dirty="0" smtClean="0"/>
+              <a:t>Lock Types (1)</a:t>
+            </a:r>
+            <a:endParaRPr lang="en-GB" dirty="0"/>
+          </a:p>
+        </p:txBody>
+      </p:sp>
+      <p:sp>
+        <p:nvSpPr>
+          <p:cNvPr id="4" name="Content Placeholder 3"/>
+          <p:cNvSpPr>
+            <a:spLocks noGrp="1"/>
+          </p:cNvSpPr>
+          <p:nvPr>
+            <p:ph sz="half" idx="1"/>
+          </p:nvPr>
+        </p:nvSpPr>
+        <p:spPr>
+          <a:xfrm>
+            <a:off x="685802" y="1737360"/>
+            <a:ext cx="4995334" cy="4053841"/>
+          </a:xfrm>
+        </p:spPr>
+        <p:txBody>
+          <a:bodyPr/>
+          <a:lstStyle/>
+          <a:p>
+            <a:r>
+              <a:rPr lang="en-GB" dirty="0" smtClean="0"/>
+              <a:t>IS</a:t>
+            </a:r>
+          </a:p>
+          <a:p>
+            <a:r>
+              <a:rPr lang="en-GB" dirty="0" smtClean="0"/>
+              <a:t>S</a:t>
+            </a:r>
+          </a:p>
+          <a:p>
+            <a:r>
+              <a:rPr lang="en-GB" dirty="0" smtClean="0"/>
+              <a:t>SIX</a:t>
+            </a:r>
+          </a:p>
+          <a:p>
+            <a:r>
+              <a:rPr lang="en-GB" dirty="0" smtClean="0"/>
+              <a:t>IX</a:t>
+            </a:r>
+          </a:p>
+          <a:p>
+            <a:r>
+              <a:rPr lang="en-GB" dirty="0" smtClean="0"/>
+              <a:t>X</a:t>
+            </a:r>
+          </a:p>
+          <a:p>
+            <a:r>
+              <a:rPr lang="en-GB" dirty="0" smtClean="0"/>
+              <a:t>UIX</a:t>
+            </a:r>
+          </a:p>
+          <a:p>
+            <a:endParaRPr lang="en-GB" dirty="0"/>
+          </a:p>
+        </p:txBody>
+      </p:sp>
+      <p:sp>
+        <p:nvSpPr>
+          <p:cNvPr id="5" name="Content Placeholder 4"/>
+          <p:cNvSpPr>
+            <a:spLocks noGrp="1"/>
+          </p:cNvSpPr>
+          <p:nvPr>
+            <p:ph sz="half" idx="2"/>
+          </p:nvPr>
+        </p:nvSpPr>
+        <p:spPr>
+          <a:xfrm>
+            <a:off x="5821895" y="1737361"/>
+            <a:ext cx="4995332" cy="4053840"/>
+          </a:xfrm>
+        </p:spPr>
+        <p:txBody>
+          <a:bodyPr/>
+          <a:lstStyle/>
+          <a:p>
+            <a:r>
+              <a:rPr lang="en-GB" dirty="0" smtClean="0"/>
+              <a:t>IU</a:t>
+            </a:r>
+          </a:p>
+          <a:p>
+            <a:r>
+              <a:rPr lang="en-GB" dirty="0" smtClean="0"/>
+              <a:t>U</a:t>
+            </a:r>
+          </a:p>
+          <a:p>
+            <a:r>
+              <a:rPr lang="en-GB" dirty="0" smtClean="0"/>
+              <a:t>SIU</a:t>
+            </a:r>
+          </a:p>
+          <a:p>
+            <a:r>
+              <a:rPr lang="en-GB" dirty="0" err="1" smtClean="0"/>
+              <a:t>Sch</a:t>
+            </a:r>
+            <a:r>
+              <a:rPr lang="en-GB" dirty="0" smtClean="0"/>
+              <a:t>-S</a:t>
+            </a:r>
+          </a:p>
+          <a:p>
+            <a:r>
+              <a:rPr lang="en-GB" dirty="0" err="1" smtClean="0"/>
+              <a:t>Sch</a:t>
+            </a:r>
+            <a:r>
+              <a:rPr lang="en-GB" dirty="0" smtClean="0"/>
+              <a:t>-M</a:t>
+            </a:r>
+          </a:p>
+          <a:p>
+            <a:r>
+              <a:rPr lang="en-GB" dirty="0" smtClean="0"/>
+              <a:t>BU</a:t>
+            </a:r>
+            <a:endParaRPr lang="en-GB" dirty="0"/>
+          </a:p>
+        </p:txBody>
+      </p:sp>
+    </p:spTree>
+    <p:extLst>
+      <p:ext uri="{BB962C8B-B14F-4D97-AF65-F5344CB8AC3E}">
+        <p14:creationId xmlns:p14="http://schemas.microsoft.com/office/powerpoint/2010/main" val="1081470022"/>
+      </p:ext>
+    </p:extLst>
+  </p:cSld>
+  <p:clrMapOvr>
+    <a:masterClrMapping/>
+  </p:clrMapOvr>
+</p:sld>
+</file>
+
+<file path=ppt/slides/slide12.xml><?xml version="1.0" encoding="utf-8"?>
+<p:sld xmlns:a="http://schemas.openxmlformats.org/drawingml/2006/main" xmlns:r="http://schemas.openxmlformats.org/officeDocument/2006/relationships" xmlns:p="http://schemas.openxmlformats.org/presentationml/2006/main">
+  <p:cSld>
+    <p:spTree>
+      <p:nvGrpSpPr>
+        <p:cNvPr id="1" name=""/>
+        <p:cNvGrpSpPr/>
+        <p:nvPr/>
+      </p:nvGrpSpPr>
+      <p:grpSpPr>
+        <a:xfrm>
+          <a:off x="0" y="0"/>
+          <a:ext cx="0" cy="0"/>
+          <a:chOff x="0" y="0"/>
+          <a:chExt cx="0" cy="0"/>
+        </a:xfrm>
+      </p:grpSpPr>
+      <p:sp>
+        <p:nvSpPr>
+          <p:cNvPr id="2" name="Title 1"/>
+          <p:cNvSpPr>
+            <a:spLocks noGrp="1"/>
+          </p:cNvSpPr>
+          <p:nvPr>
+            <p:ph type="title"/>
+          </p:nvPr>
+        </p:nvSpPr>
+        <p:spPr/>
+        <p:txBody>
+          <a:bodyPr/>
+          <a:lstStyle/>
+          <a:p>
+            <a:r>
+              <a:rPr lang="en-GB" dirty="0" smtClean="0"/>
+              <a:t>Lock Types (2)</a:t>
+            </a:r>
+            <a:endParaRPr lang="en-GB" dirty="0"/>
+          </a:p>
+        </p:txBody>
+      </p:sp>
+      <p:sp>
+        <p:nvSpPr>
+          <p:cNvPr id="4" name="Content Placeholder 3"/>
+          <p:cNvSpPr>
+            <a:spLocks noGrp="1"/>
+          </p:cNvSpPr>
+          <p:nvPr>
+            <p:ph sz="half" idx="1"/>
+          </p:nvPr>
+        </p:nvSpPr>
+        <p:spPr>
+          <a:xfrm>
+            <a:off x="685802" y="1737360"/>
+            <a:ext cx="4995334" cy="4053841"/>
+          </a:xfrm>
+        </p:spPr>
+        <p:txBody>
+          <a:bodyPr/>
+          <a:lstStyle/>
+          <a:p>
+            <a:r>
+              <a:rPr lang="en-GB" dirty="0" smtClean="0"/>
+              <a:t>RS-S</a:t>
+            </a:r>
+          </a:p>
+          <a:p>
+            <a:r>
+              <a:rPr lang="en-GB" dirty="0" smtClean="0"/>
+              <a:t>RS-U</a:t>
+            </a:r>
+          </a:p>
+          <a:p>
+            <a:r>
+              <a:rPr lang="en-GB" dirty="0" smtClean="0"/>
+              <a:t>RI-N</a:t>
+            </a:r>
+          </a:p>
+          <a:p>
+            <a:r>
+              <a:rPr lang="en-GB" dirty="0" smtClean="0"/>
+              <a:t>RI-S</a:t>
+            </a:r>
+          </a:p>
+          <a:p>
+            <a:r>
+              <a:rPr lang="en-GB" dirty="0" smtClean="0"/>
+              <a:t>RI-U</a:t>
+            </a:r>
+          </a:p>
+          <a:p>
+            <a:pPr marL="0" indent="0">
+              <a:buNone/>
+            </a:pPr>
+            <a:endParaRPr lang="en-GB" dirty="0" smtClean="0"/>
+          </a:p>
+          <a:p>
+            <a:endParaRPr lang="en-GB" dirty="0"/>
+          </a:p>
+        </p:txBody>
+      </p:sp>
+      <p:sp>
+        <p:nvSpPr>
+          <p:cNvPr id="5" name="Content Placeholder 4"/>
+          <p:cNvSpPr>
+            <a:spLocks noGrp="1"/>
+          </p:cNvSpPr>
+          <p:nvPr>
+            <p:ph sz="half" idx="2"/>
+          </p:nvPr>
+        </p:nvSpPr>
+        <p:spPr>
+          <a:xfrm>
+            <a:off x="5821895" y="1737361"/>
+            <a:ext cx="4995332" cy="4053840"/>
+          </a:xfrm>
+        </p:spPr>
+        <p:txBody>
+          <a:bodyPr/>
+          <a:lstStyle/>
+          <a:p>
+            <a:r>
+              <a:rPr lang="en-GB" dirty="0" smtClean="0"/>
+              <a:t>RI-X</a:t>
+            </a:r>
+          </a:p>
+          <a:p>
+            <a:r>
+              <a:rPr lang="en-GB" dirty="0" smtClean="0"/>
+              <a:t>RX-S</a:t>
+            </a:r>
+          </a:p>
+          <a:p>
+            <a:r>
+              <a:rPr lang="en-GB" dirty="0" smtClean="0"/>
+              <a:t>RX-U</a:t>
+            </a:r>
+          </a:p>
+          <a:p>
+            <a:r>
+              <a:rPr lang="en-GB" dirty="0" smtClean="0"/>
+              <a:t>RX-X</a:t>
+            </a:r>
+            <a:endParaRPr lang="en-GB" dirty="0"/>
+          </a:p>
+        </p:txBody>
+      </p:sp>
+    </p:spTree>
+    <p:extLst>
+      <p:ext uri="{BB962C8B-B14F-4D97-AF65-F5344CB8AC3E}">
+        <p14:creationId xmlns:p14="http://schemas.microsoft.com/office/powerpoint/2010/main" val="2657729931"/>
+      </p:ext>
+    </p:extLst>
+  </p:cSld>
+  <p:clrMapOvr>
+    <a:masterClrMapping/>
+  </p:clrMapOvr>
+</p:sld>
+</file>
+
+<file path=ppt/slides/slide13.xml><?xml version="1.0" encoding="utf-8"?>
+<p:sld xmlns:a="http://schemas.openxmlformats.org/drawingml/2006/main" xmlns:r="http://schemas.openxmlformats.org/officeDocument/2006/relationships" xmlns:p="http://schemas.openxmlformats.org/presentationml/2006/main">
+  <p:cSld>
+    <p:spTree>
+      <p:nvGrpSpPr>
+        <p:cNvPr id="1" name=""/>
+        <p:cNvGrpSpPr/>
+        <p:nvPr/>
+      </p:nvGrpSpPr>
+      <p:grpSpPr>
+        <a:xfrm>
+          <a:off x="0" y="0"/>
+          <a:ext cx="0" cy="0"/>
+          <a:chOff x="0" y="0"/>
+          <a:chExt cx="0" cy="0"/>
+        </a:xfrm>
+      </p:grpSpPr>
+      <p:sp>
+        <p:nvSpPr>
+          <p:cNvPr id="2" name="Title 1"/>
+          <p:cNvSpPr>
+            <a:spLocks noGrp="1"/>
+          </p:cNvSpPr>
+          <p:nvPr>
+            <p:ph type="title"/>
+          </p:nvPr>
+        </p:nvSpPr>
+        <p:spPr/>
+        <p:txBody>
+          <a:bodyPr/>
+          <a:lstStyle/>
+          <a:p>
+            <a:r>
+              <a:rPr lang="en-GB" dirty="0" smtClean="0"/>
+              <a:t>Lock Granularity</a:t>
+            </a:r>
+            <a:endParaRPr lang="en-GB" dirty="0"/>
+          </a:p>
+        </p:txBody>
+      </p:sp>
+      <p:sp>
+        <p:nvSpPr>
+          <p:cNvPr id="3" name="Content Placeholder 2"/>
+          <p:cNvSpPr>
+            <a:spLocks noGrp="1"/>
+          </p:cNvSpPr>
+          <p:nvPr>
+            <p:ph idx="1"/>
+          </p:nvPr>
+        </p:nvSpPr>
+        <p:spPr>
+          <a:xfrm>
+            <a:off x="685801" y="1576354"/>
+            <a:ext cx="10131425" cy="4719943"/>
+          </a:xfrm>
+        </p:spPr>
+        <p:txBody>
+          <a:bodyPr/>
+          <a:lstStyle/>
+          <a:p>
+            <a:r>
+              <a:rPr lang="en-GB" dirty="0" smtClean="0"/>
+              <a:t>Key</a:t>
+            </a:r>
+          </a:p>
+          <a:p>
+            <a:pPr lvl="1"/>
+            <a:r>
+              <a:rPr lang="en-GB" dirty="0" smtClean="0"/>
+              <a:t>Range</a:t>
+            </a:r>
+            <a:endParaRPr lang="en-GB" dirty="0"/>
+          </a:p>
+          <a:p>
+            <a:r>
+              <a:rPr lang="en-GB" dirty="0" smtClean="0"/>
+              <a:t>Row</a:t>
+            </a:r>
+          </a:p>
+          <a:p>
+            <a:r>
+              <a:rPr lang="en-GB" dirty="0" smtClean="0"/>
+              <a:t>Page</a:t>
+            </a:r>
+          </a:p>
+          <a:p>
+            <a:r>
+              <a:rPr lang="en-GB" dirty="0" smtClean="0"/>
+              <a:t>Extent</a:t>
+            </a:r>
+          </a:p>
+          <a:p>
+            <a:r>
+              <a:rPr lang="en-GB" dirty="0" err="1" smtClean="0"/>
+              <a:t>Hobt</a:t>
+            </a:r>
+            <a:endParaRPr lang="en-GB" dirty="0" smtClean="0"/>
+          </a:p>
+          <a:p>
+            <a:r>
+              <a:rPr lang="en-GB" dirty="0" smtClean="0"/>
+              <a:t>Object</a:t>
+            </a:r>
+          </a:p>
+          <a:p>
+            <a:r>
+              <a:rPr lang="en-GB" dirty="0" smtClean="0"/>
+              <a:t>Database</a:t>
+            </a:r>
+          </a:p>
+        </p:txBody>
+      </p:sp>
+    </p:spTree>
+    <p:extLst>
+      <p:ext uri="{BB962C8B-B14F-4D97-AF65-F5344CB8AC3E}">
+        <p14:creationId xmlns:p14="http://schemas.microsoft.com/office/powerpoint/2010/main" val="4040416051"/>
+      </p:ext>
+    </p:extLst>
+  </p:cSld>
+  <p:clrMapOvr>
+    <a:masterClrMapping/>
+  </p:clrMapOvr>
+</p:sld>
+</file>
+
+<file path=ppt/slides/slide14.xml><?xml version="1.0" encoding="utf-8"?>
+<p:sld xmlns:a="http://schemas.openxmlformats.org/drawingml/2006/main" xmlns:r="http://schemas.openxmlformats.org/officeDocument/2006/relationships" xmlns:p="http://schemas.openxmlformats.org/presentationml/2006/main">
+  <p:cSld>
+    <p:spTree>
+      <p:nvGrpSpPr>
+        <p:cNvPr id="1" name=""/>
+        <p:cNvGrpSpPr/>
+        <p:nvPr/>
+      </p:nvGrpSpPr>
+      <p:grpSpPr>
+        <a:xfrm>
+          <a:off x="0" y="0"/>
+          <a:ext cx="0" cy="0"/>
+          <a:chOff x="0" y="0"/>
+          <a:chExt cx="0" cy="0"/>
+        </a:xfrm>
+      </p:grpSpPr>
+      <p:sp>
+        <p:nvSpPr>
+          <p:cNvPr id="2" name="Title 1"/>
+          <p:cNvSpPr>
+            <a:spLocks noGrp="1"/>
+          </p:cNvSpPr>
+          <p:nvPr>
+            <p:ph type="title"/>
+          </p:nvPr>
+        </p:nvSpPr>
+        <p:spPr/>
+        <p:txBody>
+          <a:bodyPr/>
+          <a:lstStyle/>
+          <a:p>
+            <a:r>
+              <a:rPr lang="en-GB" dirty="0" smtClean="0"/>
+              <a:t>Lock Compatibility (1)</a:t>
+            </a:r>
+            <a:endParaRPr lang="en-GB" dirty="0"/>
+          </a:p>
+        </p:txBody>
+      </p:sp>
+      <p:graphicFrame>
+        <p:nvGraphicFramePr>
+          <p:cNvPr id="6" name="Content Placeholder 5"/>
+          <p:cNvGraphicFramePr>
+            <a:graphicFrameLocks noGrp="1"/>
+          </p:cNvGraphicFramePr>
+          <p:nvPr>
+            <p:ph idx="1"/>
+            <p:extLst>
+              <p:ext uri="{D42A27DB-BD31-4B8C-83A1-F6EECF244321}">
+                <p14:modId xmlns:p14="http://schemas.microsoft.com/office/powerpoint/2010/main" val="409667049"/>
+              </p:ext>
+            </p:extLst>
+          </p:nvPr>
+        </p:nvGraphicFramePr>
+        <p:xfrm>
+          <a:off x="798246" y="1527676"/>
+          <a:ext cx="9906533" cy="4160876"/>
+        </p:xfrm>
+        <a:graphic>
+          <a:graphicData uri="http://schemas.openxmlformats.org/drawingml/2006/table">
+            <a:tbl>
+              <a:tblPr/>
+              <a:tblGrid>
+                <a:gridCol w="3721503">
+                  <a:extLst>
+                    <a:ext uri="{9D8B030D-6E8A-4147-A177-3AD203B41FA5}">
+                      <a16:colId xmlns:a16="http://schemas.microsoft.com/office/drawing/2014/main" val="2673548670"/>
+                    </a:ext>
+                  </a:extLst>
+                </a:gridCol>
+                <a:gridCol w="2664822">
+                  <a:extLst>
+                    <a:ext uri="{9D8B030D-6E8A-4147-A177-3AD203B41FA5}">
+                      <a16:colId xmlns:a16="http://schemas.microsoft.com/office/drawing/2014/main" val="1568858601"/>
+                    </a:ext>
+                  </a:extLst>
+                </a:gridCol>
+                <a:gridCol w="705395">
+                  <a:extLst>
+                    <a:ext uri="{9D8B030D-6E8A-4147-A177-3AD203B41FA5}">
+                      <a16:colId xmlns:a16="http://schemas.microsoft.com/office/drawing/2014/main" val="2811602083"/>
+                    </a:ext>
+                  </a:extLst>
+                </a:gridCol>
+                <a:gridCol w="731520">
+                  <a:extLst>
+                    <a:ext uri="{9D8B030D-6E8A-4147-A177-3AD203B41FA5}">
+                      <a16:colId xmlns:a16="http://schemas.microsoft.com/office/drawing/2014/main" val="4096363417"/>
+                    </a:ext>
+                  </a:extLst>
+                </a:gridCol>
+                <a:gridCol w="770708">
+                  <a:extLst>
+                    <a:ext uri="{9D8B030D-6E8A-4147-A177-3AD203B41FA5}">
+                      <a16:colId xmlns:a16="http://schemas.microsoft.com/office/drawing/2014/main" val="154909278"/>
+                    </a:ext>
+                  </a:extLst>
+                </a:gridCol>
+                <a:gridCol w="640080">
+                  <a:extLst>
+                    <a:ext uri="{9D8B030D-6E8A-4147-A177-3AD203B41FA5}">
+                      <a16:colId xmlns:a16="http://schemas.microsoft.com/office/drawing/2014/main" val="608924056"/>
+                    </a:ext>
+                  </a:extLst>
+                </a:gridCol>
+                <a:gridCol w="672505">
+                  <a:extLst>
+                    <a:ext uri="{9D8B030D-6E8A-4147-A177-3AD203B41FA5}">
+                      <a16:colId xmlns:a16="http://schemas.microsoft.com/office/drawing/2014/main" val="3112211462"/>
+                    </a:ext>
+                  </a:extLst>
+                </a:gridCol>
+              </a:tblGrid>
+              <a:tr h="914355">
+                <a:tc>
+                  <a:txBody>
+                    <a:bodyPr/>
+                    <a:lstStyle/>
+                    <a:p>
+                      <a:r>
+                        <a:rPr lang="en-GB" sz="1800">
+                          <a:latin typeface="Ubuntu Titling Rg" panose="02000000000000000000"/>
+                        </a:rPr>
+                        <a:t> </a:t>
+                      </a:r>
+                    </a:p>
+                  </a:txBody>
+                  <a:tcPr marL="89410" marR="89410" marT="44705" marB="44705" anchor="ctr">
+                    <a:lnL>
+                      <a:noFill/>
+                    </a:lnL>
+                    <a:lnR>
+                      <a:noFill/>
+                    </a:lnR>
+                    <a:lnT>
+                      <a:noFill/>
+                    </a:lnT>
+                    <a:lnB>
+                      <a:noFill/>
+                    </a:lnB>
+                  </a:tcPr>
+                </a:tc>
+                <a:tc>
+                  <a:txBody>
+                    <a:bodyPr/>
+                    <a:lstStyle/>
+                    <a:p>
+                      <a:pPr algn="ctr"/>
+                      <a:r>
+                        <a:rPr lang="en-GB" sz="1800" dirty="0">
+                          <a:latin typeface="Ubuntu Titling Rg" panose="02000000000000000000"/>
+                        </a:rPr>
+                        <a:t>Existing granted mode</a:t>
+                      </a:r>
+                    </a:p>
+                  </a:txBody>
+                  <a:tcPr marL="89410" marR="89410" marT="44705" marB="44705" anchor="ctr">
+                    <a:lnL>
+                      <a:noFill/>
+                    </a:lnL>
+                    <a:lnR>
+                      <a:noFill/>
+                    </a:lnR>
+                    <a:lnT>
+                      <a:noFill/>
+                    </a:lnT>
+                    <a:lnB>
+                      <a:noFill/>
+                    </a:lnB>
+                  </a:tcPr>
+                </a:tc>
+                <a:tc>
+                  <a:txBody>
+                    <a:bodyPr/>
+                    <a:lstStyle/>
+                    <a:p>
+                      <a:r>
+                        <a:rPr lang="en-GB" sz="1800">
+                          <a:latin typeface="Ubuntu Titling Rg" panose="02000000000000000000"/>
+                        </a:rPr>
+                        <a:t> </a:t>
+                      </a:r>
+                    </a:p>
+                  </a:txBody>
+                  <a:tcPr marL="89410" marR="89410" marT="44705" marB="44705" anchor="ctr">
+                    <a:lnL>
+                      <a:noFill/>
+                    </a:lnL>
+                    <a:lnR>
+                      <a:noFill/>
+                    </a:lnR>
+                    <a:lnT>
+                      <a:noFill/>
+                    </a:lnT>
+                    <a:lnB>
+                      <a:noFill/>
+                    </a:lnB>
+                  </a:tcPr>
+                </a:tc>
+                <a:tc>
+                  <a:txBody>
+                    <a:bodyPr/>
+                    <a:lstStyle/>
+                    <a:p>
+                      <a:r>
+                        <a:rPr lang="en-GB" sz="1800">
+                          <a:latin typeface="Ubuntu Titling Rg" panose="02000000000000000000"/>
+                        </a:rPr>
+                        <a:t> </a:t>
+                      </a:r>
+                    </a:p>
+                  </a:txBody>
+                  <a:tcPr marL="89410" marR="89410" marT="44705" marB="44705" anchor="ctr">
+                    <a:lnL>
+                      <a:noFill/>
+                    </a:lnL>
+                    <a:lnR>
+                      <a:noFill/>
+                    </a:lnR>
+                    <a:lnT>
+                      <a:noFill/>
+                    </a:lnT>
+                    <a:lnB>
+                      <a:noFill/>
+                    </a:lnB>
+                  </a:tcPr>
+                </a:tc>
+                <a:tc>
+                  <a:txBody>
+                    <a:bodyPr/>
+                    <a:lstStyle/>
+                    <a:p>
+                      <a:r>
+                        <a:rPr lang="en-GB" sz="1800">
+                          <a:latin typeface="Ubuntu Titling Rg" panose="02000000000000000000"/>
+                        </a:rPr>
+                        <a:t> </a:t>
+                      </a:r>
+                    </a:p>
+                  </a:txBody>
+                  <a:tcPr marL="89410" marR="89410" marT="44705" marB="44705" anchor="ctr">
+                    <a:lnL>
+                      <a:noFill/>
+                    </a:lnL>
+                    <a:lnR>
+                      <a:noFill/>
+                    </a:lnR>
+                    <a:lnT>
+                      <a:noFill/>
+                    </a:lnT>
+                    <a:lnB>
+                      <a:noFill/>
+                    </a:lnB>
+                  </a:tcPr>
+                </a:tc>
+                <a:tc>
+                  <a:txBody>
+                    <a:bodyPr/>
+                    <a:lstStyle/>
+                    <a:p>
+                      <a:r>
+                        <a:rPr lang="en-GB" sz="1800">
+                          <a:latin typeface="Ubuntu Titling Rg" panose="02000000000000000000"/>
+                        </a:rPr>
+                        <a:t> </a:t>
+                      </a:r>
+                    </a:p>
+                  </a:txBody>
+                  <a:tcPr marL="89410" marR="89410" marT="44705" marB="44705" anchor="ctr">
+                    <a:lnL>
+                      <a:noFill/>
+                    </a:lnL>
+                    <a:lnR>
+                      <a:noFill/>
+                    </a:lnR>
+                    <a:lnT>
+                      <a:noFill/>
+                    </a:lnT>
+                    <a:lnB>
+                      <a:noFill/>
+                    </a:lnB>
+                  </a:tcPr>
+                </a:tc>
+                <a:tc>
+                  <a:txBody>
+                    <a:bodyPr/>
+                    <a:lstStyle/>
+                    <a:p>
+                      <a:r>
+                        <a:rPr lang="en-GB" sz="1800">
+                          <a:latin typeface="Ubuntu Titling Rg" panose="02000000000000000000"/>
+                        </a:rPr>
+                        <a:t> </a:t>
+                      </a:r>
+                    </a:p>
+                  </a:txBody>
+                  <a:tcPr marL="89410" marR="89410" marT="44705" marB="44705" anchor="ctr">
+                    <a:lnL>
+                      <a:noFill/>
+                    </a:lnL>
+                    <a:lnR>
+                      <a:noFill/>
+                    </a:lnR>
+                    <a:lnT>
+                      <a:noFill/>
+                    </a:lnT>
+                    <a:lnB>
+                      <a:noFill/>
+                    </a:lnB>
+                  </a:tcPr>
+                </a:tc>
+                <a:extLst>
+                  <a:ext uri="{0D108BD9-81ED-4DB2-BD59-A6C34878D82A}">
+                    <a16:rowId xmlns:a16="http://schemas.microsoft.com/office/drawing/2014/main" val="1312539681"/>
+                  </a:ext>
+                </a:extLst>
+              </a:tr>
+              <a:tr h="475647">
+                <a:tc>
+                  <a:txBody>
+                    <a:bodyPr/>
+                    <a:lstStyle/>
+                    <a:p>
+                      <a:r>
+                        <a:rPr lang="en-GB" sz="1800" b="1">
+                          <a:latin typeface="Ubuntu Titling Rg" panose="02000000000000000000"/>
+                        </a:rPr>
+                        <a:t>Requested mode</a:t>
+                      </a:r>
+                      <a:r>
+                        <a:rPr lang="en-GB" sz="1800">
+                          <a:latin typeface="Ubuntu Titling Rg" panose="02000000000000000000"/>
+                        </a:rPr>
+                        <a:t> </a:t>
+                      </a:r>
+                    </a:p>
+                  </a:txBody>
+                  <a:tcPr marL="89410" marR="89410" marT="44705" marB="44705" anchor="ctr">
+                    <a:lnL>
+                      <a:noFill/>
+                    </a:lnL>
+                    <a:lnR>
+                      <a:noFill/>
+                    </a:lnR>
+                    <a:lnT>
+                      <a:noFill/>
+                    </a:lnT>
+                    <a:lnB>
+                      <a:noFill/>
+                    </a:lnB>
+                  </a:tcPr>
+                </a:tc>
+                <a:tc>
+                  <a:txBody>
+                    <a:bodyPr/>
+                    <a:lstStyle/>
+                    <a:p>
+                      <a:pPr algn="ctr"/>
+                      <a:r>
+                        <a:rPr lang="en-GB" sz="1800" b="1">
+                          <a:latin typeface="Ubuntu Titling Rg" panose="02000000000000000000"/>
+                        </a:rPr>
+                        <a:t>IS</a:t>
+                      </a:r>
+                      <a:r>
+                        <a:rPr lang="en-GB" sz="1800">
+                          <a:latin typeface="Ubuntu Titling Rg" panose="02000000000000000000"/>
+                        </a:rPr>
+                        <a:t> </a:t>
+                      </a:r>
+                    </a:p>
+                  </a:txBody>
+                  <a:tcPr marL="89410" marR="89410" marT="44705" marB="44705" anchor="ctr">
+                    <a:lnL>
+                      <a:noFill/>
+                    </a:lnL>
+                    <a:lnR>
+                      <a:noFill/>
+                    </a:lnR>
+                    <a:lnT>
+                      <a:noFill/>
+                    </a:lnT>
+                    <a:lnB>
+                      <a:noFill/>
+                    </a:lnB>
+                  </a:tcPr>
+                </a:tc>
+                <a:tc>
+                  <a:txBody>
+                    <a:bodyPr/>
+                    <a:lstStyle/>
+                    <a:p>
+                      <a:pPr algn="ctr"/>
+                      <a:r>
+                        <a:rPr lang="en-GB" sz="1800" b="1">
+                          <a:latin typeface="Ubuntu Titling Rg" panose="02000000000000000000"/>
+                        </a:rPr>
+                        <a:t>S</a:t>
+                      </a:r>
+                      <a:r>
+                        <a:rPr lang="en-GB" sz="1800">
+                          <a:latin typeface="Ubuntu Titling Rg" panose="02000000000000000000"/>
+                        </a:rPr>
+                        <a:t> </a:t>
+                      </a:r>
+                    </a:p>
+                  </a:txBody>
+                  <a:tcPr marL="89410" marR="89410" marT="44705" marB="44705" anchor="ctr">
+                    <a:lnL>
+                      <a:noFill/>
+                    </a:lnL>
+                    <a:lnR>
+                      <a:noFill/>
+                    </a:lnR>
+                    <a:lnT>
+                      <a:noFill/>
+                    </a:lnT>
+                    <a:lnB>
+                      <a:noFill/>
+                    </a:lnB>
+                  </a:tcPr>
+                </a:tc>
+                <a:tc>
+                  <a:txBody>
+                    <a:bodyPr/>
+                    <a:lstStyle/>
+                    <a:p>
+                      <a:pPr algn="ctr"/>
+                      <a:r>
+                        <a:rPr lang="en-GB" sz="1800" b="1">
+                          <a:latin typeface="Ubuntu Titling Rg" panose="02000000000000000000"/>
+                        </a:rPr>
+                        <a:t>U</a:t>
+                      </a:r>
+                      <a:r>
+                        <a:rPr lang="en-GB" sz="1800">
+                          <a:latin typeface="Ubuntu Titling Rg" panose="02000000000000000000"/>
+                        </a:rPr>
+                        <a:t> </a:t>
+                      </a:r>
+                    </a:p>
+                  </a:txBody>
+                  <a:tcPr marL="89410" marR="89410" marT="44705" marB="44705" anchor="ctr">
+                    <a:lnL>
+                      <a:noFill/>
+                    </a:lnL>
+                    <a:lnR>
+                      <a:noFill/>
+                    </a:lnR>
+                    <a:lnT>
+                      <a:noFill/>
+                    </a:lnT>
+                    <a:lnB>
+                      <a:noFill/>
+                    </a:lnB>
+                  </a:tcPr>
+                </a:tc>
+                <a:tc>
+                  <a:txBody>
+                    <a:bodyPr/>
+                    <a:lstStyle/>
+                    <a:p>
+                      <a:pPr algn="ctr"/>
+                      <a:r>
+                        <a:rPr lang="en-GB" sz="1800" b="1">
+                          <a:latin typeface="Ubuntu Titling Rg" panose="02000000000000000000"/>
+                        </a:rPr>
+                        <a:t>IX</a:t>
+                      </a:r>
+                      <a:r>
+                        <a:rPr lang="en-GB" sz="1800">
+                          <a:latin typeface="Ubuntu Titling Rg" panose="02000000000000000000"/>
+                        </a:rPr>
+                        <a:t> </a:t>
+                      </a:r>
+                    </a:p>
+                  </a:txBody>
+                  <a:tcPr marL="89410" marR="89410" marT="44705" marB="44705" anchor="ctr">
+                    <a:lnL>
+                      <a:noFill/>
+                    </a:lnL>
+                    <a:lnR>
+                      <a:noFill/>
+                    </a:lnR>
+                    <a:lnT>
+                      <a:noFill/>
+                    </a:lnT>
+                    <a:lnB>
+                      <a:noFill/>
+                    </a:lnB>
+                  </a:tcPr>
+                </a:tc>
+                <a:tc>
+                  <a:txBody>
+                    <a:bodyPr/>
+                    <a:lstStyle/>
+                    <a:p>
+                      <a:pPr algn="ctr"/>
+                      <a:r>
+                        <a:rPr lang="en-GB" sz="1800" b="1">
+                          <a:latin typeface="Ubuntu Titling Rg" panose="02000000000000000000"/>
+                        </a:rPr>
+                        <a:t>SIX</a:t>
+                      </a:r>
+                      <a:r>
+                        <a:rPr lang="en-GB" sz="1800">
+                          <a:latin typeface="Ubuntu Titling Rg" panose="02000000000000000000"/>
+                        </a:rPr>
+                        <a:t> </a:t>
+                      </a:r>
+                    </a:p>
+                  </a:txBody>
+                  <a:tcPr marL="89410" marR="89410" marT="44705" marB="44705" anchor="ctr">
+                    <a:lnL>
+                      <a:noFill/>
+                    </a:lnL>
+                    <a:lnR>
+                      <a:noFill/>
+                    </a:lnR>
+                    <a:lnT>
+                      <a:noFill/>
+                    </a:lnT>
+                    <a:lnB>
+                      <a:noFill/>
+                    </a:lnB>
+                  </a:tcPr>
+                </a:tc>
+                <a:tc>
+                  <a:txBody>
+                    <a:bodyPr/>
+                    <a:lstStyle/>
+                    <a:p>
+                      <a:pPr algn="ctr"/>
+                      <a:r>
+                        <a:rPr lang="en-GB" sz="1800" b="1">
+                          <a:latin typeface="Ubuntu Titling Rg" panose="02000000000000000000"/>
+                        </a:rPr>
+                        <a:t>X</a:t>
+                      </a:r>
+                      <a:r>
+                        <a:rPr lang="en-GB" sz="1800">
+                          <a:latin typeface="Ubuntu Titling Rg" panose="02000000000000000000"/>
+                        </a:rPr>
+                        <a:t> </a:t>
+                      </a:r>
+                    </a:p>
+                  </a:txBody>
+                  <a:tcPr marL="89410" marR="89410" marT="44705" marB="44705" anchor="ctr">
+                    <a:lnL>
+                      <a:noFill/>
+                    </a:lnL>
+                    <a:lnR>
+                      <a:noFill/>
+                    </a:lnR>
+                    <a:lnT>
+                      <a:noFill/>
+                    </a:lnT>
+                    <a:lnB>
+                      <a:noFill/>
+                    </a:lnB>
+                  </a:tcPr>
+                </a:tc>
+                <a:extLst>
+                  <a:ext uri="{0D108BD9-81ED-4DB2-BD59-A6C34878D82A}">
+                    <a16:rowId xmlns:a16="http://schemas.microsoft.com/office/drawing/2014/main" val="2892398541"/>
+                  </a:ext>
+                </a:extLst>
+              </a:tr>
+              <a:tr h="467556">
+                <a:tc>
+                  <a:txBody>
+                    <a:bodyPr/>
+                    <a:lstStyle/>
+                    <a:p>
+                      <a:r>
+                        <a:rPr lang="en-GB" sz="1800" b="1">
+                          <a:latin typeface="Ubuntu Titling Rg" panose="02000000000000000000"/>
+                        </a:rPr>
+                        <a:t>Intent shared (IS)</a:t>
+                      </a:r>
+                      <a:r>
+                        <a:rPr lang="en-GB" sz="1800">
+                          <a:latin typeface="Ubuntu Titling Rg" panose="02000000000000000000"/>
+                        </a:rPr>
+                        <a:t> </a:t>
+                      </a:r>
+                    </a:p>
+                  </a:txBody>
+                  <a:tcPr marL="89410" marR="89410" marT="44705" marB="44705" anchor="ctr">
+                    <a:lnL>
+                      <a:noFill/>
+                    </a:lnL>
+                    <a:lnR>
+                      <a:noFill/>
+                    </a:lnR>
+                    <a:lnT>
+                      <a:noFill/>
+                    </a:lnT>
+                    <a:lnB>
+                      <a:noFill/>
+                    </a:lnB>
+                  </a:tcPr>
+                </a:tc>
+                <a:tc>
+                  <a:txBody>
+                    <a:bodyPr/>
+                    <a:lstStyle/>
+                    <a:p>
+                      <a:pPr algn="ctr"/>
+                      <a:r>
+                        <a:rPr lang="en-GB" sz="1800" dirty="0">
+                          <a:latin typeface="Ubuntu Titling Rg" panose="02000000000000000000"/>
+                        </a:rPr>
+                        <a:t>Yes</a:t>
+                      </a:r>
+                    </a:p>
+                  </a:txBody>
+                  <a:tcPr marL="89410" marR="89410" marT="44705" marB="44705" anchor="ctr">
+                    <a:lnL>
+                      <a:noFill/>
+                    </a:lnL>
+                    <a:lnR>
+                      <a:noFill/>
+                    </a:lnR>
+                    <a:lnT>
+                      <a:noFill/>
+                    </a:lnT>
+                    <a:lnB>
+                      <a:noFill/>
+                    </a:lnB>
+                  </a:tcPr>
+                </a:tc>
+                <a:tc>
+                  <a:txBody>
+                    <a:bodyPr/>
+                    <a:lstStyle/>
+                    <a:p>
+                      <a:pPr algn="ctr"/>
+                      <a:r>
+                        <a:rPr lang="en-GB" sz="1800">
+                          <a:latin typeface="Ubuntu Titling Rg" panose="02000000000000000000"/>
+                        </a:rPr>
+                        <a:t>Yes</a:t>
+                      </a:r>
+                    </a:p>
+                  </a:txBody>
+                  <a:tcPr marL="89410" marR="89410" marT="44705" marB="44705" anchor="ctr">
+                    <a:lnL>
+                      <a:noFill/>
+                    </a:lnL>
+                    <a:lnR>
+                      <a:noFill/>
+                    </a:lnR>
+                    <a:lnT>
+                      <a:noFill/>
+                    </a:lnT>
+                    <a:lnB>
+                      <a:noFill/>
+                    </a:lnB>
+                  </a:tcPr>
+                </a:tc>
+                <a:tc>
+                  <a:txBody>
+                    <a:bodyPr/>
+                    <a:lstStyle/>
+                    <a:p>
+                      <a:pPr algn="ctr"/>
+                      <a:r>
+                        <a:rPr lang="en-GB" sz="1800">
+                          <a:latin typeface="Ubuntu Titling Rg" panose="02000000000000000000"/>
+                        </a:rPr>
+                        <a:t>Yes</a:t>
+                      </a:r>
+                    </a:p>
+                  </a:txBody>
+                  <a:tcPr marL="89410" marR="89410" marT="44705" marB="44705" anchor="ctr">
+                    <a:lnL>
+                      <a:noFill/>
+                    </a:lnL>
+                    <a:lnR>
+                      <a:noFill/>
+                    </a:lnR>
+                    <a:lnT>
+                      <a:noFill/>
+                    </a:lnT>
+                    <a:lnB>
+                      <a:noFill/>
+                    </a:lnB>
+                  </a:tcPr>
+                </a:tc>
+                <a:tc>
+                  <a:txBody>
+                    <a:bodyPr/>
+                    <a:lstStyle/>
+                    <a:p>
+                      <a:pPr algn="ctr"/>
+                      <a:r>
+                        <a:rPr lang="en-GB" sz="1800">
+                          <a:latin typeface="Ubuntu Titling Rg" panose="02000000000000000000"/>
+                        </a:rPr>
+                        <a:t>Yes</a:t>
+                      </a:r>
+                    </a:p>
+                  </a:txBody>
+                  <a:tcPr marL="89410" marR="89410" marT="44705" marB="44705" anchor="ctr">
+                    <a:lnL>
+                      <a:noFill/>
+                    </a:lnL>
+                    <a:lnR>
+                      <a:noFill/>
+                    </a:lnR>
+                    <a:lnT>
+                      <a:noFill/>
+                    </a:lnT>
+                    <a:lnB>
+                      <a:noFill/>
+                    </a:lnB>
+                  </a:tcPr>
+                </a:tc>
+                <a:tc>
+                  <a:txBody>
+                    <a:bodyPr/>
+                    <a:lstStyle/>
+                    <a:p>
+                      <a:pPr algn="ctr"/>
+                      <a:r>
+                        <a:rPr lang="en-GB" sz="1800">
+                          <a:latin typeface="Ubuntu Titling Rg" panose="02000000000000000000"/>
+                        </a:rPr>
+                        <a:t>Yes</a:t>
+                      </a:r>
+                    </a:p>
+                  </a:txBody>
+                  <a:tcPr marL="89410" marR="89410" marT="44705" marB="44705" anchor="ctr">
+                    <a:lnL>
+                      <a:noFill/>
+                    </a:lnL>
+                    <a:lnR>
+                      <a:noFill/>
+                    </a:lnR>
+                    <a:lnT>
+                      <a:noFill/>
+                    </a:lnT>
+                    <a:lnB>
+                      <a:noFill/>
+                    </a:lnB>
+                  </a:tcPr>
+                </a:tc>
+                <a:tc>
+                  <a:txBody>
+                    <a:bodyPr/>
+                    <a:lstStyle/>
+                    <a:p>
+                      <a:pPr algn="ctr"/>
+                      <a:r>
+                        <a:rPr lang="en-GB" sz="1800">
+                          <a:latin typeface="Ubuntu Titling Rg" panose="02000000000000000000"/>
+                        </a:rPr>
+                        <a:t>No</a:t>
+                      </a:r>
+                    </a:p>
+                  </a:txBody>
+                  <a:tcPr marL="89410" marR="89410" marT="44705" marB="44705" anchor="ctr">
+                    <a:lnL>
+                      <a:noFill/>
+                    </a:lnL>
+                    <a:lnR>
+                      <a:noFill/>
+                    </a:lnR>
+                    <a:lnT>
+                      <a:noFill/>
+                    </a:lnT>
+                    <a:lnB>
+                      <a:noFill/>
+                    </a:lnB>
+                  </a:tcPr>
+                </a:tc>
+                <a:extLst>
+                  <a:ext uri="{0D108BD9-81ED-4DB2-BD59-A6C34878D82A}">
+                    <a16:rowId xmlns:a16="http://schemas.microsoft.com/office/drawing/2014/main" val="1580505899"/>
+                  </a:ext>
+                </a:extLst>
+              </a:tr>
+              <a:tr h="467556">
+                <a:tc>
+                  <a:txBody>
+                    <a:bodyPr/>
+                    <a:lstStyle/>
+                    <a:p>
+                      <a:r>
+                        <a:rPr lang="en-GB" sz="1800" b="1">
+                          <a:latin typeface="Ubuntu Titling Rg" panose="02000000000000000000"/>
+                        </a:rPr>
+                        <a:t>Shared (S)</a:t>
+                      </a:r>
+                      <a:r>
+                        <a:rPr lang="en-GB" sz="1800">
+                          <a:latin typeface="Ubuntu Titling Rg" panose="02000000000000000000"/>
+                        </a:rPr>
+                        <a:t> </a:t>
+                      </a:r>
+                    </a:p>
+                  </a:txBody>
+                  <a:tcPr marL="89410" marR="89410" marT="44705" marB="44705" anchor="ctr">
+                    <a:lnL>
+                      <a:noFill/>
+                    </a:lnL>
+                    <a:lnR>
+                      <a:noFill/>
+                    </a:lnR>
+                    <a:lnT>
+                      <a:noFill/>
+                    </a:lnT>
+                    <a:lnB>
+                      <a:noFill/>
+                    </a:lnB>
+                  </a:tcPr>
+                </a:tc>
+                <a:tc>
+                  <a:txBody>
+                    <a:bodyPr/>
+                    <a:lstStyle/>
+                    <a:p>
+                      <a:pPr algn="ctr"/>
+                      <a:r>
+                        <a:rPr lang="en-GB" sz="1800">
+                          <a:latin typeface="Ubuntu Titling Rg" panose="02000000000000000000"/>
+                        </a:rPr>
+                        <a:t>Yes</a:t>
+                      </a:r>
+                    </a:p>
+                  </a:txBody>
+                  <a:tcPr marL="89410" marR="89410" marT="44705" marB="44705" anchor="ctr">
+                    <a:lnL>
+                      <a:noFill/>
+                    </a:lnL>
+                    <a:lnR>
+                      <a:noFill/>
+                    </a:lnR>
+                    <a:lnT>
+                      <a:noFill/>
+                    </a:lnT>
+                    <a:lnB>
+                      <a:noFill/>
+                    </a:lnB>
+                  </a:tcPr>
+                </a:tc>
+                <a:tc>
+                  <a:txBody>
+                    <a:bodyPr/>
+                    <a:lstStyle/>
+                    <a:p>
+                      <a:pPr algn="ctr"/>
+                      <a:r>
+                        <a:rPr lang="en-GB" sz="1800">
+                          <a:latin typeface="Ubuntu Titling Rg" panose="02000000000000000000"/>
+                        </a:rPr>
+                        <a:t>Yes</a:t>
+                      </a:r>
+                    </a:p>
+                  </a:txBody>
+                  <a:tcPr marL="89410" marR="89410" marT="44705" marB="44705" anchor="ctr">
+                    <a:lnL>
+                      <a:noFill/>
+                    </a:lnL>
+                    <a:lnR>
+                      <a:noFill/>
+                    </a:lnR>
+                    <a:lnT>
+                      <a:noFill/>
+                    </a:lnT>
+                    <a:lnB>
+                      <a:noFill/>
+                    </a:lnB>
+                  </a:tcPr>
+                </a:tc>
+                <a:tc>
+                  <a:txBody>
+                    <a:bodyPr/>
+                    <a:lstStyle/>
+                    <a:p>
+                      <a:pPr algn="ctr"/>
+                      <a:r>
+                        <a:rPr lang="en-GB" sz="1800">
+                          <a:latin typeface="Ubuntu Titling Rg" panose="02000000000000000000"/>
+                        </a:rPr>
+                        <a:t>Yes</a:t>
+                      </a:r>
+                    </a:p>
+                  </a:txBody>
+                  <a:tcPr marL="89410" marR="89410" marT="44705" marB="44705" anchor="ctr">
+                    <a:lnL>
+                      <a:noFill/>
+                    </a:lnL>
+                    <a:lnR>
+                      <a:noFill/>
+                    </a:lnR>
+                    <a:lnT>
+                      <a:noFill/>
+                    </a:lnT>
+                    <a:lnB>
+                      <a:noFill/>
+                    </a:lnB>
+                  </a:tcPr>
+                </a:tc>
+                <a:tc>
+                  <a:txBody>
+                    <a:bodyPr/>
+                    <a:lstStyle/>
+                    <a:p>
+                      <a:pPr algn="ctr"/>
+                      <a:r>
+                        <a:rPr lang="en-GB" sz="1800">
+                          <a:latin typeface="Ubuntu Titling Rg" panose="02000000000000000000"/>
+                        </a:rPr>
+                        <a:t>No</a:t>
+                      </a:r>
+                    </a:p>
+                  </a:txBody>
+                  <a:tcPr marL="89410" marR="89410" marT="44705" marB="44705" anchor="ctr">
+                    <a:lnL>
+                      <a:noFill/>
+                    </a:lnL>
+                    <a:lnR>
+                      <a:noFill/>
+                    </a:lnR>
+                    <a:lnT>
+                      <a:noFill/>
+                    </a:lnT>
+                    <a:lnB>
+                      <a:noFill/>
+                    </a:lnB>
+                  </a:tcPr>
+                </a:tc>
+                <a:tc>
+                  <a:txBody>
+                    <a:bodyPr/>
+                    <a:lstStyle/>
+                    <a:p>
+                      <a:pPr algn="ctr"/>
+                      <a:r>
+                        <a:rPr lang="en-GB" sz="1800">
+                          <a:latin typeface="Ubuntu Titling Rg" panose="02000000000000000000"/>
+                        </a:rPr>
+                        <a:t>No</a:t>
+                      </a:r>
+                    </a:p>
+                  </a:txBody>
+                  <a:tcPr marL="89410" marR="89410" marT="44705" marB="44705" anchor="ctr">
+                    <a:lnL>
+                      <a:noFill/>
+                    </a:lnL>
+                    <a:lnR>
+                      <a:noFill/>
+                    </a:lnR>
+                    <a:lnT>
+                      <a:noFill/>
+                    </a:lnT>
+                    <a:lnB>
+                      <a:noFill/>
+                    </a:lnB>
+                  </a:tcPr>
+                </a:tc>
+                <a:tc>
+                  <a:txBody>
+                    <a:bodyPr/>
+                    <a:lstStyle/>
+                    <a:p>
+                      <a:pPr algn="ctr"/>
+                      <a:r>
+                        <a:rPr lang="en-GB" sz="1800">
+                          <a:latin typeface="Ubuntu Titling Rg" panose="02000000000000000000"/>
+                        </a:rPr>
+                        <a:t>No</a:t>
+                      </a:r>
+                    </a:p>
+                  </a:txBody>
+                  <a:tcPr marL="89410" marR="89410" marT="44705" marB="44705" anchor="ctr">
+                    <a:lnL>
+                      <a:noFill/>
+                    </a:lnL>
+                    <a:lnR>
+                      <a:noFill/>
+                    </a:lnR>
+                    <a:lnT>
+                      <a:noFill/>
+                    </a:lnT>
+                    <a:lnB>
+                      <a:noFill/>
+                    </a:lnB>
+                  </a:tcPr>
+                </a:tc>
+                <a:extLst>
+                  <a:ext uri="{0D108BD9-81ED-4DB2-BD59-A6C34878D82A}">
+                    <a16:rowId xmlns:a16="http://schemas.microsoft.com/office/drawing/2014/main" val="3726358237"/>
+                  </a:ext>
+                </a:extLst>
+              </a:tr>
+              <a:tr h="507632">
+                <a:tc>
+                  <a:txBody>
+                    <a:bodyPr/>
+                    <a:lstStyle/>
+                    <a:p>
+                      <a:r>
+                        <a:rPr lang="en-GB" sz="1800" b="1">
+                          <a:latin typeface="Ubuntu Titling Rg" panose="02000000000000000000"/>
+                        </a:rPr>
+                        <a:t>Update (U)</a:t>
+                      </a:r>
+                      <a:r>
+                        <a:rPr lang="en-GB" sz="1800">
+                          <a:latin typeface="Ubuntu Titling Rg" panose="02000000000000000000"/>
+                        </a:rPr>
+                        <a:t> </a:t>
+                      </a:r>
+                    </a:p>
+                  </a:txBody>
+                  <a:tcPr marL="89410" marR="89410" marT="44705" marB="44705" anchor="ctr">
+                    <a:lnL>
+                      <a:noFill/>
+                    </a:lnL>
+                    <a:lnR>
+                      <a:noFill/>
+                    </a:lnR>
+                    <a:lnT>
+                      <a:noFill/>
+                    </a:lnT>
+                    <a:lnB>
+                      <a:noFill/>
+                    </a:lnB>
+                  </a:tcPr>
+                </a:tc>
+                <a:tc>
+                  <a:txBody>
+                    <a:bodyPr/>
+                    <a:lstStyle/>
+                    <a:p>
+                      <a:pPr algn="ctr"/>
+                      <a:r>
+                        <a:rPr lang="en-GB" sz="1800">
+                          <a:latin typeface="Ubuntu Titling Rg" panose="02000000000000000000"/>
+                        </a:rPr>
+                        <a:t>Yes</a:t>
+                      </a:r>
+                    </a:p>
+                  </a:txBody>
+                  <a:tcPr marL="89410" marR="89410" marT="44705" marB="44705" anchor="ctr">
+                    <a:lnL>
+                      <a:noFill/>
+                    </a:lnL>
+                    <a:lnR>
+                      <a:noFill/>
+                    </a:lnR>
+                    <a:lnT>
+                      <a:noFill/>
+                    </a:lnT>
+                    <a:lnB>
+                      <a:noFill/>
+                    </a:lnB>
+                  </a:tcPr>
+                </a:tc>
+                <a:tc>
+                  <a:txBody>
+                    <a:bodyPr/>
+                    <a:lstStyle/>
+                    <a:p>
+                      <a:pPr algn="ctr"/>
+                      <a:r>
+                        <a:rPr lang="en-GB" sz="1800">
+                          <a:latin typeface="Ubuntu Titling Rg" panose="02000000000000000000"/>
+                        </a:rPr>
+                        <a:t>Yes</a:t>
+                      </a:r>
+                    </a:p>
+                  </a:txBody>
+                  <a:tcPr marL="89410" marR="89410" marT="44705" marB="44705" anchor="ctr">
+                    <a:lnL>
+                      <a:noFill/>
+                    </a:lnL>
+                    <a:lnR>
+                      <a:noFill/>
+                    </a:lnR>
+                    <a:lnT>
+                      <a:noFill/>
+                    </a:lnT>
+                    <a:lnB>
+                      <a:noFill/>
+                    </a:lnB>
+                  </a:tcPr>
+                </a:tc>
+                <a:tc>
+                  <a:txBody>
+                    <a:bodyPr/>
+                    <a:lstStyle/>
+                    <a:p>
+                      <a:pPr algn="ctr"/>
+                      <a:r>
+                        <a:rPr lang="en-GB" sz="1800">
+                          <a:latin typeface="Ubuntu Titling Rg" panose="02000000000000000000"/>
+                        </a:rPr>
+                        <a:t>No</a:t>
+                      </a:r>
+                    </a:p>
+                  </a:txBody>
+                  <a:tcPr marL="89410" marR="89410" marT="44705" marB="44705" anchor="ctr">
+                    <a:lnL>
+                      <a:noFill/>
+                    </a:lnL>
+                    <a:lnR>
+                      <a:noFill/>
+                    </a:lnR>
+                    <a:lnT>
+                      <a:noFill/>
+                    </a:lnT>
+                    <a:lnB>
+                      <a:noFill/>
+                    </a:lnB>
+                  </a:tcPr>
+                </a:tc>
+                <a:tc>
+                  <a:txBody>
+                    <a:bodyPr/>
+                    <a:lstStyle/>
+                    <a:p>
+                      <a:pPr algn="ctr"/>
+                      <a:r>
+                        <a:rPr lang="en-GB" sz="1800">
+                          <a:latin typeface="Ubuntu Titling Rg" panose="02000000000000000000"/>
+                        </a:rPr>
+                        <a:t>No</a:t>
+                      </a:r>
+                    </a:p>
+                  </a:txBody>
+                  <a:tcPr marL="89410" marR="89410" marT="44705" marB="44705" anchor="ctr">
+                    <a:lnL>
+                      <a:noFill/>
+                    </a:lnL>
+                    <a:lnR>
+                      <a:noFill/>
+                    </a:lnR>
+                    <a:lnT>
+                      <a:noFill/>
+                    </a:lnT>
+                    <a:lnB>
+                      <a:noFill/>
+                    </a:lnB>
+                  </a:tcPr>
+                </a:tc>
+                <a:tc>
+                  <a:txBody>
+                    <a:bodyPr/>
+                    <a:lstStyle/>
+                    <a:p>
+                      <a:pPr algn="ctr"/>
+                      <a:r>
+                        <a:rPr lang="en-GB" sz="1800">
+                          <a:latin typeface="Ubuntu Titling Rg" panose="02000000000000000000"/>
+                        </a:rPr>
+                        <a:t>No</a:t>
+                      </a:r>
+                    </a:p>
+                  </a:txBody>
+                  <a:tcPr marL="89410" marR="89410" marT="44705" marB="44705" anchor="ctr">
+                    <a:lnL>
+                      <a:noFill/>
+                    </a:lnL>
+                    <a:lnR>
+                      <a:noFill/>
+                    </a:lnR>
+                    <a:lnT>
+                      <a:noFill/>
+                    </a:lnT>
+                    <a:lnB>
+                      <a:noFill/>
+                    </a:lnB>
+                  </a:tcPr>
+                </a:tc>
+                <a:tc>
+                  <a:txBody>
+                    <a:bodyPr/>
+                    <a:lstStyle/>
+                    <a:p>
+                      <a:pPr algn="ctr"/>
+                      <a:r>
+                        <a:rPr lang="en-GB" sz="1800">
+                          <a:latin typeface="Ubuntu Titling Rg" panose="02000000000000000000"/>
+                        </a:rPr>
+                        <a:t>No</a:t>
+                      </a:r>
+                    </a:p>
+                  </a:txBody>
+                  <a:tcPr marL="89410" marR="89410" marT="44705" marB="44705" anchor="ctr">
+                    <a:lnL>
+                      <a:noFill/>
+                    </a:lnL>
+                    <a:lnR>
+                      <a:noFill/>
+                    </a:lnR>
+                    <a:lnT>
+                      <a:noFill/>
+                    </a:lnT>
+                    <a:lnB>
+                      <a:noFill/>
+                    </a:lnB>
+                  </a:tcPr>
+                </a:tc>
+                <a:extLst>
+                  <a:ext uri="{0D108BD9-81ED-4DB2-BD59-A6C34878D82A}">
+                    <a16:rowId xmlns:a16="http://schemas.microsoft.com/office/drawing/2014/main" val="1973268792"/>
+                  </a:ext>
+                </a:extLst>
+              </a:tr>
+              <a:tr h="494274">
+                <a:tc>
+                  <a:txBody>
+                    <a:bodyPr/>
+                    <a:lstStyle/>
+                    <a:p>
+                      <a:r>
+                        <a:rPr lang="en-GB" sz="1800" b="1">
+                          <a:latin typeface="Ubuntu Titling Rg" panose="02000000000000000000"/>
+                        </a:rPr>
+                        <a:t>Intent exclusive (IX)</a:t>
+                      </a:r>
+                      <a:r>
+                        <a:rPr lang="en-GB" sz="1800">
+                          <a:latin typeface="Ubuntu Titling Rg" panose="02000000000000000000"/>
+                        </a:rPr>
+                        <a:t> </a:t>
+                      </a:r>
+                    </a:p>
+                  </a:txBody>
+                  <a:tcPr marL="89410" marR="89410" marT="44705" marB="44705" anchor="ctr">
+                    <a:lnL>
+                      <a:noFill/>
+                    </a:lnL>
+                    <a:lnR>
+                      <a:noFill/>
+                    </a:lnR>
+                    <a:lnT>
+                      <a:noFill/>
+                    </a:lnT>
+                    <a:lnB>
+                      <a:noFill/>
+                    </a:lnB>
+                  </a:tcPr>
+                </a:tc>
+                <a:tc>
+                  <a:txBody>
+                    <a:bodyPr/>
+                    <a:lstStyle/>
+                    <a:p>
+                      <a:pPr algn="ctr"/>
+                      <a:r>
+                        <a:rPr lang="en-GB" sz="1800">
+                          <a:latin typeface="Ubuntu Titling Rg" panose="02000000000000000000"/>
+                        </a:rPr>
+                        <a:t>Yes</a:t>
+                      </a:r>
+                    </a:p>
+                  </a:txBody>
+                  <a:tcPr marL="89410" marR="89410" marT="44705" marB="44705" anchor="ctr">
+                    <a:lnL>
+                      <a:noFill/>
+                    </a:lnL>
+                    <a:lnR>
+                      <a:noFill/>
+                    </a:lnR>
+                    <a:lnT>
+                      <a:noFill/>
+                    </a:lnT>
+                    <a:lnB>
+                      <a:noFill/>
+                    </a:lnB>
+                  </a:tcPr>
+                </a:tc>
+                <a:tc>
+                  <a:txBody>
+                    <a:bodyPr/>
+                    <a:lstStyle/>
+                    <a:p>
+                      <a:pPr algn="ctr"/>
+                      <a:r>
+                        <a:rPr lang="en-GB" sz="1800">
+                          <a:latin typeface="Ubuntu Titling Rg" panose="02000000000000000000"/>
+                        </a:rPr>
+                        <a:t>No</a:t>
+                      </a:r>
+                    </a:p>
+                  </a:txBody>
+                  <a:tcPr marL="89410" marR="89410" marT="44705" marB="44705" anchor="ctr">
+                    <a:lnL>
+                      <a:noFill/>
+                    </a:lnL>
+                    <a:lnR>
+                      <a:noFill/>
+                    </a:lnR>
+                    <a:lnT>
+                      <a:noFill/>
+                    </a:lnT>
+                    <a:lnB>
+                      <a:noFill/>
+                    </a:lnB>
+                  </a:tcPr>
+                </a:tc>
+                <a:tc>
+                  <a:txBody>
+                    <a:bodyPr/>
+                    <a:lstStyle/>
+                    <a:p>
+                      <a:pPr algn="ctr"/>
+                      <a:r>
+                        <a:rPr lang="en-GB" sz="1800">
+                          <a:latin typeface="Ubuntu Titling Rg" panose="02000000000000000000"/>
+                        </a:rPr>
+                        <a:t>No</a:t>
+                      </a:r>
+                    </a:p>
+                  </a:txBody>
+                  <a:tcPr marL="89410" marR="89410" marT="44705" marB="44705" anchor="ctr">
+                    <a:lnL>
+                      <a:noFill/>
+                    </a:lnL>
+                    <a:lnR>
+                      <a:noFill/>
+                    </a:lnR>
+                    <a:lnT>
+                      <a:noFill/>
+                    </a:lnT>
+                    <a:lnB>
+                      <a:noFill/>
+                    </a:lnB>
+                  </a:tcPr>
+                </a:tc>
+                <a:tc>
+                  <a:txBody>
+                    <a:bodyPr/>
+                    <a:lstStyle/>
+                    <a:p>
+                      <a:pPr algn="ctr"/>
+                      <a:r>
+                        <a:rPr lang="en-GB" sz="1800">
+                          <a:latin typeface="Ubuntu Titling Rg" panose="02000000000000000000"/>
+                        </a:rPr>
+                        <a:t>Yes</a:t>
+                      </a:r>
+                    </a:p>
+                  </a:txBody>
+                  <a:tcPr marL="89410" marR="89410" marT="44705" marB="44705" anchor="ctr">
+                    <a:lnL>
+                      <a:noFill/>
+                    </a:lnL>
+                    <a:lnR>
+                      <a:noFill/>
+                    </a:lnR>
+                    <a:lnT>
+                      <a:noFill/>
+                    </a:lnT>
+                    <a:lnB>
+                      <a:noFill/>
+                    </a:lnB>
+                  </a:tcPr>
+                </a:tc>
+                <a:tc>
+                  <a:txBody>
+                    <a:bodyPr/>
+                    <a:lstStyle/>
+                    <a:p>
+                      <a:pPr algn="ctr"/>
+                      <a:r>
+                        <a:rPr lang="en-GB" sz="1800">
+                          <a:latin typeface="Ubuntu Titling Rg" panose="02000000000000000000"/>
+                        </a:rPr>
+                        <a:t>No</a:t>
+                      </a:r>
+                    </a:p>
+                  </a:txBody>
+                  <a:tcPr marL="89410" marR="89410" marT="44705" marB="44705" anchor="ctr">
+                    <a:lnL>
+                      <a:noFill/>
+                    </a:lnL>
+                    <a:lnR>
+                      <a:noFill/>
+                    </a:lnR>
+                    <a:lnT>
+                      <a:noFill/>
+                    </a:lnT>
+                    <a:lnB>
+                      <a:noFill/>
+                    </a:lnB>
+                  </a:tcPr>
+                </a:tc>
+                <a:tc>
+                  <a:txBody>
+                    <a:bodyPr/>
+                    <a:lstStyle/>
+                    <a:p>
+                      <a:pPr algn="ctr"/>
+                      <a:r>
+                        <a:rPr lang="en-GB" sz="1800">
+                          <a:latin typeface="Ubuntu Titling Rg" panose="02000000000000000000"/>
+                        </a:rPr>
+                        <a:t>No</a:t>
+                      </a:r>
+                    </a:p>
+                  </a:txBody>
+                  <a:tcPr marL="89410" marR="89410" marT="44705" marB="44705" anchor="ctr">
+                    <a:lnL>
+                      <a:noFill/>
+                    </a:lnL>
+                    <a:lnR>
+                      <a:noFill/>
+                    </a:lnR>
+                    <a:lnT>
+                      <a:noFill/>
+                    </a:lnT>
+                    <a:lnB>
+                      <a:noFill/>
+                    </a:lnB>
+                  </a:tcPr>
+                </a:tc>
+                <a:extLst>
+                  <a:ext uri="{0D108BD9-81ED-4DB2-BD59-A6C34878D82A}">
+                    <a16:rowId xmlns:a16="http://schemas.microsoft.com/office/drawing/2014/main" val="2438938015"/>
+                  </a:ext>
+                </a:extLst>
+              </a:tr>
+              <a:tr h="461887">
+                <a:tc>
+                  <a:txBody>
+                    <a:bodyPr/>
+                    <a:lstStyle/>
+                    <a:p>
+                      <a:r>
+                        <a:rPr lang="en-GB" sz="1800" b="1">
+                          <a:latin typeface="Ubuntu Titling Rg" panose="02000000000000000000"/>
+                        </a:rPr>
+                        <a:t>Shared with intent exclusive (SIX)</a:t>
+                      </a:r>
+                      <a:r>
+                        <a:rPr lang="en-GB" sz="1800">
+                          <a:latin typeface="Ubuntu Titling Rg" panose="02000000000000000000"/>
+                        </a:rPr>
+                        <a:t> </a:t>
+                      </a:r>
+                    </a:p>
+                  </a:txBody>
+                  <a:tcPr marL="89410" marR="89410" marT="44705" marB="44705" anchor="ctr">
+                    <a:lnL>
+                      <a:noFill/>
+                    </a:lnL>
+                    <a:lnR>
+                      <a:noFill/>
+                    </a:lnR>
+                    <a:lnT>
+                      <a:noFill/>
+                    </a:lnT>
+                    <a:lnB>
+                      <a:noFill/>
+                    </a:lnB>
+                  </a:tcPr>
+                </a:tc>
+                <a:tc>
+                  <a:txBody>
+                    <a:bodyPr/>
+                    <a:lstStyle/>
+                    <a:p>
+                      <a:pPr algn="ctr"/>
+                      <a:r>
+                        <a:rPr lang="en-GB" sz="1800">
+                          <a:latin typeface="Ubuntu Titling Rg" panose="02000000000000000000"/>
+                        </a:rPr>
+                        <a:t>Yes</a:t>
+                      </a:r>
+                    </a:p>
+                  </a:txBody>
+                  <a:tcPr marL="89410" marR="89410" marT="44705" marB="44705" anchor="ctr">
+                    <a:lnL>
+                      <a:noFill/>
+                    </a:lnL>
+                    <a:lnR>
+                      <a:noFill/>
+                    </a:lnR>
+                    <a:lnT>
+                      <a:noFill/>
+                    </a:lnT>
+                    <a:lnB>
+                      <a:noFill/>
+                    </a:lnB>
+                  </a:tcPr>
+                </a:tc>
+                <a:tc>
+                  <a:txBody>
+                    <a:bodyPr/>
+                    <a:lstStyle/>
+                    <a:p>
+                      <a:pPr algn="ctr"/>
+                      <a:r>
+                        <a:rPr lang="en-GB" sz="1800">
+                          <a:latin typeface="Ubuntu Titling Rg" panose="02000000000000000000"/>
+                        </a:rPr>
+                        <a:t>No</a:t>
+                      </a:r>
+                    </a:p>
+                  </a:txBody>
+                  <a:tcPr marL="89410" marR="89410" marT="44705" marB="44705" anchor="ctr">
+                    <a:lnL>
+                      <a:noFill/>
+                    </a:lnL>
+                    <a:lnR>
+                      <a:noFill/>
+                    </a:lnR>
+                    <a:lnT>
+                      <a:noFill/>
+                    </a:lnT>
+                    <a:lnB>
+                      <a:noFill/>
+                    </a:lnB>
+                  </a:tcPr>
+                </a:tc>
+                <a:tc>
+                  <a:txBody>
+                    <a:bodyPr/>
+                    <a:lstStyle/>
+                    <a:p>
+                      <a:pPr algn="ctr"/>
+                      <a:r>
+                        <a:rPr lang="en-GB" sz="1800">
+                          <a:latin typeface="Ubuntu Titling Rg" panose="02000000000000000000"/>
+                        </a:rPr>
+                        <a:t>No</a:t>
+                      </a:r>
+                    </a:p>
+                  </a:txBody>
+                  <a:tcPr marL="89410" marR="89410" marT="44705" marB="44705" anchor="ctr">
+                    <a:lnL>
+                      <a:noFill/>
+                    </a:lnL>
+                    <a:lnR>
+                      <a:noFill/>
+                    </a:lnR>
+                    <a:lnT>
+                      <a:noFill/>
+                    </a:lnT>
+                    <a:lnB>
+                      <a:noFill/>
+                    </a:lnB>
+                  </a:tcPr>
+                </a:tc>
+                <a:tc>
+                  <a:txBody>
+                    <a:bodyPr/>
+                    <a:lstStyle/>
+                    <a:p>
+                      <a:pPr algn="ctr"/>
+                      <a:r>
+                        <a:rPr lang="en-GB" sz="1800">
+                          <a:latin typeface="Ubuntu Titling Rg" panose="02000000000000000000"/>
+                        </a:rPr>
+                        <a:t>No</a:t>
+                      </a:r>
+                    </a:p>
+                  </a:txBody>
+                  <a:tcPr marL="89410" marR="89410" marT="44705" marB="44705" anchor="ctr">
+                    <a:lnL>
+                      <a:noFill/>
+                    </a:lnL>
+                    <a:lnR>
+                      <a:noFill/>
+                    </a:lnR>
+                    <a:lnT>
+                      <a:noFill/>
+                    </a:lnT>
+                    <a:lnB>
+                      <a:noFill/>
+                    </a:lnB>
+                  </a:tcPr>
+                </a:tc>
+                <a:tc>
+                  <a:txBody>
+                    <a:bodyPr/>
+                    <a:lstStyle/>
+                    <a:p>
+                      <a:pPr algn="ctr"/>
+                      <a:r>
+                        <a:rPr lang="en-GB" sz="1800">
+                          <a:latin typeface="Ubuntu Titling Rg" panose="02000000000000000000"/>
+                        </a:rPr>
+                        <a:t>No</a:t>
+                      </a:r>
+                    </a:p>
+                  </a:txBody>
+                  <a:tcPr marL="89410" marR="89410" marT="44705" marB="44705" anchor="ctr">
+                    <a:lnL>
+                      <a:noFill/>
+                    </a:lnL>
+                    <a:lnR>
+                      <a:noFill/>
+                    </a:lnR>
+                    <a:lnT>
+                      <a:noFill/>
+                    </a:lnT>
+                    <a:lnB>
+                      <a:noFill/>
+                    </a:lnB>
+                  </a:tcPr>
+                </a:tc>
+                <a:tc>
+                  <a:txBody>
+                    <a:bodyPr/>
+                    <a:lstStyle/>
+                    <a:p>
+                      <a:pPr algn="ctr"/>
+                      <a:r>
+                        <a:rPr lang="en-GB" sz="1800">
+                          <a:latin typeface="Ubuntu Titling Rg" panose="02000000000000000000"/>
+                        </a:rPr>
+                        <a:t>No</a:t>
+                      </a:r>
+                    </a:p>
+                  </a:txBody>
+                  <a:tcPr marL="89410" marR="89410" marT="44705" marB="44705" anchor="ctr">
+                    <a:lnL>
+                      <a:noFill/>
+                    </a:lnL>
+                    <a:lnR>
+                      <a:noFill/>
+                    </a:lnR>
+                    <a:lnT>
+                      <a:noFill/>
+                    </a:lnT>
+                    <a:lnB>
+                      <a:noFill/>
+                    </a:lnB>
+                  </a:tcPr>
+                </a:tc>
+                <a:extLst>
+                  <a:ext uri="{0D108BD9-81ED-4DB2-BD59-A6C34878D82A}">
+                    <a16:rowId xmlns:a16="http://schemas.microsoft.com/office/drawing/2014/main" val="1283757727"/>
+                  </a:ext>
+                </a:extLst>
+              </a:tr>
+              <a:tr h="371969">
+                <a:tc>
+                  <a:txBody>
+                    <a:bodyPr/>
+                    <a:lstStyle/>
+                    <a:p>
+                      <a:r>
+                        <a:rPr lang="en-GB" sz="1800" b="1" dirty="0">
+                          <a:latin typeface="Ubuntu Titling Rg" panose="02000000000000000000"/>
+                        </a:rPr>
+                        <a:t>Exclusive (X)</a:t>
+                      </a:r>
+                      <a:r>
+                        <a:rPr lang="en-GB" sz="1800" dirty="0">
+                          <a:latin typeface="Ubuntu Titling Rg" panose="02000000000000000000"/>
+                        </a:rPr>
+                        <a:t> </a:t>
+                      </a:r>
+                    </a:p>
+                  </a:txBody>
+                  <a:tcPr marL="89410" marR="89410" marT="44705" marB="44705" anchor="ctr">
+                    <a:lnL>
+                      <a:noFill/>
+                    </a:lnL>
+                    <a:lnR>
+                      <a:noFill/>
+                    </a:lnR>
+                    <a:lnT>
+                      <a:noFill/>
+                    </a:lnT>
+                    <a:lnB>
+                      <a:noFill/>
+                    </a:lnB>
+                  </a:tcPr>
+                </a:tc>
+                <a:tc>
+                  <a:txBody>
+                    <a:bodyPr/>
+                    <a:lstStyle/>
+                    <a:p>
+                      <a:pPr algn="ctr"/>
+                      <a:r>
+                        <a:rPr lang="en-GB" sz="1800">
+                          <a:latin typeface="Ubuntu Titling Rg" panose="02000000000000000000"/>
+                        </a:rPr>
+                        <a:t>No</a:t>
+                      </a:r>
+                    </a:p>
+                  </a:txBody>
+                  <a:tcPr marL="89410" marR="89410" marT="44705" marB="44705" anchor="ctr">
+                    <a:lnL>
+                      <a:noFill/>
+                    </a:lnL>
+                    <a:lnR>
+                      <a:noFill/>
+                    </a:lnR>
+                    <a:lnT>
+                      <a:noFill/>
+                    </a:lnT>
+                    <a:lnB>
+                      <a:noFill/>
+                    </a:lnB>
+                  </a:tcPr>
+                </a:tc>
+                <a:tc>
+                  <a:txBody>
+                    <a:bodyPr/>
+                    <a:lstStyle/>
+                    <a:p>
+                      <a:pPr algn="ctr"/>
+                      <a:r>
+                        <a:rPr lang="en-GB" sz="1800">
+                          <a:latin typeface="Ubuntu Titling Rg" panose="02000000000000000000"/>
+                        </a:rPr>
+                        <a:t>No</a:t>
+                      </a:r>
+                    </a:p>
+                  </a:txBody>
+                  <a:tcPr marL="89410" marR="89410" marT="44705" marB="44705" anchor="ctr">
+                    <a:lnL>
+                      <a:noFill/>
+                    </a:lnL>
+                    <a:lnR>
+                      <a:noFill/>
+                    </a:lnR>
+                    <a:lnT>
+                      <a:noFill/>
+                    </a:lnT>
+                    <a:lnB>
+                      <a:noFill/>
+                    </a:lnB>
+                  </a:tcPr>
+                </a:tc>
+                <a:tc>
+                  <a:txBody>
+                    <a:bodyPr/>
+                    <a:lstStyle/>
+                    <a:p>
+                      <a:pPr algn="ctr"/>
+                      <a:r>
+                        <a:rPr lang="en-GB" sz="1800">
+                          <a:latin typeface="Ubuntu Titling Rg" panose="02000000000000000000"/>
+                        </a:rPr>
+                        <a:t>No</a:t>
+                      </a:r>
+                    </a:p>
+                  </a:txBody>
+                  <a:tcPr marL="89410" marR="89410" marT="44705" marB="44705" anchor="ctr">
+                    <a:lnL>
+                      <a:noFill/>
+                    </a:lnL>
+                    <a:lnR>
+                      <a:noFill/>
+                    </a:lnR>
+                    <a:lnT>
+                      <a:noFill/>
+                    </a:lnT>
+                    <a:lnB>
+                      <a:noFill/>
+                    </a:lnB>
+                  </a:tcPr>
+                </a:tc>
+                <a:tc>
+                  <a:txBody>
+                    <a:bodyPr/>
+                    <a:lstStyle/>
+                    <a:p>
+                      <a:pPr algn="ctr"/>
+                      <a:r>
+                        <a:rPr lang="en-GB" sz="1800">
+                          <a:latin typeface="Ubuntu Titling Rg" panose="02000000000000000000"/>
+                        </a:rPr>
+                        <a:t>No</a:t>
+                      </a:r>
+                    </a:p>
+                  </a:txBody>
+                  <a:tcPr marL="89410" marR="89410" marT="44705" marB="44705" anchor="ctr">
+                    <a:lnL>
+                      <a:noFill/>
+                    </a:lnL>
+                    <a:lnR>
+                      <a:noFill/>
+                    </a:lnR>
+                    <a:lnT>
+                      <a:noFill/>
+                    </a:lnT>
+                    <a:lnB>
+                      <a:noFill/>
+                    </a:lnB>
+                  </a:tcPr>
+                </a:tc>
+                <a:tc>
+                  <a:txBody>
+                    <a:bodyPr/>
+                    <a:lstStyle/>
+                    <a:p>
+                      <a:pPr algn="ctr"/>
+                      <a:r>
+                        <a:rPr lang="en-GB" sz="1800">
+                          <a:latin typeface="Ubuntu Titling Rg" panose="02000000000000000000"/>
+                        </a:rPr>
+                        <a:t>No</a:t>
+                      </a:r>
+                    </a:p>
+                  </a:txBody>
+                  <a:tcPr marL="89410" marR="89410" marT="44705" marB="44705" anchor="ctr">
+                    <a:lnL>
+                      <a:noFill/>
+                    </a:lnL>
+                    <a:lnR>
+                      <a:noFill/>
+                    </a:lnR>
+                    <a:lnT>
+                      <a:noFill/>
+                    </a:lnT>
+                    <a:lnB>
+                      <a:noFill/>
+                    </a:lnB>
+                  </a:tcPr>
+                </a:tc>
+                <a:tc>
+                  <a:txBody>
+                    <a:bodyPr/>
+                    <a:lstStyle/>
+                    <a:p>
+                      <a:pPr algn="ctr"/>
+                      <a:r>
+                        <a:rPr lang="en-GB" sz="1800" dirty="0">
+                          <a:latin typeface="Ubuntu Titling Rg" panose="02000000000000000000"/>
+                        </a:rPr>
+                        <a:t>No</a:t>
+                      </a:r>
+                    </a:p>
+                  </a:txBody>
+                  <a:tcPr marL="89410" marR="89410" marT="44705" marB="44705" anchor="ctr">
+                    <a:lnL>
+                      <a:noFill/>
+                    </a:lnL>
+                    <a:lnR>
+                      <a:noFill/>
+                    </a:lnR>
+                    <a:lnT>
+                      <a:noFill/>
+                    </a:lnT>
+                    <a:lnB>
+                      <a:noFill/>
+                    </a:lnB>
+                  </a:tcPr>
+                </a:tc>
+                <a:extLst>
+                  <a:ext uri="{0D108BD9-81ED-4DB2-BD59-A6C34878D82A}">
+                    <a16:rowId xmlns:a16="http://schemas.microsoft.com/office/drawing/2014/main" val="512849613"/>
+                  </a:ext>
+                </a:extLst>
+              </a:tr>
+            </a:tbl>
+          </a:graphicData>
+        </a:graphic>
+      </p:graphicFrame>
+    </p:spTree>
+    <p:extLst>
+      <p:ext uri="{BB962C8B-B14F-4D97-AF65-F5344CB8AC3E}">
+        <p14:creationId xmlns:p14="http://schemas.microsoft.com/office/powerpoint/2010/main" val="350636237"/>
+      </p:ext>
+    </p:extLst>
+  </p:cSld>
+  <p:clrMapOvr>
+    <a:masterClrMapping/>
+  </p:clrMapOvr>
+</p:sld>
+</file>
+
+<file path=ppt/slides/slide15.xml><?xml version="1.0" encoding="utf-8"?>
+<p:sld xmlns:a="http://schemas.openxmlformats.org/drawingml/2006/main" xmlns:r="http://schemas.openxmlformats.org/officeDocument/2006/relationships" xmlns:p="http://schemas.openxmlformats.org/presentationml/2006/main">
+  <p:cSld>
+    <p:spTree>
+      <p:nvGrpSpPr>
+        <p:cNvPr id="1" name=""/>
+        <p:cNvGrpSpPr/>
+        <p:nvPr/>
+      </p:nvGrpSpPr>
+      <p:grpSpPr>
+        <a:xfrm>
+          <a:off x="0" y="0"/>
+          <a:ext cx="0" cy="0"/>
+          <a:chOff x="0" y="0"/>
+          <a:chExt cx="0" cy="0"/>
+        </a:xfrm>
+      </p:grpSpPr>
+      <p:sp>
+        <p:nvSpPr>
+          <p:cNvPr id="2" name="Title 1"/>
+          <p:cNvSpPr>
+            <a:spLocks noGrp="1"/>
+          </p:cNvSpPr>
+          <p:nvPr>
+            <p:ph type="title"/>
+          </p:nvPr>
+        </p:nvSpPr>
+        <p:spPr/>
+        <p:txBody>
+          <a:bodyPr/>
+          <a:lstStyle/>
+          <a:p>
+            <a:r>
+              <a:rPr lang="en-GB" dirty="0"/>
+              <a:t>Lock </a:t>
+            </a:r>
+            <a:r>
+              <a:rPr lang="en-GB" dirty="0" smtClean="0"/>
+              <a:t>Compatibility (2)</a:t>
+            </a:r>
+            <a:endParaRPr lang="en-GB" dirty="0"/>
+          </a:p>
+        </p:txBody>
+      </p:sp>
+      <p:pic>
+        <p:nvPicPr>
+          <p:cNvPr id="2050" name="Picture 2" descr="Diagram showing lock compatibility matrix"/>
+          <p:cNvPicPr>
+            <a:picLocks noGrp="1" noChangeAspect="1" noChangeArrowheads="1"/>
+          </p:cNvPicPr>
+          <p:nvPr>
+            <p:ph idx="1"/>
+          </p:nvPr>
+        </p:nvPicPr>
+        <p:blipFill>
+          <a:blip r:embed="rId2">
+            <a:extLst>
+              <a:ext uri="{28A0092B-C50C-407E-A947-70E740481C1C}">
+                <a14:useLocalDpi xmlns:a14="http://schemas.microsoft.com/office/drawing/2010/main" val="0"/>
+              </a:ext>
+            </a:extLst>
+          </a:blip>
+          <a:srcRect/>
+          <a:stretch>
+            <a:fillRect/>
+          </a:stretch>
+        </p:blipFill>
+        <p:spPr bwMode="auto">
+          <a:xfrm>
+            <a:off x="2348158" y="1458822"/>
+            <a:ext cx="6806709" cy="5046481"/>
+          </a:xfrm>
+          <a:prstGeom prst="rect">
+            <a:avLst/>
+          </a:prstGeom>
+          <a:noFill/>
+          <a:extLst>
+            <a:ext uri="{909E8E84-426E-40DD-AFC4-6F175D3DCCD1}">
+              <a14:hiddenFill xmlns:a14="http://schemas.microsoft.com/office/drawing/2010/main">
+                <a:solidFill>
+                  <a:srgbClr val="FFFFFF"/>
+                </a:solidFill>
+              </a14:hiddenFill>
+            </a:ext>
+          </a:extLst>
+        </p:spPr>
+      </p:pic>
+    </p:spTree>
+    <p:extLst>
+      <p:ext uri="{BB962C8B-B14F-4D97-AF65-F5344CB8AC3E}">
+        <p14:creationId xmlns:p14="http://schemas.microsoft.com/office/powerpoint/2010/main" val="1915308367"/>
+      </p:ext>
+    </p:extLst>
+  </p:cSld>
+  <p:clrMapOvr>
+    <a:masterClrMapping/>
+  </p:clrMapOvr>
+  <p:timing>
+    <p:tnLst>
+      <p:par>
+        <p:cTn id="1" dur="indefinite" restart="never" nodeType="tmRoot"/>
+      </p:par>
+    </p:tnLst>
+  </p:timing>
+</p:sld>
+</file>
+
+<file path=ppt/slides/slide16.xml><?xml version="1.0" encoding="utf-8"?>
+<p:sld xmlns:a="http://schemas.openxmlformats.org/drawingml/2006/main" xmlns:r="http://schemas.openxmlformats.org/officeDocument/2006/relationships" xmlns:p="http://schemas.openxmlformats.org/presentationml/2006/main">
+  <p:cSld>
+    <p:spTree>
+      <p:nvGrpSpPr>
+        <p:cNvPr id="1" name=""/>
+        <p:cNvGrpSpPr/>
+        <p:nvPr/>
+      </p:nvGrpSpPr>
+      <p:grpSpPr>
+        <a:xfrm>
+          <a:off x="0" y="0"/>
+          <a:ext cx="0" cy="0"/>
+          <a:chOff x="0" y="0"/>
+          <a:chExt cx="0" cy="0"/>
+        </a:xfrm>
+      </p:grpSpPr>
+      <p:sp>
+        <p:nvSpPr>
+          <p:cNvPr id="2" name="Title 1"/>
+          <p:cNvSpPr>
+            <a:spLocks noGrp="1"/>
+          </p:cNvSpPr>
+          <p:nvPr>
+            <p:ph type="title"/>
+          </p:nvPr>
+        </p:nvSpPr>
+        <p:spPr/>
+        <p:txBody>
+          <a:bodyPr/>
+          <a:lstStyle/>
+          <a:p>
+            <a:r>
+              <a:rPr lang="en-GB" dirty="0" smtClean="0"/>
+              <a:t>Locking Hierarchy</a:t>
+            </a:r>
+            <a:endParaRPr lang="en-GB" dirty="0"/>
+          </a:p>
+        </p:txBody>
+      </p:sp>
+      <p:sp>
+        <p:nvSpPr>
+          <p:cNvPr id="5" name="Rectangle 4"/>
+          <p:cNvSpPr/>
+          <p:nvPr/>
+        </p:nvSpPr>
+        <p:spPr>
+          <a:xfrm>
+            <a:off x="3370217" y="1854926"/>
+            <a:ext cx="7628709" cy="4101737"/>
+          </a:xfrm>
+          <a:prstGeom prst="rect">
+            <a:avLst/>
+          </a:prstGeom>
+        </p:spPr>
+        <p:style>
+          <a:lnRef idx="2">
+            <a:schemeClr val="accent1">
+              <a:shade val="50000"/>
+            </a:schemeClr>
+          </a:lnRef>
+          <a:fillRef idx="1">
+            <a:schemeClr val="accent1"/>
+          </a:fillRef>
+          <a:effectRef idx="0">
+            <a:schemeClr val="accent1"/>
+          </a:effectRef>
+          <a:fontRef idx="minor">
+            <a:schemeClr val="lt1"/>
+          </a:fontRef>
+        </p:style>
+        <p:txBody>
+          <a:bodyPr rtlCol="0" anchor="ctr"/>
+          <a:lstStyle/>
+          <a:p>
+            <a:pPr algn="ctr"/>
+            <a:endParaRPr lang="en-GB"/>
+          </a:p>
+        </p:txBody>
+      </p:sp>
+      <p:sp>
+        <p:nvSpPr>
+          <p:cNvPr id="6" name="TextBox 5"/>
+          <p:cNvSpPr txBox="1"/>
+          <p:nvPr/>
+        </p:nvSpPr>
+        <p:spPr>
+          <a:xfrm>
+            <a:off x="9901646" y="1832912"/>
+            <a:ext cx="1097280" cy="365760"/>
+          </a:xfrm>
+          <a:prstGeom prst="rect">
+            <a:avLst/>
+          </a:prstGeom>
+          <a:noFill/>
+        </p:spPr>
+        <p:txBody>
+          <a:bodyPr wrap="square" rtlCol="0">
+            <a:spAutoFit/>
+          </a:bodyPr>
+          <a:lstStyle/>
+          <a:p>
+            <a:r>
+              <a:rPr lang="en-GB" dirty="0" smtClean="0"/>
+              <a:t>Database</a:t>
+            </a:r>
+            <a:endParaRPr lang="en-GB" dirty="0"/>
+          </a:p>
+        </p:txBody>
+      </p:sp>
+      <p:sp>
+        <p:nvSpPr>
+          <p:cNvPr id="7" name="Rectangle 6"/>
+          <p:cNvSpPr/>
+          <p:nvPr/>
+        </p:nvSpPr>
+        <p:spPr>
+          <a:xfrm>
+            <a:off x="4389120" y="2461017"/>
+            <a:ext cx="6609806" cy="3508709"/>
+          </a:xfrm>
+          <a:prstGeom prst="rect">
+            <a:avLst/>
+          </a:prstGeom>
+          <a:solidFill>
+            <a:schemeClr val="accent2">
+              <a:lumMod val="75000"/>
+            </a:schemeClr>
+          </a:solidFill>
+        </p:spPr>
+        <p:style>
+          <a:lnRef idx="2">
+            <a:schemeClr val="accent1">
+              <a:shade val="50000"/>
+            </a:schemeClr>
+          </a:lnRef>
+          <a:fillRef idx="1">
+            <a:schemeClr val="accent1"/>
+          </a:fillRef>
+          <a:effectRef idx="0">
+            <a:schemeClr val="accent1"/>
+          </a:effectRef>
+          <a:fontRef idx="minor">
+            <a:schemeClr val="lt1"/>
+          </a:fontRef>
+        </p:style>
+        <p:txBody>
+          <a:bodyPr rtlCol="0" anchor="ctr"/>
+          <a:lstStyle/>
+          <a:p>
+            <a:pPr algn="ctr"/>
+            <a:endParaRPr lang="en-GB"/>
+          </a:p>
+        </p:txBody>
+      </p:sp>
+      <p:sp>
+        <p:nvSpPr>
+          <p:cNvPr id="8" name="TextBox 7"/>
+          <p:cNvSpPr txBox="1"/>
+          <p:nvPr/>
+        </p:nvSpPr>
+        <p:spPr>
+          <a:xfrm>
+            <a:off x="10293532" y="2435431"/>
+            <a:ext cx="705394" cy="369332"/>
+          </a:xfrm>
+          <a:prstGeom prst="rect">
+            <a:avLst/>
+          </a:prstGeom>
+          <a:noFill/>
+        </p:spPr>
+        <p:txBody>
+          <a:bodyPr wrap="square" rtlCol="0">
+            <a:spAutoFit/>
+          </a:bodyPr>
+          <a:lstStyle/>
+          <a:p>
+            <a:r>
+              <a:rPr lang="en-GB" dirty="0" smtClean="0"/>
+              <a:t>Table</a:t>
+            </a:r>
+            <a:endParaRPr lang="en-GB" dirty="0"/>
+          </a:p>
+        </p:txBody>
+      </p:sp>
+      <p:sp>
+        <p:nvSpPr>
+          <p:cNvPr id="9" name="Rectangle 8"/>
+          <p:cNvSpPr/>
+          <p:nvPr/>
+        </p:nvSpPr>
+        <p:spPr>
+          <a:xfrm>
+            <a:off x="5503817" y="3041522"/>
+            <a:ext cx="5495109" cy="2937155"/>
+          </a:xfrm>
+          <a:prstGeom prst="rect">
+            <a:avLst/>
+          </a:prstGeom>
+          <a:solidFill>
+            <a:schemeClr val="accent3">
+              <a:lumMod val="75000"/>
+            </a:schemeClr>
+          </a:solidFill>
+        </p:spPr>
+        <p:style>
+          <a:lnRef idx="2">
+            <a:schemeClr val="accent1">
+              <a:shade val="50000"/>
+            </a:schemeClr>
+          </a:lnRef>
+          <a:fillRef idx="1">
+            <a:schemeClr val="accent1"/>
+          </a:fillRef>
+          <a:effectRef idx="0">
+            <a:schemeClr val="accent1"/>
+          </a:effectRef>
+          <a:fontRef idx="minor">
+            <a:schemeClr val="lt1"/>
+          </a:fontRef>
+        </p:style>
+        <p:txBody>
+          <a:bodyPr rtlCol="0" anchor="ctr"/>
+          <a:lstStyle/>
+          <a:p>
+            <a:pPr algn="ctr"/>
+            <a:endParaRPr lang="en-GB"/>
+          </a:p>
+        </p:txBody>
+      </p:sp>
+      <p:sp>
+        <p:nvSpPr>
+          <p:cNvPr id="12" name="TextBox 11"/>
+          <p:cNvSpPr txBox="1"/>
+          <p:nvPr/>
+        </p:nvSpPr>
+        <p:spPr>
+          <a:xfrm>
+            <a:off x="10328367" y="3061845"/>
+            <a:ext cx="635724" cy="369332"/>
+          </a:xfrm>
+          <a:prstGeom prst="rect">
+            <a:avLst/>
+          </a:prstGeom>
+          <a:noFill/>
+        </p:spPr>
+        <p:txBody>
+          <a:bodyPr wrap="square" rtlCol="0">
+            <a:spAutoFit/>
+          </a:bodyPr>
+          <a:lstStyle/>
+          <a:p>
+            <a:r>
+              <a:rPr lang="en-GB" dirty="0" smtClean="0"/>
+              <a:t>Page</a:t>
+            </a:r>
+            <a:endParaRPr lang="en-GB" dirty="0"/>
+          </a:p>
+        </p:txBody>
+      </p:sp>
+      <p:sp>
+        <p:nvSpPr>
+          <p:cNvPr id="13" name="Rectangle 12"/>
+          <p:cNvSpPr/>
+          <p:nvPr/>
+        </p:nvSpPr>
+        <p:spPr>
+          <a:xfrm>
+            <a:off x="7654834" y="5050971"/>
+            <a:ext cx="3162392" cy="731520"/>
+          </a:xfrm>
+          <a:prstGeom prst="rect">
+            <a:avLst/>
+          </a:prstGeom>
+          <a:solidFill>
+            <a:schemeClr val="accent5">
+              <a:lumMod val="75000"/>
+            </a:schemeClr>
+          </a:solidFill>
+        </p:spPr>
+        <p:style>
+          <a:lnRef idx="2">
+            <a:schemeClr val="accent1">
+              <a:shade val="50000"/>
+            </a:schemeClr>
+          </a:lnRef>
+          <a:fillRef idx="1">
+            <a:schemeClr val="accent1"/>
+          </a:fillRef>
+          <a:effectRef idx="0">
+            <a:schemeClr val="accent1"/>
+          </a:effectRef>
+          <a:fontRef idx="minor">
+            <a:schemeClr val="lt1"/>
+          </a:fontRef>
+        </p:style>
+        <p:txBody>
+          <a:bodyPr rtlCol="0" anchor="ctr"/>
+          <a:lstStyle/>
+          <a:p>
+            <a:pPr algn="ctr"/>
+            <a:endParaRPr lang="en-GB"/>
+          </a:p>
+        </p:txBody>
+      </p:sp>
+      <p:sp>
+        <p:nvSpPr>
+          <p:cNvPr id="14" name="TextBox 13"/>
+          <p:cNvSpPr txBox="1"/>
+          <p:nvPr/>
+        </p:nvSpPr>
+        <p:spPr>
+          <a:xfrm>
+            <a:off x="10181502" y="5037908"/>
+            <a:ext cx="635724" cy="369332"/>
+          </a:xfrm>
+          <a:prstGeom prst="rect">
+            <a:avLst/>
+          </a:prstGeom>
+          <a:noFill/>
+        </p:spPr>
+        <p:txBody>
+          <a:bodyPr wrap="square" rtlCol="0">
+            <a:spAutoFit/>
+          </a:bodyPr>
+          <a:lstStyle/>
+          <a:p>
+            <a:r>
+              <a:rPr lang="en-GB" dirty="0" smtClean="0"/>
+              <a:t>Row</a:t>
+            </a:r>
+            <a:endParaRPr lang="en-GB" dirty="0"/>
+          </a:p>
+        </p:txBody>
+      </p:sp>
+      <p:sp>
+        <p:nvSpPr>
+          <p:cNvPr id="15" name="TextBox 14"/>
+          <p:cNvSpPr txBox="1"/>
+          <p:nvPr/>
+        </p:nvSpPr>
+        <p:spPr>
+          <a:xfrm>
+            <a:off x="2899954" y="2706978"/>
+            <a:ext cx="940526" cy="400110"/>
+          </a:xfrm>
+          <a:prstGeom prst="rect">
+            <a:avLst/>
+          </a:prstGeom>
+          <a:solidFill>
+            <a:schemeClr val="tx1"/>
+          </a:solidFill>
+        </p:spPr>
+        <p:txBody>
+          <a:bodyPr wrap="square" rtlCol="0">
+            <a:spAutoFit/>
+          </a:bodyPr>
+          <a:lstStyle/>
+          <a:p>
+            <a:r>
+              <a:rPr lang="en-GB" sz="2000" b="1" dirty="0" smtClean="0">
+                <a:solidFill>
+                  <a:schemeClr val="bg1"/>
+                </a:solidFill>
+              </a:rPr>
+              <a:t>INSERT</a:t>
+            </a:r>
+            <a:endParaRPr lang="en-GB" sz="2000" b="1" dirty="0">
+              <a:solidFill>
+                <a:schemeClr val="bg1"/>
+              </a:solidFill>
+            </a:endParaRPr>
+          </a:p>
+        </p:txBody>
+      </p:sp>
+      <p:grpSp>
+        <p:nvGrpSpPr>
+          <p:cNvPr id="18" name="Group 17"/>
+          <p:cNvGrpSpPr/>
+          <p:nvPr/>
+        </p:nvGrpSpPr>
+        <p:grpSpPr>
+          <a:xfrm>
+            <a:off x="2981162" y="3505684"/>
+            <a:ext cx="778110" cy="400110"/>
+            <a:chOff x="2999231" y="3505684"/>
+            <a:chExt cx="823831" cy="400110"/>
+          </a:xfrm>
+        </p:grpSpPr>
+        <p:sp>
+          <p:nvSpPr>
+            <p:cNvPr id="16" name="TextBox 15"/>
+            <p:cNvSpPr txBox="1"/>
+            <p:nvPr/>
+          </p:nvSpPr>
+          <p:spPr>
+            <a:xfrm>
+              <a:off x="2999231" y="3505684"/>
+              <a:ext cx="823831" cy="400110"/>
+            </a:xfrm>
+            <a:prstGeom prst="rect">
+              <a:avLst/>
+            </a:prstGeom>
+            <a:solidFill>
+              <a:schemeClr val="tx1"/>
+            </a:solidFill>
+          </p:spPr>
+          <p:txBody>
+            <a:bodyPr wrap="square" rtlCol="0">
+              <a:spAutoFit/>
+            </a:bodyPr>
+            <a:lstStyle/>
+            <a:p>
+              <a:r>
+                <a:rPr lang="en-GB" sz="2000" b="1" dirty="0" smtClean="0">
+                  <a:solidFill>
+                    <a:schemeClr val="bg1"/>
+                  </a:solidFill>
+                </a:rPr>
+                <a:t>S </a:t>
+              </a:r>
+              <a:endParaRPr lang="en-GB" sz="2000" b="1" dirty="0">
+                <a:solidFill>
+                  <a:schemeClr val="bg1"/>
+                </a:solidFill>
+              </a:endParaRPr>
+            </a:p>
+          </p:txBody>
+        </p:sp>
+        <p:pic>
+          <p:nvPicPr>
+            <p:cNvPr id="17" name="Picture 16" descr="lock-9"/>
+            <p:cNvPicPr>
+              <a:picLocks noChangeAspect="1"/>
+            </p:cNvPicPr>
+            <p:nvPr/>
+          </p:nvPicPr>
+          <p:blipFill>
+            <a:blip r:embed="rId2">
+              <a:extLst>
+                <a:ext uri="{28A0092B-C50C-407E-A947-70E740481C1C}">
+                  <a14:useLocalDpi xmlns:a14="http://schemas.microsoft.com/office/drawing/2010/main" val="0"/>
+                </a:ext>
+              </a:extLst>
+            </a:blip>
+            <a:stretch>
+              <a:fillRect/>
+            </a:stretch>
+          </p:blipFill>
+          <p:spPr>
+            <a:xfrm>
+              <a:off x="3352800" y="3534026"/>
+              <a:ext cx="371768" cy="371768"/>
+            </a:xfrm>
+            <a:prstGeom prst="rect">
+              <a:avLst/>
+            </a:prstGeom>
+          </p:spPr>
+        </p:pic>
+      </p:grpSp>
+      <p:grpSp>
+        <p:nvGrpSpPr>
+          <p:cNvPr id="19" name="Group 18"/>
+          <p:cNvGrpSpPr/>
+          <p:nvPr/>
+        </p:nvGrpSpPr>
+        <p:grpSpPr>
+          <a:xfrm>
+            <a:off x="3935795" y="4109989"/>
+            <a:ext cx="823831" cy="400110"/>
+            <a:chOff x="2999231" y="3505684"/>
+            <a:chExt cx="823831" cy="400110"/>
+          </a:xfrm>
+        </p:grpSpPr>
+        <p:sp>
+          <p:nvSpPr>
+            <p:cNvPr id="20" name="TextBox 19"/>
+            <p:cNvSpPr txBox="1"/>
+            <p:nvPr/>
+          </p:nvSpPr>
+          <p:spPr>
+            <a:xfrm>
+              <a:off x="2999231" y="3505684"/>
+              <a:ext cx="823831" cy="400110"/>
+            </a:xfrm>
+            <a:prstGeom prst="rect">
+              <a:avLst/>
+            </a:prstGeom>
+            <a:solidFill>
+              <a:schemeClr val="tx1"/>
+            </a:solidFill>
+          </p:spPr>
+          <p:txBody>
+            <a:bodyPr wrap="square" rtlCol="0">
+              <a:spAutoFit/>
+            </a:bodyPr>
+            <a:lstStyle/>
+            <a:p>
+              <a:r>
+                <a:rPr lang="en-GB" sz="2000" b="1" dirty="0" smtClean="0">
+                  <a:solidFill>
+                    <a:schemeClr val="bg1"/>
+                  </a:solidFill>
+                </a:rPr>
+                <a:t>IX </a:t>
+              </a:r>
+              <a:endParaRPr lang="en-GB" sz="2000" b="1" dirty="0">
+                <a:solidFill>
+                  <a:schemeClr val="bg1"/>
+                </a:solidFill>
+              </a:endParaRPr>
+            </a:p>
+          </p:txBody>
+        </p:sp>
+        <p:pic>
+          <p:nvPicPr>
+            <p:cNvPr id="21" name="Picture 20" descr="lock-9"/>
+            <p:cNvPicPr>
+              <a:picLocks noChangeAspect="1"/>
+            </p:cNvPicPr>
+            <p:nvPr/>
+          </p:nvPicPr>
+          <p:blipFill>
+            <a:blip r:embed="rId2">
+              <a:extLst>
+                <a:ext uri="{28A0092B-C50C-407E-A947-70E740481C1C}">
+                  <a14:useLocalDpi xmlns:a14="http://schemas.microsoft.com/office/drawing/2010/main" val="0"/>
+                </a:ext>
+              </a:extLst>
+            </a:blip>
+            <a:stretch>
+              <a:fillRect/>
+            </a:stretch>
+          </p:blipFill>
+          <p:spPr>
+            <a:xfrm>
+              <a:off x="3352800" y="3534026"/>
+              <a:ext cx="371768" cy="371768"/>
+            </a:xfrm>
+            <a:prstGeom prst="rect">
+              <a:avLst/>
+            </a:prstGeom>
+          </p:spPr>
+        </p:pic>
+      </p:grpSp>
+      <p:grpSp>
+        <p:nvGrpSpPr>
+          <p:cNvPr id="22" name="Group 21"/>
+          <p:cNvGrpSpPr/>
+          <p:nvPr/>
+        </p:nvGrpSpPr>
+        <p:grpSpPr>
+          <a:xfrm>
+            <a:off x="5058217" y="4672285"/>
+            <a:ext cx="823831" cy="400110"/>
+            <a:chOff x="2999231" y="3505684"/>
+            <a:chExt cx="823831" cy="400110"/>
+          </a:xfrm>
+        </p:grpSpPr>
+        <p:sp>
+          <p:nvSpPr>
+            <p:cNvPr id="23" name="TextBox 22"/>
+            <p:cNvSpPr txBox="1"/>
+            <p:nvPr/>
+          </p:nvSpPr>
+          <p:spPr>
+            <a:xfrm>
+              <a:off x="2999231" y="3505684"/>
+              <a:ext cx="823831" cy="400110"/>
+            </a:xfrm>
+            <a:prstGeom prst="rect">
+              <a:avLst/>
+            </a:prstGeom>
+            <a:solidFill>
+              <a:schemeClr val="tx1"/>
+            </a:solidFill>
+          </p:spPr>
+          <p:txBody>
+            <a:bodyPr wrap="square" rtlCol="0">
+              <a:spAutoFit/>
+            </a:bodyPr>
+            <a:lstStyle/>
+            <a:p>
+              <a:r>
+                <a:rPr lang="en-GB" sz="2000" b="1" dirty="0" smtClean="0">
+                  <a:solidFill>
+                    <a:schemeClr val="bg1"/>
+                  </a:solidFill>
+                </a:rPr>
+                <a:t>IX </a:t>
+              </a:r>
+              <a:endParaRPr lang="en-GB" sz="2000" b="1" dirty="0">
+                <a:solidFill>
+                  <a:schemeClr val="bg1"/>
+                </a:solidFill>
+              </a:endParaRPr>
+            </a:p>
+          </p:txBody>
+        </p:sp>
+        <p:pic>
+          <p:nvPicPr>
+            <p:cNvPr id="24" name="Picture 23" descr="lock-9"/>
+            <p:cNvPicPr>
+              <a:picLocks noChangeAspect="1"/>
+            </p:cNvPicPr>
+            <p:nvPr/>
+          </p:nvPicPr>
+          <p:blipFill>
+            <a:blip r:embed="rId2">
+              <a:extLst>
+                <a:ext uri="{28A0092B-C50C-407E-A947-70E740481C1C}">
+                  <a14:useLocalDpi xmlns:a14="http://schemas.microsoft.com/office/drawing/2010/main" val="0"/>
+                </a:ext>
+              </a:extLst>
+            </a:blip>
+            <a:stretch>
+              <a:fillRect/>
+            </a:stretch>
+          </p:blipFill>
+          <p:spPr>
+            <a:xfrm>
+              <a:off x="3352800" y="3534026"/>
+              <a:ext cx="371768" cy="371768"/>
+            </a:xfrm>
+            <a:prstGeom prst="rect">
+              <a:avLst/>
+            </a:prstGeom>
+          </p:spPr>
+        </p:pic>
+      </p:grpSp>
+      <p:sp>
+        <p:nvSpPr>
+          <p:cNvPr id="28" name="Rectangle 27"/>
+          <p:cNvSpPr/>
+          <p:nvPr/>
+        </p:nvSpPr>
+        <p:spPr>
+          <a:xfrm>
+            <a:off x="7654834" y="4234273"/>
+            <a:ext cx="3162392" cy="731520"/>
+          </a:xfrm>
+          <a:prstGeom prst="rect">
+            <a:avLst/>
+          </a:prstGeom>
+          <a:solidFill>
+            <a:schemeClr val="accent5">
+              <a:lumMod val="75000"/>
+            </a:schemeClr>
+          </a:solidFill>
+        </p:spPr>
+        <p:style>
+          <a:lnRef idx="2">
+            <a:schemeClr val="accent1">
+              <a:shade val="50000"/>
+            </a:schemeClr>
+          </a:lnRef>
+          <a:fillRef idx="1">
+            <a:schemeClr val="accent1"/>
+          </a:fillRef>
+          <a:effectRef idx="0">
+            <a:schemeClr val="accent1"/>
+          </a:effectRef>
+          <a:fontRef idx="minor">
+            <a:schemeClr val="lt1"/>
+          </a:fontRef>
+        </p:style>
+        <p:txBody>
+          <a:bodyPr rtlCol="0" anchor="ctr"/>
+          <a:lstStyle/>
+          <a:p>
+            <a:pPr algn="ctr"/>
+            <a:endParaRPr lang="en-GB"/>
+          </a:p>
+        </p:txBody>
+      </p:sp>
+      <p:sp>
+        <p:nvSpPr>
+          <p:cNvPr id="29" name="TextBox 28"/>
+          <p:cNvSpPr txBox="1"/>
+          <p:nvPr/>
+        </p:nvSpPr>
+        <p:spPr>
+          <a:xfrm>
+            <a:off x="10181502" y="4221210"/>
+            <a:ext cx="635724" cy="369332"/>
+          </a:xfrm>
+          <a:prstGeom prst="rect">
+            <a:avLst/>
+          </a:prstGeom>
+          <a:noFill/>
+        </p:spPr>
+        <p:txBody>
+          <a:bodyPr wrap="square" rtlCol="0">
+            <a:spAutoFit/>
+          </a:bodyPr>
+          <a:lstStyle/>
+          <a:p>
+            <a:r>
+              <a:rPr lang="en-GB" dirty="0" smtClean="0"/>
+              <a:t>Row</a:t>
+            </a:r>
+            <a:endParaRPr lang="en-GB" dirty="0"/>
+          </a:p>
+        </p:txBody>
+      </p:sp>
+      <p:sp>
+        <p:nvSpPr>
+          <p:cNvPr id="30" name="TextBox 29"/>
+          <p:cNvSpPr txBox="1"/>
+          <p:nvPr/>
+        </p:nvSpPr>
+        <p:spPr>
+          <a:xfrm>
+            <a:off x="5033554" y="3769075"/>
+            <a:ext cx="940526" cy="400110"/>
+          </a:xfrm>
+          <a:prstGeom prst="rect">
+            <a:avLst/>
+          </a:prstGeom>
+          <a:solidFill>
+            <a:schemeClr val="tx1"/>
+          </a:solidFill>
+        </p:spPr>
+        <p:txBody>
+          <a:bodyPr wrap="square" rtlCol="0">
+            <a:spAutoFit/>
+          </a:bodyPr>
+          <a:lstStyle/>
+          <a:p>
+            <a:r>
+              <a:rPr lang="en-GB" sz="2000" b="1" dirty="0" smtClean="0">
+                <a:solidFill>
+                  <a:schemeClr val="bg1"/>
+                </a:solidFill>
+              </a:rPr>
+              <a:t>INSERT</a:t>
+            </a:r>
+            <a:endParaRPr lang="en-GB" sz="2000" b="1" dirty="0">
+              <a:solidFill>
+                <a:schemeClr val="bg1"/>
+              </a:solidFill>
+            </a:endParaRPr>
+          </a:p>
+        </p:txBody>
+      </p:sp>
+      <p:sp>
+        <p:nvSpPr>
+          <p:cNvPr id="31" name="TextBox 30"/>
+          <p:cNvSpPr txBox="1"/>
+          <p:nvPr/>
+        </p:nvSpPr>
+        <p:spPr>
+          <a:xfrm>
+            <a:off x="3918857" y="3206779"/>
+            <a:ext cx="940526" cy="400110"/>
+          </a:xfrm>
+          <a:prstGeom prst="rect">
+            <a:avLst/>
+          </a:prstGeom>
+          <a:solidFill>
+            <a:schemeClr val="tx1"/>
+          </a:solidFill>
+        </p:spPr>
+        <p:txBody>
+          <a:bodyPr wrap="square" rtlCol="0">
+            <a:spAutoFit/>
+          </a:bodyPr>
+          <a:lstStyle/>
+          <a:p>
+            <a:r>
+              <a:rPr lang="en-GB" sz="2000" b="1" dirty="0" smtClean="0">
+                <a:solidFill>
+                  <a:schemeClr val="bg1"/>
+                </a:solidFill>
+              </a:rPr>
+              <a:t>INSERT</a:t>
+            </a:r>
+            <a:endParaRPr lang="en-GB" sz="2000" b="1" dirty="0">
+              <a:solidFill>
+                <a:schemeClr val="bg1"/>
+              </a:solidFill>
+            </a:endParaRPr>
+          </a:p>
+        </p:txBody>
+      </p:sp>
+      <p:grpSp>
+        <p:nvGrpSpPr>
+          <p:cNvPr id="36" name="Group 35"/>
+          <p:cNvGrpSpPr/>
+          <p:nvPr/>
+        </p:nvGrpSpPr>
+        <p:grpSpPr>
+          <a:xfrm>
+            <a:off x="7207943" y="4408217"/>
+            <a:ext cx="823831" cy="400110"/>
+            <a:chOff x="7207943" y="4408217"/>
+            <a:chExt cx="823831" cy="400110"/>
+          </a:xfrm>
+        </p:grpSpPr>
+        <p:sp>
+          <p:nvSpPr>
+            <p:cNvPr id="33" name="TextBox 32"/>
+            <p:cNvSpPr txBox="1"/>
+            <p:nvPr/>
+          </p:nvSpPr>
+          <p:spPr>
+            <a:xfrm>
+              <a:off x="7207943" y="4408217"/>
+              <a:ext cx="823831" cy="400110"/>
+            </a:xfrm>
+            <a:prstGeom prst="rect">
+              <a:avLst/>
+            </a:prstGeom>
+            <a:solidFill>
+              <a:schemeClr val="tx1"/>
+            </a:solidFill>
+          </p:spPr>
+          <p:txBody>
+            <a:bodyPr wrap="square" rtlCol="0">
+              <a:spAutoFit/>
+            </a:bodyPr>
+            <a:lstStyle/>
+            <a:p>
+              <a:r>
+                <a:rPr lang="en-GB" sz="2000" b="1" dirty="0" smtClean="0">
+                  <a:solidFill>
+                    <a:schemeClr val="bg1"/>
+                  </a:solidFill>
+                </a:rPr>
+                <a:t>X </a:t>
+              </a:r>
+              <a:endParaRPr lang="en-GB" sz="2000" b="1" dirty="0">
+                <a:solidFill>
+                  <a:schemeClr val="bg1"/>
+                </a:solidFill>
+              </a:endParaRPr>
+            </a:p>
+          </p:txBody>
+        </p:sp>
+        <p:pic>
+          <p:nvPicPr>
+            <p:cNvPr id="35" name="Picture 34" descr="Lock icon"/>
+            <p:cNvPicPr>
+              <a:picLocks noChangeAspect="1"/>
+            </p:cNvPicPr>
+            <p:nvPr/>
+          </p:nvPicPr>
+          <p:blipFill>
+            <a:blip r:embed="rId3">
+              <a:extLst>
+                <a:ext uri="{28A0092B-C50C-407E-A947-70E740481C1C}">
+                  <a14:useLocalDpi xmlns:a14="http://schemas.microsoft.com/office/drawing/2010/main" val="0"/>
+                </a:ext>
+              </a:extLst>
+            </a:blip>
+            <a:stretch>
+              <a:fillRect/>
+            </a:stretch>
+          </p:blipFill>
+          <p:spPr>
+            <a:xfrm>
+              <a:off x="7619858" y="4439631"/>
+              <a:ext cx="363549" cy="337281"/>
+            </a:xfrm>
+            <a:prstGeom prst="rect">
+              <a:avLst/>
+            </a:prstGeom>
+          </p:spPr>
+        </p:pic>
+      </p:grpSp>
+      <p:sp>
+        <p:nvSpPr>
+          <p:cNvPr id="4" name="TextBox 3"/>
+          <p:cNvSpPr txBox="1"/>
+          <p:nvPr/>
+        </p:nvSpPr>
+        <p:spPr>
+          <a:xfrm>
+            <a:off x="992777" y="1998617"/>
+            <a:ext cx="940526" cy="400110"/>
+          </a:xfrm>
+          <a:prstGeom prst="rect">
+            <a:avLst/>
+          </a:prstGeom>
+          <a:solidFill>
+            <a:schemeClr val="tx1"/>
+          </a:solidFill>
+        </p:spPr>
+        <p:txBody>
+          <a:bodyPr wrap="square" rtlCol="0">
+            <a:spAutoFit/>
+          </a:bodyPr>
+          <a:lstStyle/>
+          <a:p>
+            <a:r>
+              <a:rPr lang="en-GB" sz="2000" b="1" dirty="0" smtClean="0">
+                <a:solidFill>
+                  <a:schemeClr val="bg1"/>
+                </a:solidFill>
+              </a:rPr>
+              <a:t>INSERT</a:t>
+            </a:r>
+            <a:endParaRPr lang="en-GB" sz="2000" b="1" dirty="0">
+              <a:solidFill>
+                <a:schemeClr val="bg1"/>
+              </a:solidFill>
+            </a:endParaRPr>
+          </a:p>
+        </p:txBody>
+      </p:sp>
+      <p:sp>
+        <p:nvSpPr>
+          <p:cNvPr id="40" name="TextBox 39"/>
+          <p:cNvSpPr txBox="1"/>
+          <p:nvPr/>
+        </p:nvSpPr>
+        <p:spPr>
+          <a:xfrm>
+            <a:off x="992777" y="5207185"/>
+            <a:ext cx="940526" cy="400110"/>
+          </a:xfrm>
+          <a:prstGeom prst="rect">
+            <a:avLst/>
+          </a:prstGeom>
+          <a:solidFill>
+            <a:schemeClr val="tx1"/>
+          </a:solidFill>
+        </p:spPr>
+        <p:txBody>
+          <a:bodyPr wrap="square" rtlCol="0">
+            <a:spAutoFit/>
+          </a:bodyPr>
+          <a:lstStyle/>
+          <a:p>
+            <a:r>
+              <a:rPr lang="en-GB" sz="2000" b="1" dirty="0" smtClean="0">
+                <a:solidFill>
+                  <a:schemeClr val="bg1"/>
+                </a:solidFill>
+              </a:rPr>
+              <a:t>INSERT</a:t>
+            </a:r>
+            <a:endParaRPr lang="en-GB" sz="2000" b="1" dirty="0">
+              <a:solidFill>
+                <a:schemeClr val="bg1"/>
+              </a:solidFill>
+            </a:endParaRPr>
+          </a:p>
+        </p:txBody>
+      </p:sp>
+      <p:grpSp>
+        <p:nvGrpSpPr>
+          <p:cNvPr id="41" name="Group 40"/>
+          <p:cNvGrpSpPr/>
+          <p:nvPr/>
+        </p:nvGrpSpPr>
+        <p:grpSpPr>
+          <a:xfrm>
+            <a:off x="2947635" y="5214811"/>
+            <a:ext cx="778110" cy="400110"/>
+            <a:chOff x="2999231" y="3505684"/>
+            <a:chExt cx="823831" cy="400110"/>
+          </a:xfrm>
+        </p:grpSpPr>
+        <p:sp>
+          <p:nvSpPr>
+            <p:cNvPr id="42" name="TextBox 41"/>
+            <p:cNvSpPr txBox="1"/>
+            <p:nvPr/>
+          </p:nvSpPr>
+          <p:spPr>
+            <a:xfrm>
+              <a:off x="2999231" y="3505684"/>
+              <a:ext cx="823831" cy="400110"/>
+            </a:xfrm>
+            <a:prstGeom prst="rect">
+              <a:avLst/>
+            </a:prstGeom>
+            <a:solidFill>
+              <a:schemeClr val="tx1"/>
+            </a:solidFill>
+          </p:spPr>
+          <p:txBody>
+            <a:bodyPr wrap="square" rtlCol="0">
+              <a:spAutoFit/>
+            </a:bodyPr>
+            <a:lstStyle/>
+            <a:p>
+              <a:r>
+                <a:rPr lang="en-GB" sz="2000" b="1" dirty="0" smtClean="0">
+                  <a:solidFill>
+                    <a:schemeClr val="bg1"/>
+                  </a:solidFill>
+                </a:rPr>
+                <a:t>S </a:t>
+              </a:r>
+              <a:endParaRPr lang="en-GB" sz="2000" b="1" dirty="0">
+                <a:solidFill>
+                  <a:schemeClr val="bg1"/>
+                </a:solidFill>
+              </a:endParaRPr>
+            </a:p>
+          </p:txBody>
+        </p:sp>
+        <p:pic>
+          <p:nvPicPr>
+            <p:cNvPr id="43" name="Picture 42" descr="lock-9"/>
+            <p:cNvPicPr>
+              <a:picLocks noChangeAspect="1"/>
+            </p:cNvPicPr>
+            <p:nvPr/>
+          </p:nvPicPr>
+          <p:blipFill>
+            <a:blip r:embed="rId2">
+              <a:extLst>
+                <a:ext uri="{28A0092B-C50C-407E-A947-70E740481C1C}">
+                  <a14:useLocalDpi xmlns:a14="http://schemas.microsoft.com/office/drawing/2010/main" val="0"/>
+                </a:ext>
+              </a:extLst>
+            </a:blip>
+            <a:stretch>
+              <a:fillRect/>
+            </a:stretch>
+          </p:blipFill>
+          <p:spPr>
+            <a:xfrm>
+              <a:off x="3352800" y="3534026"/>
+              <a:ext cx="371768" cy="371768"/>
+            </a:xfrm>
+            <a:prstGeom prst="rect">
+              <a:avLst/>
+            </a:prstGeom>
+          </p:spPr>
+        </p:pic>
+      </p:grpSp>
+      <p:grpSp>
+        <p:nvGrpSpPr>
+          <p:cNvPr id="44" name="Group 43"/>
+          <p:cNvGrpSpPr/>
+          <p:nvPr/>
+        </p:nvGrpSpPr>
+        <p:grpSpPr>
+          <a:xfrm>
+            <a:off x="3923584" y="5207185"/>
+            <a:ext cx="823831" cy="400110"/>
+            <a:chOff x="2999231" y="3505684"/>
+            <a:chExt cx="823831" cy="400110"/>
+          </a:xfrm>
+        </p:grpSpPr>
+        <p:sp>
+          <p:nvSpPr>
+            <p:cNvPr id="45" name="TextBox 44"/>
+            <p:cNvSpPr txBox="1"/>
+            <p:nvPr/>
+          </p:nvSpPr>
+          <p:spPr>
+            <a:xfrm>
+              <a:off x="2999231" y="3505684"/>
+              <a:ext cx="823831" cy="400110"/>
+            </a:xfrm>
+            <a:prstGeom prst="rect">
+              <a:avLst/>
+            </a:prstGeom>
+            <a:solidFill>
+              <a:schemeClr val="tx1"/>
+            </a:solidFill>
+          </p:spPr>
+          <p:txBody>
+            <a:bodyPr wrap="square" rtlCol="0">
+              <a:spAutoFit/>
+            </a:bodyPr>
+            <a:lstStyle/>
+            <a:p>
+              <a:r>
+                <a:rPr lang="en-GB" sz="2000" b="1" dirty="0" smtClean="0">
+                  <a:solidFill>
+                    <a:schemeClr val="bg1"/>
+                  </a:solidFill>
+                </a:rPr>
+                <a:t>IX </a:t>
+              </a:r>
+              <a:endParaRPr lang="en-GB" sz="2000" b="1" dirty="0">
+                <a:solidFill>
+                  <a:schemeClr val="bg1"/>
+                </a:solidFill>
+              </a:endParaRPr>
+            </a:p>
+          </p:txBody>
+        </p:sp>
+        <p:pic>
+          <p:nvPicPr>
+            <p:cNvPr id="46" name="Picture 45" descr="lock-9"/>
+            <p:cNvPicPr>
+              <a:picLocks noChangeAspect="1"/>
+            </p:cNvPicPr>
+            <p:nvPr/>
+          </p:nvPicPr>
+          <p:blipFill>
+            <a:blip r:embed="rId2">
+              <a:extLst>
+                <a:ext uri="{28A0092B-C50C-407E-A947-70E740481C1C}">
+                  <a14:useLocalDpi xmlns:a14="http://schemas.microsoft.com/office/drawing/2010/main" val="0"/>
+                </a:ext>
+              </a:extLst>
+            </a:blip>
+            <a:stretch>
+              <a:fillRect/>
+            </a:stretch>
+          </p:blipFill>
+          <p:spPr>
+            <a:xfrm>
+              <a:off x="3352800" y="3534026"/>
+              <a:ext cx="371768" cy="371768"/>
+            </a:xfrm>
+            <a:prstGeom prst="rect">
+              <a:avLst/>
+            </a:prstGeom>
+          </p:spPr>
+        </p:pic>
+      </p:grpSp>
+      <p:grpSp>
+        <p:nvGrpSpPr>
+          <p:cNvPr id="47" name="Group 46"/>
+          <p:cNvGrpSpPr/>
+          <p:nvPr/>
+        </p:nvGrpSpPr>
+        <p:grpSpPr>
+          <a:xfrm>
+            <a:off x="5058216" y="5207185"/>
+            <a:ext cx="823831" cy="400110"/>
+            <a:chOff x="2999231" y="3505684"/>
+            <a:chExt cx="823831" cy="400110"/>
+          </a:xfrm>
+        </p:grpSpPr>
+        <p:sp>
+          <p:nvSpPr>
+            <p:cNvPr id="48" name="TextBox 47"/>
+            <p:cNvSpPr txBox="1"/>
+            <p:nvPr/>
+          </p:nvSpPr>
+          <p:spPr>
+            <a:xfrm>
+              <a:off x="2999231" y="3505684"/>
+              <a:ext cx="823831" cy="400110"/>
+            </a:xfrm>
+            <a:prstGeom prst="rect">
+              <a:avLst/>
+            </a:prstGeom>
+            <a:solidFill>
+              <a:schemeClr val="tx1"/>
+            </a:solidFill>
+          </p:spPr>
+          <p:txBody>
+            <a:bodyPr wrap="square" rtlCol="0">
+              <a:spAutoFit/>
+            </a:bodyPr>
+            <a:lstStyle/>
+            <a:p>
+              <a:r>
+                <a:rPr lang="en-GB" sz="2000" b="1" dirty="0" smtClean="0">
+                  <a:solidFill>
+                    <a:schemeClr val="bg1"/>
+                  </a:solidFill>
+                </a:rPr>
+                <a:t>IX </a:t>
+              </a:r>
+              <a:endParaRPr lang="en-GB" sz="2000" b="1" dirty="0">
+                <a:solidFill>
+                  <a:schemeClr val="bg1"/>
+                </a:solidFill>
+              </a:endParaRPr>
+            </a:p>
+          </p:txBody>
+        </p:sp>
+        <p:pic>
+          <p:nvPicPr>
+            <p:cNvPr id="49" name="Picture 48" descr="lock-9"/>
+            <p:cNvPicPr>
+              <a:picLocks noChangeAspect="1"/>
+            </p:cNvPicPr>
+            <p:nvPr/>
+          </p:nvPicPr>
+          <p:blipFill>
+            <a:blip r:embed="rId2">
+              <a:extLst>
+                <a:ext uri="{28A0092B-C50C-407E-A947-70E740481C1C}">
+                  <a14:useLocalDpi xmlns:a14="http://schemas.microsoft.com/office/drawing/2010/main" val="0"/>
+                </a:ext>
+              </a:extLst>
+            </a:blip>
+            <a:stretch>
+              <a:fillRect/>
+            </a:stretch>
+          </p:blipFill>
+          <p:spPr>
+            <a:xfrm>
+              <a:off x="3352800" y="3534026"/>
+              <a:ext cx="371768" cy="371768"/>
+            </a:xfrm>
+            <a:prstGeom prst="rect">
+              <a:avLst/>
+            </a:prstGeom>
+          </p:spPr>
+        </p:pic>
+      </p:grpSp>
+      <p:grpSp>
+        <p:nvGrpSpPr>
+          <p:cNvPr id="50" name="Group 49"/>
+          <p:cNvGrpSpPr/>
+          <p:nvPr/>
+        </p:nvGrpSpPr>
+        <p:grpSpPr>
+          <a:xfrm>
+            <a:off x="7207943" y="5202552"/>
+            <a:ext cx="823831" cy="400110"/>
+            <a:chOff x="7207943" y="4408217"/>
+            <a:chExt cx="823831" cy="400110"/>
+          </a:xfrm>
+        </p:grpSpPr>
+        <p:sp>
+          <p:nvSpPr>
+            <p:cNvPr id="51" name="TextBox 50"/>
+            <p:cNvSpPr txBox="1"/>
+            <p:nvPr/>
+          </p:nvSpPr>
+          <p:spPr>
+            <a:xfrm>
+              <a:off x="7207943" y="4408217"/>
+              <a:ext cx="823831" cy="400110"/>
+            </a:xfrm>
+            <a:prstGeom prst="rect">
+              <a:avLst/>
+            </a:prstGeom>
+            <a:solidFill>
+              <a:schemeClr val="tx1"/>
+            </a:solidFill>
+          </p:spPr>
+          <p:txBody>
+            <a:bodyPr wrap="square" rtlCol="0">
+              <a:spAutoFit/>
+            </a:bodyPr>
+            <a:lstStyle/>
+            <a:p>
+              <a:r>
+                <a:rPr lang="en-GB" sz="2000" b="1" dirty="0" smtClean="0">
+                  <a:solidFill>
+                    <a:schemeClr val="bg1"/>
+                  </a:solidFill>
+                </a:rPr>
+                <a:t>X </a:t>
+              </a:r>
+              <a:endParaRPr lang="en-GB" sz="2000" b="1" dirty="0">
+                <a:solidFill>
+                  <a:schemeClr val="bg1"/>
+                </a:solidFill>
+              </a:endParaRPr>
+            </a:p>
+          </p:txBody>
+        </p:sp>
+        <p:pic>
+          <p:nvPicPr>
+            <p:cNvPr id="52" name="Picture 51" descr="Lock icon"/>
+            <p:cNvPicPr>
+              <a:picLocks noChangeAspect="1"/>
+            </p:cNvPicPr>
+            <p:nvPr/>
+          </p:nvPicPr>
+          <p:blipFill>
+            <a:blip r:embed="rId3">
+              <a:extLst>
+                <a:ext uri="{28A0092B-C50C-407E-A947-70E740481C1C}">
+                  <a14:useLocalDpi xmlns:a14="http://schemas.microsoft.com/office/drawing/2010/main" val="0"/>
+                </a:ext>
+              </a:extLst>
+            </a:blip>
+            <a:stretch>
+              <a:fillRect/>
+            </a:stretch>
+          </p:blipFill>
+          <p:spPr>
+            <a:xfrm>
+              <a:off x="7619858" y="4439631"/>
+              <a:ext cx="363549" cy="337281"/>
+            </a:xfrm>
+            <a:prstGeom prst="rect">
+              <a:avLst/>
+            </a:prstGeom>
+          </p:spPr>
+        </p:pic>
+      </p:grpSp>
+      <p:sp>
+        <p:nvSpPr>
+          <p:cNvPr id="53" name="TextBox 52"/>
+          <p:cNvSpPr txBox="1"/>
+          <p:nvPr/>
+        </p:nvSpPr>
+        <p:spPr>
+          <a:xfrm>
+            <a:off x="8950823" y="940731"/>
+            <a:ext cx="1031377" cy="400110"/>
+          </a:xfrm>
+          <a:prstGeom prst="rect">
+            <a:avLst/>
+          </a:prstGeom>
+          <a:solidFill>
+            <a:schemeClr val="tx1"/>
+          </a:solidFill>
+        </p:spPr>
+        <p:txBody>
+          <a:bodyPr wrap="square" rtlCol="0">
+            <a:spAutoFit/>
+          </a:bodyPr>
+          <a:lstStyle/>
+          <a:p>
+            <a:r>
+              <a:rPr lang="en-GB" sz="2000" b="1" dirty="0" smtClean="0">
+                <a:solidFill>
+                  <a:schemeClr val="bg1"/>
+                </a:solidFill>
+              </a:rPr>
+              <a:t>UPDATE</a:t>
+            </a:r>
+            <a:endParaRPr lang="en-GB" sz="2000" b="1" dirty="0">
+              <a:solidFill>
+                <a:schemeClr val="bg1"/>
+              </a:solidFill>
+            </a:endParaRPr>
+          </a:p>
+        </p:txBody>
+      </p:sp>
+      <p:grpSp>
+        <p:nvGrpSpPr>
+          <p:cNvPr id="54" name="Group 53"/>
+          <p:cNvGrpSpPr/>
+          <p:nvPr/>
+        </p:nvGrpSpPr>
+        <p:grpSpPr>
+          <a:xfrm>
+            <a:off x="7979332" y="1654871"/>
+            <a:ext cx="778110" cy="400110"/>
+            <a:chOff x="2999231" y="3505684"/>
+            <a:chExt cx="823831" cy="400110"/>
+          </a:xfrm>
+        </p:grpSpPr>
+        <p:sp>
+          <p:nvSpPr>
+            <p:cNvPr id="55" name="TextBox 54"/>
+            <p:cNvSpPr txBox="1"/>
+            <p:nvPr/>
+          </p:nvSpPr>
+          <p:spPr>
+            <a:xfrm>
+              <a:off x="2999231" y="3505684"/>
+              <a:ext cx="823831" cy="400110"/>
+            </a:xfrm>
+            <a:prstGeom prst="rect">
+              <a:avLst/>
+            </a:prstGeom>
+            <a:solidFill>
+              <a:schemeClr val="tx1"/>
+            </a:solidFill>
+          </p:spPr>
+          <p:txBody>
+            <a:bodyPr wrap="square" rtlCol="0">
+              <a:spAutoFit/>
+            </a:bodyPr>
+            <a:lstStyle/>
+            <a:p>
+              <a:r>
+                <a:rPr lang="en-GB" sz="2000" b="1" dirty="0" smtClean="0">
+                  <a:solidFill>
+                    <a:schemeClr val="bg1"/>
+                  </a:solidFill>
+                </a:rPr>
+                <a:t>S </a:t>
+              </a:r>
+              <a:endParaRPr lang="en-GB" sz="2000" b="1" dirty="0">
+                <a:solidFill>
+                  <a:schemeClr val="bg1"/>
+                </a:solidFill>
+              </a:endParaRPr>
+            </a:p>
+          </p:txBody>
+        </p:sp>
+        <p:pic>
+          <p:nvPicPr>
+            <p:cNvPr id="56" name="Picture 55" descr="lock-9"/>
+            <p:cNvPicPr>
+              <a:picLocks noChangeAspect="1"/>
+            </p:cNvPicPr>
+            <p:nvPr/>
+          </p:nvPicPr>
+          <p:blipFill>
+            <a:blip r:embed="rId2">
+              <a:extLst>
+                <a:ext uri="{28A0092B-C50C-407E-A947-70E740481C1C}">
+                  <a14:useLocalDpi xmlns:a14="http://schemas.microsoft.com/office/drawing/2010/main" val="0"/>
+                </a:ext>
+              </a:extLst>
+            </a:blip>
+            <a:stretch>
+              <a:fillRect/>
+            </a:stretch>
+          </p:blipFill>
+          <p:spPr>
+            <a:xfrm>
+              <a:off x="3352800" y="3534026"/>
+              <a:ext cx="371768" cy="371768"/>
+            </a:xfrm>
+            <a:prstGeom prst="rect">
+              <a:avLst/>
+            </a:prstGeom>
+          </p:spPr>
+        </p:pic>
+      </p:grpSp>
+      <p:grpSp>
+        <p:nvGrpSpPr>
+          <p:cNvPr id="57" name="Group 56"/>
+          <p:cNvGrpSpPr/>
+          <p:nvPr/>
+        </p:nvGrpSpPr>
+        <p:grpSpPr>
+          <a:xfrm>
+            <a:off x="7979332" y="2248442"/>
+            <a:ext cx="823831" cy="400110"/>
+            <a:chOff x="2999231" y="3505684"/>
+            <a:chExt cx="823831" cy="400110"/>
+          </a:xfrm>
+        </p:grpSpPr>
+        <p:sp>
+          <p:nvSpPr>
+            <p:cNvPr id="58" name="TextBox 57"/>
+            <p:cNvSpPr txBox="1"/>
+            <p:nvPr/>
+          </p:nvSpPr>
+          <p:spPr>
+            <a:xfrm>
+              <a:off x="2999231" y="3505684"/>
+              <a:ext cx="823831" cy="400110"/>
+            </a:xfrm>
+            <a:prstGeom prst="rect">
+              <a:avLst/>
+            </a:prstGeom>
+            <a:solidFill>
+              <a:schemeClr val="tx1"/>
+            </a:solidFill>
+          </p:spPr>
+          <p:txBody>
+            <a:bodyPr wrap="square" rtlCol="0">
+              <a:spAutoFit/>
+            </a:bodyPr>
+            <a:lstStyle/>
+            <a:p>
+              <a:r>
+                <a:rPr lang="en-GB" sz="2000" b="1" dirty="0" smtClean="0">
+                  <a:solidFill>
+                    <a:schemeClr val="bg1"/>
+                  </a:solidFill>
+                </a:rPr>
+                <a:t>IX </a:t>
+              </a:r>
+              <a:endParaRPr lang="en-GB" sz="2000" b="1" dirty="0">
+                <a:solidFill>
+                  <a:schemeClr val="bg1"/>
+                </a:solidFill>
+              </a:endParaRPr>
+            </a:p>
+          </p:txBody>
+        </p:sp>
+        <p:pic>
+          <p:nvPicPr>
+            <p:cNvPr id="59" name="Picture 58" descr="lock-9"/>
+            <p:cNvPicPr>
+              <a:picLocks noChangeAspect="1"/>
+            </p:cNvPicPr>
+            <p:nvPr/>
+          </p:nvPicPr>
+          <p:blipFill>
+            <a:blip r:embed="rId2">
+              <a:extLst>
+                <a:ext uri="{28A0092B-C50C-407E-A947-70E740481C1C}">
+                  <a14:useLocalDpi xmlns:a14="http://schemas.microsoft.com/office/drawing/2010/main" val="0"/>
+                </a:ext>
+              </a:extLst>
+            </a:blip>
+            <a:stretch>
+              <a:fillRect/>
+            </a:stretch>
+          </p:blipFill>
+          <p:spPr>
+            <a:xfrm>
+              <a:off x="3352800" y="3534026"/>
+              <a:ext cx="371768" cy="371768"/>
+            </a:xfrm>
+            <a:prstGeom prst="rect">
+              <a:avLst/>
+            </a:prstGeom>
+          </p:spPr>
+        </p:pic>
+      </p:grpSp>
+      <p:grpSp>
+        <p:nvGrpSpPr>
+          <p:cNvPr id="60" name="Group 59"/>
+          <p:cNvGrpSpPr/>
+          <p:nvPr/>
+        </p:nvGrpSpPr>
+        <p:grpSpPr>
+          <a:xfrm>
+            <a:off x="7978135" y="2837721"/>
+            <a:ext cx="823831" cy="400110"/>
+            <a:chOff x="2999231" y="3505684"/>
+            <a:chExt cx="823831" cy="400110"/>
+          </a:xfrm>
+        </p:grpSpPr>
+        <p:sp>
+          <p:nvSpPr>
+            <p:cNvPr id="61" name="TextBox 60"/>
+            <p:cNvSpPr txBox="1"/>
+            <p:nvPr/>
+          </p:nvSpPr>
+          <p:spPr>
+            <a:xfrm>
+              <a:off x="2999231" y="3505684"/>
+              <a:ext cx="823831" cy="400110"/>
+            </a:xfrm>
+            <a:prstGeom prst="rect">
+              <a:avLst/>
+            </a:prstGeom>
+            <a:solidFill>
+              <a:schemeClr val="tx1"/>
+            </a:solidFill>
+          </p:spPr>
+          <p:txBody>
+            <a:bodyPr wrap="square" rtlCol="0">
+              <a:spAutoFit/>
+            </a:bodyPr>
+            <a:lstStyle/>
+            <a:p>
+              <a:r>
+                <a:rPr lang="en-GB" sz="2000" b="1" dirty="0" smtClean="0">
+                  <a:solidFill>
+                    <a:schemeClr val="bg1"/>
+                  </a:solidFill>
+                </a:rPr>
+                <a:t>IU </a:t>
+              </a:r>
+              <a:endParaRPr lang="en-GB" sz="2000" b="1" dirty="0">
+                <a:solidFill>
+                  <a:schemeClr val="bg1"/>
+                </a:solidFill>
+              </a:endParaRPr>
+            </a:p>
+          </p:txBody>
+        </p:sp>
+        <p:pic>
+          <p:nvPicPr>
+            <p:cNvPr id="62" name="Picture 61" descr="lock-9"/>
+            <p:cNvPicPr>
+              <a:picLocks noChangeAspect="1"/>
+            </p:cNvPicPr>
+            <p:nvPr/>
+          </p:nvPicPr>
+          <p:blipFill>
+            <a:blip r:embed="rId2">
+              <a:extLst>
+                <a:ext uri="{28A0092B-C50C-407E-A947-70E740481C1C}">
+                  <a14:useLocalDpi xmlns:a14="http://schemas.microsoft.com/office/drawing/2010/main" val="0"/>
+                </a:ext>
+              </a:extLst>
+            </a:blip>
+            <a:stretch>
+              <a:fillRect/>
+            </a:stretch>
+          </p:blipFill>
+          <p:spPr>
+            <a:xfrm>
+              <a:off x="3352800" y="3534026"/>
+              <a:ext cx="371768" cy="371768"/>
+            </a:xfrm>
+            <a:prstGeom prst="rect">
+              <a:avLst/>
+            </a:prstGeom>
+          </p:spPr>
+        </p:pic>
+      </p:grpSp>
+      <p:grpSp>
+        <p:nvGrpSpPr>
+          <p:cNvPr id="63" name="Group 62"/>
+          <p:cNvGrpSpPr/>
+          <p:nvPr/>
+        </p:nvGrpSpPr>
+        <p:grpSpPr>
+          <a:xfrm>
+            <a:off x="8031774" y="3827235"/>
+            <a:ext cx="823831" cy="400110"/>
+            <a:chOff x="2999231" y="3505684"/>
+            <a:chExt cx="823831" cy="400110"/>
+          </a:xfrm>
+        </p:grpSpPr>
+        <p:sp>
+          <p:nvSpPr>
+            <p:cNvPr id="64" name="TextBox 63"/>
+            <p:cNvSpPr txBox="1"/>
+            <p:nvPr/>
+          </p:nvSpPr>
+          <p:spPr>
+            <a:xfrm>
+              <a:off x="2999231" y="3505684"/>
+              <a:ext cx="823831" cy="400110"/>
+            </a:xfrm>
+            <a:prstGeom prst="rect">
+              <a:avLst/>
+            </a:prstGeom>
+            <a:solidFill>
+              <a:schemeClr val="tx1"/>
+            </a:solidFill>
+          </p:spPr>
+          <p:txBody>
+            <a:bodyPr wrap="square" rtlCol="0">
+              <a:spAutoFit/>
+            </a:bodyPr>
+            <a:lstStyle/>
+            <a:p>
+              <a:r>
+                <a:rPr lang="en-GB" sz="2000" b="1" dirty="0">
+                  <a:solidFill>
+                    <a:schemeClr val="bg1"/>
+                  </a:solidFill>
+                </a:rPr>
+                <a:t>U</a:t>
+              </a:r>
+              <a:r>
+                <a:rPr lang="en-GB" sz="2000" b="1" dirty="0" smtClean="0">
+                  <a:solidFill>
+                    <a:schemeClr val="bg1"/>
+                  </a:solidFill>
+                </a:rPr>
+                <a:t> </a:t>
+              </a:r>
+              <a:endParaRPr lang="en-GB" sz="2000" b="1" dirty="0">
+                <a:solidFill>
+                  <a:schemeClr val="bg1"/>
+                </a:solidFill>
+              </a:endParaRPr>
+            </a:p>
+          </p:txBody>
+        </p:sp>
+        <p:pic>
+          <p:nvPicPr>
+            <p:cNvPr id="65" name="Picture 64" descr="lock-9"/>
+            <p:cNvPicPr>
+              <a:picLocks noChangeAspect="1"/>
+            </p:cNvPicPr>
+            <p:nvPr/>
+          </p:nvPicPr>
+          <p:blipFill>
+            <a:blip r:embed="rId2">
+              <a:extLst>
+                <a:ext uri="{28A0092B-C50C-407E-A947-70E740481C1C}">
+                  <a14:useLocalDpi xmlns:a14="http://schemas.microsoft.com/office/drawing/2010/main" val="0"/>
+                </a:ext>
+              </a:extLst>
+            </a:blip>
+            <a:stretch>
+              <a:fillRect/>
+            </a:stretch>
+          </p:blipFill>
+          <p:spPr>
+            <a:xfrm>
+              <a:off x="3352800" y="3534026"/>
+              <a:ext cx="371768" cy="371768"/>
+            </a:xfrm>
+            <a:prstGeom prst="rect">
+              <a:avLst/>
+            </a:prstGeom>
+          </p:spPr>
+        </p:pic>
+      </p:grpSp>
+      <p:sp>
+        <p:nvSpPr>
+          <p:cNvPr id="66" name="TextBox 65"/>
+          <p:cNvSpPr txBox="1"/>
+          <p:nvPr/>
+        </p:nvSpPr>
+        <p:spPr>
+          <a:xfrm>
+            <a:off x="8950823" y="3499874"/>
+            <a:ext cx="1031377" cy="400110"/>
+          </a:xfrm>
+          <a:prstGeom prst="rect">
+            <a:avLst/>
+          </a:prstGeom>
+          <a:solidFill>
+            <a:schemeClr val="tx1"/>
+          </a:solidFill>
+        </p:spPr>
+        <p:txBody>
+          <a:bodyPr wrap="square" rtlCol="0">
+            <a:spAutoFit/>
+          </a:bodyPr>
+          <a:lstStyle/>
+          <a:p>
+            <a:r>
+              <a:rPr lang="en-GB" sz="2000" b="1" dirty="0" smtClean="0">
+                <a:solidFill>
+                  <a:schemeClr val="bg1"/>
+                </a:solidFill>
+              </a:rPr>
+              <a:t>UPDATE</a:t>
+            </a:r>
+            <a:endParaRPr lang="en-GB" sz="2000" b="1" dirty="0">
+              <a:solidFill>
+                <a:schemeClr val="bg1"/>
+              </a:solidFill>
+            </a:endParaRPr>
+          </a:p>
+        </p:txBody>
+      </p:sp>
+    </p:spTree>
+    <p:extLst>
+      <p:ext uri="{BB962C8B-B14F-4D97-AF65-F5344CB8AC3E}">
+        <p14:creationId xmlns:p14="http://schemas.microsoft.com/office/powerpoint/2010/main" val="3605483874"/>
+      </p:ext>
+    </p:extLst>
+  </p:cSld>
+  <p:clrMapOvr>
+    <a:masterClrMapping/>
+  </p:clrMapOvr>
+  <p:timing>
+    <p:tnLst>
+      <p:par>
+        <p:cTn id="1" dur="indefinite" restart="never" nodeType="tmRoot">
+          <p:childTnLst>
+            <p:seq concurrent="1" nextAc="seek">
+              <p:cTn id="2" dur="indefinite" nodeType="mainSeq">
+                <p:childTnLst>
+                  <p:par>
+                    <p:cTn id="3" fill="hold">
+                      <p:stCondLst>
+                        <p:cond delay="indefinite"/>
+                      </p:stCondLst>
+                      <p:childTnLst>
+                        <p:par>
+                          <p:cTn id="4" fill="hold">
+                            <p:stCondLst>
+                              <p:cond delay="0"/>
+                            </p:stCondLst>
+                            <p:childTnLst>
+                              <p:par>
+                                <p:cTn id="5" presetID="1" presetClass="entr" presetSubtype="0" fill="hold" grpId="2" nodeType="clickEffect">
+                                  <p:stCondLst>
+                                    <p:cond delay="0"/>
+                                  </p:stCondLst>
+                                  <p:childTnLst>
+                                    <p:set>
+                                      <p:cBhvr>
+                                        <p:cTn id="6" dur="1" fill="hold">
+                                          <p:stCondLst>
+                                            <p:cond delay="0"/>
+                                          </p:stCondLst>
+                                        </p:cTn>
+                                        <p:tgtEl>
+                                          <p:spTgt spid="4"/>
+                                        </p:tgtEl>
+                                        <p:attrNameLst>
+                                          <p:attrName>style.visibility</p:attrName>
+                                        </p:attrNameLst>
+                                      </p:cBhvr>
+                                      <p:to>
+                                        <p:strVal val="visible"/>
+                                      </p:to>
+                                    </p:set>
+                                  </p:childTnLst>
+                                </p:cTn>
+                              </p:par>
+                              <p:par>
+                                <p:cTn id="7" presetID="42" presetClass="path" presetSubtype="0" accel="50000" decel="50000" fill="hold" grpId="0" nodeType="withEffect">
+                                  <p:stCondLst>
+                                    <p:cond delay="0"/>
+                                  </p:stCondLst>
+                                  <p:childTnLst>
+                                    <p:animMotion origin="layout" path="M -1.875E-6 -1.85185E-6 L 0.15651 0.10347 " pathEditMode="relative" rAng="0" ptsTypes="AA">
+                                      <p:cBhvr>
+                                        <p:cTn id="8" dur="2000" fill="hold"/>
+                                        <p:tgtEl>
+                                          <p:spTgt spid="4"/>
+                                        </p:tgtEl>
+                                        <p:attrNameLst>
+                                          <p:attrName>ppt_x</p:attrName>
+                                          <p:attrName>ppt_y</p:attrName>
+                                        </p:attrNameLst>
+                                      </p:cBhvr>
+                                      <p:rCtr x="7826" y="5162"/>
+                                    </p:animMotion>
+                                  </p:childTnLst>
+                                </p:cTn>
+                              </p:par>
+                            </p:childTnLst>
+                          </p:cTn>
+                        </p:par>
+                        <p:par>
+                          <p:cTn id="9" fill="hold">
+                            <p:stCondLst>
+                              <p:cond delay="2000"/>
+                            </p:stCondLst>
+                            <p:childTnLst>
+                              <p:par>
+                                <p:cTn id="10" presetID="1" presetClass="entr" presetSubtype="0" fill="hold" nodeType="afterEffect">
+                                  <p:stCondLst>
+                                    <p:cond delay="0"/>
+                                  </p:stCondLst>
+                                  <p:childTnLst>
+                                    <p:set>
+                                      <p:cBhvr>
+                                        <p:cTn id="11" dur="1" fill="hold">
+                                          <p:stCondLst>
+                                            <p:cond delay="0"/>
+                                          </p:stCondLst>
+                                        </p:cTn>
+                                        <p:tgtEl>
+                                          <p:spTgt spid="18"/>
+                                        </p:tgtEl>
+                                        <p:attrNameLst>
+                                          <p:attrName>style.visibility</p:attrName>
+                                        </p:attrNameLst>
+                                      </p:cBhvr>
+                                      <p:to>
+                                        <p:strVal val="visible"/>
+                                      </p:to>
+                                    </p:set>
+                                  </p:childTnLst>
+                                </p:cTn>
+                              </p:par>
+                            </p:childTnLst>
+                          </p:cTn>
+                        </p:par>
+                      </p:childTnLst>
+                    </p:cTn>
+                  </p:par>
+                  <p:par>
+                    <p:cTn id="12" fill="hold">
+                      <p:stCondLst>
+                        <p:cond delay="indefinite"/>
+                      </p:stCondLst>
+                      <p:childTnLst>
+                        <p:par>
+                          <p:cTn id="13" fill="hold">
+                            <p:stCondLst>
+                              <p:cond delay="0"/>
+                            </p:stCondLst>
+                            <p:childTnLst>
+                              <p:par>
+                                <p:cTn id="14" presetID="1" presetClass="entr" presetSubtype="0" fill="hold" grpId="2" nodeType="clickEffect">
+                                  <p:stCondLst>
+                                    <p:cond delay="0"/>
+                                  </p:stCondLst>
+                                  <p:childTnLst>
+                                    <p:set>
+                                      <p:cBhvr>
+                                        <p:cTn id="15" dur="1" fill="hold">
+                                          <p:stCondLst>
+                                            <p:cond delay="0"/>
+                                          </p:stCondLst>
+                                        </p:cTn>
+                                        <p:tgtEl>
+                                          <p:spTgt spid="15"/>
+                                        </p:tgtEl>
+                                        <p:attrNameLst>
+                                          <p:attrName>style.visibility</p:attrName>
+                                        </p:attrNameLst>
+                                      </p:cBhvr>
+                                      <p:to>
+                                        <p:strVal val="visible"/>
+                                      </p:to>
+                                    </p:set>
+                                  </p:childTnLst>
+                                </p:cTn>
+                              </p:par>
+                              <p:par>
+                                <p:cTn id="16" presetID="42" presetClass="path" presetSubtype="0" accel="50000" decel="50000" fill="hold" grpId="0" nodeType="withEffect">
+                                  <p:stCondLst>
+                                    <p:cond delay="0"/>
+                                  </p:stCondLst>
+                                  <p:childTnLst>
+                                    <p:animMotion origin="layout" path="M -2.29167E-6 -2.59259E-6 L 0.0836 0.07338 " pathEditMode="relative" rAng="0" ptsTypes="AA">
+                                      <p:cBhvr>
+                                        <p:cTn id="17" dur="2000" fill="hold"/>
+                                        <p:tgtEl>
+                                          <p:spTgt spid="15"/>
+                                        </p:tgtEl>
+                                        <p:attrNameLst>
+                                          <p:attrName>ppt_x</p:attrName>
+                                          <p:attrName>ppt_y</p:attrName>
+                                        </p:attrNameLst>
+                                      </p:cBhvr>
+                                      <p:rCtr x="4180" y="3657"/>
+                                    </p:animMotion>
+                                  </p:childTnLst>
+                                </p:cTn>
+                              </p:par>
+                              <p:par>
+                                <p:cTn id="18" presetID="1" presetClass="exit" presetSubtype="0" fill="hold" grpId="1" nodeType="withEffect">
+                                  <p:stCondLst>
+                                    <p:cond delay="0"/>
+                                  </p:stCondLst>
+                                  <p:childTnLst>
+                                    <p:set>
+                                      <p:cBhvr>
+                                        <p:cTn id="19" dur="1" fill="hold">
+                                          <p:stCondLst>
+                                            <p:cond delay="0"/>
+                                          </p:stCondLst>
+                                        </p:cTn>
+                                        <p:tgtEl>
+                                          <p:spTgt spid="4"/>
+                                        </p:tgtEl>
+                                        <p:attrNameLst>
+                                          <p:attrName>style.visibility</p:attrName>
+                                        </p:attrNameLst>
+                                      </p:cBhvr>
+                                      <p:to>
+                                        <p:strVal val="hidden"/>
+                                      </p:to>
+                                    </p:set>
+                                  </p:childTnLst>
+                                </p:cTn>
+                              </p:par>
+                            </p:childTnLst>
+                          </p:cTn>
+                        </p:par>
+                        <p:par>
+                          <p:cTn id="20" fill="hold">
+                            <p:stCondLst>
+                              <p:cond delay="2000"/>
+                            </p:stCondLst>
+                            <p:childTnLst>
+                              <p:par>
+                                <p:cTn id="21" presetID="1" presetClass="entr" presetSubtype="0" fill="hold" nodeType="afterEffect">
+                                  <p:stCondLst>
+                                    <p:cond delay="0"/>
+                                  </p:stCondLst>
+                                  <p:childTnLst>
+                                    <p:set>
+                                      <p:cBhvr>
+                                        <p:cTn id="22" dur="1" fill="hold">
+                                          <p:stCondLst>
+                                            <p:cond delay="0"/>
+                                          </p:stCondLst>
+                                        </p:cTn>
+                                        <p:tgtEl>
+                                          <p:spTgt spid="19"/>
+                                        </p:tgtEl>
+                                        <p:attrNameLst>
+                                          <p:attrName>style.visibility</p:attrName>
+                                        </p:attrNameLst>
+                                      </p:cBhvr>
+                                      <p:to>
+                                        <p:strVal val="visible"/>
+                                      </p:to>
+                                    </p:set>
+                                  </p:childTnLst>
+                                </p:cTn>
+                              </p:par>
+                            </p:childTnLst>
+                          </p:cTn>
+                        </p:par>
+                      </p:childTnLst>
+                    </p:cTn>
+                  </p:par>
+                  <p:par>
+                    <p:cTn id="23" fill="hold">
+                      <p:stCondLst>
+                        <p:cond delay="indefinite"/>
+                      </p:stCondLst>
+                      <p:childTnLst>
+                        <p:par>
+                          <p:cTn id="24" fill="hold">
+                            <p:stCondLst>
+                              <p:cond delay="0"/>
+                            </p:stCondLst>
+                            <p:childTnLst>
+                              <p:par>
+                                <p:cTn id="25" presetID="1" presetClass="entr" presetSubtype="0" fill="hold" grpId="2" nodeType="clickEffect">
+                                  <p:stCondLst>
+                                    <p:cond delay="0"/>
+                                  </p:stCondLst>
+                                  <p:childTnLst>
+                                    <p:set>
+                                      <p:cBhvr>
+                                        <p:cTn id="26" dur="1" fill="hold">
+                                          <p:stCondLst>
+                                            <p:cond delay="0"/>
+                                          </p:stCondLst>
+                                        </p:cTn>
+                                        <p:tgtEl>
+                                          <p:spTgt spid="31"/>
+                                        </p:tgtEl>
+                                        <p:attrNameLst>
+                                          <p:attrName>style.visibility</p:attrName>
+                                        </p:attrNameLst>
+                                      </p:cBhvr>
+                                      <p:to>
+                                        <p:strVal val="visible"/>
+                                      </p:to>
+                                    </p:set>
+                                  </p:childTnLst>
+                                </p:cTn>
+                              </p:par>
+                              <p:par>
+                                <p:cTn id="27" presetID="42" presetClass="path" presetSubtype="0" accel="50000" decel="50000" fill="hold" grpId="0" nodeType="withEffect">
+                                  <p:stCondLst>
+                                    <p:cond delay="0"/>
+                                  </p:stCondLst>
+                                  <p:childTnLst>
+                                    <p:animMotion origin="layout" path="M 3.95833E-6 7.40741E-7 L 0.0914 0.08194 " pathEditMode="relative" rAng="0" ptsTypes="AA">
+                                      <p:cBhvr>
+                                        <p:cTn id="28" dur="2000" fill="hold"/>
+                                        <p:tgtEl>
+                                          <p:spTgt spid="31"/>
+                                        </p:tgtEl>
+                                        <p:attrNameLst>
+                                          <p:attrName>ppt_x</p:attrName>
+                                          <p:attrName>ppt_y</p:attrName>
+                                        </p:attrNameLst>
+                                      </p:cBhvr>
+                                      <p:rCtr x="4570" y="4097"/>
+                                    </p:animMotion>
+                                  </p:childTnLst>
+                                </p:cTn>
+                              </p:par>
+                              <p:par>
+                                <p:cTn id="29" presetID="1" presetClass="exit" presetSubtype="0" fill="hold" grpId="1" nodeType="withEffect">
+                                  <p:stCondLst>
+                                    <p:cond delay="0"/>
+                                  </p:stCondLst>
+                                  <p:childTnLst>
+                                    <p:set>
+                                      <p:cBhvr>
+                                        <p:cTn id="30" dur="1" fill="hold">
+                                          <p:stCondLst>
+                                            <p:cond delay="0"/>
+                                          </p:stCondLst>
+                                        </p:cTn>
+                                        <p:tgtEl>
+                                          <p:spTgt spid="15"/>
+                                        </p:tgtEl>
+                                        <p:attrNameLst>
+                                          <p:attrName>style.visibility</p:attrName>
+                                        </p:attrNameLst>
+                                      </p:cBhvr>
+                                      <p:to>
+                                        <p:strVal val="hidden"/>
+                                      </p:to>
+                                    </p:set>
+                                  </p:childTnLst>
+                                </p:cTn>
+                              </p:par>
+                            </p:childTnLst>
+                          </p:cTn>
+                        </p:par>
+                        <p:par>
+                          <p:cTn id="31" fill="hold">
+                            <p:stCondLst>
+                              <p:cond delay="2000"/>
+                            </p:stCondLst>
+                            <p:childTnLst>
+                              <p:par>
+                                <p:cTn id="32" presetID="1" presetClass="entr" presetSubtype="0" fill="hold" nodeType="afterEffect">
+                                  <p:stCondLst>
+                                    <p:cond delay="0"/>
+                                  </p:stCondLst>
+                                  <p:childTnLst>
+                                    <p:set>
+                                      <p:cBhvr>
+                                        <p:cTn id="33" dur="1" fill="hold">
+                                          <p:stCondLst>
+                                            <p:cond delay="0"/>
+                                          </p:stCondLst>
+                                        </p:cTn>
+                                        <p:tgtEl>
+                                          <p:spTgt spid="22"/>
+                                        </p:tgtEl>
+                                        <p:attrNameLst>
+                                          <p:attrName>style.visibility</p:attrName>
+                                        </p:attrNameLst>
+                                      </p:cBhvr>
+                                      <p:to>
+                                        <p:strVal val="visible"/>
+                                      </p:to>
+                                    </p:set>
+                                  </p:childTnLst>
+                                </p:cTn>
+                              </p:par>
+                            </p:childTnLst>
+                          </p:cTn>
+                        </p:par>
+                      </p:childTnLst>
+                    </p:cTn>
+                  </p:par>
+                  <p:par>
+                    <p:cTn id="34" fill="hold">
+                      <p:stCondLst>
+                        <p:cond delay="indefinite"/>
+                      </p:stCondLst>
+                      <p:childTnLst>
+                        <p:par>
+                          <p:cTn id="35" fill="hold">
+                            <p:stCondLst>
+                              <p:cond delay="0"/>
+                            </p:stCondLst>
+                            <p:childTnLst>
+                              <p:par>
+                                <p:cTn id="36" presetID="1" presetClass="entr" presetSubtype="0" fill="hold" grpId="1" nodeType="clickEffect">
+                                  <p:stCondLst>
+                                    <p:cond delay="0"/>
+                                  </p:stCondLst>
+                                  <p:childTnLst>
+                                    <p:set>
+                                      <p:cBhvr>
+                                        <p:cTn id="37" dur="1" fill="hold">
+                                          <p:stCondLst>
+                                            <p:cond delay="0"/>
+                                          </p:stCondLst>
+                                        </p:cTn>
+                                        <p:tgtEl>
+                                          <p:spTgt spid="30"/>
+                                        </p:tgtEl>
+                                        <p:attrNameLst>
+                                          <p:attrName>style.visibility</p:attrName>
+                                        </p:attrNameLst>
+                                      </p:cBhvr>
+                                      <p:to>
+                                        <p:strVal val="visible"/>
+                                      </p:to>
+                                    </p:set>
+                                  </p:childTnLst>
+                                </p:cTn>
+                              </p:par>
+                              <p:par>
+                                <p:cTn id="38" presetID="42" presetClass="path" presetSubtype="0" accel="50000" decel="50000" fill="hold" grpId="0" nodeType="withEffect">
+                                  <p:stCondLst>
+                                    <p:cond delay="0"/>
+                                  </p:stCondLst>
+                                  <p:childTnLst>
+                                    <p:animMotion origin="layout" path="M -2.29167E-6 -3.7037E-6 L 0.31107 0.09074 " pathEditMode="relative" rAng="0" ptsTypes="AA">
+                                      <p:cBhvr>
+                                        <p:cTn id="39" dur="2000" fill="hold"/>
+                                        <p:tgtEl>
+                                          <p:spTgt spid="30"/>
+                                        </p:tgtEl>
+                                        <p:attrNameLst>
+                                          <p:attrName>ppt_x</p:attrName>
+                                          <p:attrName>ppt_y</p:attrName>
+                                        </p:attrNameLst>
+                                      </p:cBhvr>
+                                      <p:rCtr x="15547" y="4537"/>
+                                    </p:animMotion>
+                                  </p:childTnLst>
+                                </p:cTn>
+                              </p:par>
+                              <p:par>
+                                <p:cTn id="40" presetID="1" presetClass="exit" presetSubtype="0" fill="hold" grpId="1" nodeType="withEffect">
+                                  <p:stCondLst>
+                                    <p:cond delay="0"/>
+                                  </p:stCondLst>
+                                  <p:childTnLst>
+                                    <p:set>
+                                      <p:cBhvr>
+                                        <p:cTn id="41" dur="1" fill="hold">
+                                          <p:stCondLst>
+                                            <p:cond delay="0"/>
+                                          </p:stCondLst>
+                                        </p:cTn>
+                                        <p:tgtEl>
+                                          <p:spTgt spid="31"/>
+                                        </p:tgtEl>
+                                        <p:attrNameLst>
+                                          <p:attrName>style.visibility</p:attrName>
+                                        </p:attrNameLst>
+                                      </p:cBhvr>
+                                      <p:to>
+                                        <p:strVal val="hidden"/>
+                                      </p:to>
+                                    </p:set>
+                                  </p:childTnLst>
+                                </p:cTn>
+                              </p:par>
+                            </p:childTnLst>
+                          </p:cTn>
+                        </p:par>
+                        <p:par>
+                          <p:cTn id="42" fill="hold">
+                            <p:stCondLst>
+                              <p:cond delay="2000"/>
+                            </p:stCondLst>
+                            <p:childTnLst>
+                              <p:par>
+                                <p:cTn id="43" presetID="1" presetClass="entr" presetSubtype="0" fill="hold" nodeType="afterEffect">
+                                  <p:stCondLst>
+                                    <p:cond delay="0"/>
+                                  </p:stCondLst>
+                                  <p:childTnLst>
+                                    <p:set>
+                                      <p:cBhvr>
+                                        <p:cTn id="44" dur="1" fill="hold">
+                                          <p:stCondLst>
+                                            <p:cond delay="0"/>
+                                          </p:stCondLst>
+                                        </p:cTn>
+                                        <p:tgtEl>
+                                          <p:spTgt spid="36"/>
+                                        </p:tgtEl>
+                                        <p:attrNameLst>
+                                          <p:attrName>style.visibility</p:attrName>
+                                        </p:attrNameLst>
+                                      </p:cBhvr>
+                                      <p:to>
+                                        <p:strVal val="visible"/>
+                                      </p:to>
+                                    </p:set>
+                                  </p:childTnLst>
+                                </p:cTn>
+                              </p:par>
+                            </p:childTnLst>
+                          </p:cTn>
+                        </p:par>
+                      </p:childTnLst>
+                    </p:cTn>
+                  </p:par>
+                  <p:par>
+                    <p:cTn id="45" fill="hold">
+                      <p:stCondLst>
+                        <p:cond delay="indefinite"/>
+                      </p:stCondLst>
+                      <p:childTnLst>
+                        <p:par>
+                          <p:cTn id="46" fill="hold">
+                            <p:stCondLst>
+                              <p:cond delay="0"/>
+                            </p:stCondLst>
+                            <p:childTnLst>
+                              <p:par>
+                                <p:cTn id="47" presetID="1" presetClass="entr" presetSubtype="0" fill="hold" grpId="1" nodeType="clickEffect">
+                                  <p:stCondLst>
+                                    <p:cond delay="0"/>
+                                  </p:stCondLst>
+                                  <p:childTnLst>
+                                    <p:set>
+                                      <p:cBhvr>
+                                        <p:cTn id="48" dur="1" fill="hold">
+                                          <p:stCondLst>
+                                            <p:cond delay="0"/>
+                                          </p:stCondLst>
+                                        </p:cTn>
+                                        <p:tgtEl>
+                                          <p:spTgt spid="40"/>
+                                        </p:tgtEl>
+                                        <p:attrNameLst>
+                                          <p:attrName>style.visibility</p:attrName>
+                                        </p:attrNameLst>
+                                      </p:cBhvr>
+                                      <p:to>
+                                        <p:strVal val="visible"/>
+                                      </p:to>
+                                    </p:set>
+                                  </p:childTnLst>
+                                </p:cTn>
+                              </p:par>
+                              <p:par>
+                                <p:cTn id="49" presetID="37" presetClass="path" presetSubtype="0" fill="hold" grpId="0" nodeType="withEffect">
+                                  <p:stCondLst>
+                                    <p:cond delay="0"/>
+                                  </p:stCondLst>
+                                  <p:childTnLst>
+                                    <p:animMotion origin="layout" path="M -2.91667E-6 4.07407E-6 L 0.17279 0.08472 C 0.20873 0.1037 0.26276 0.11435 0.3194 0.11435 C 0.38399 0.11435 0.43568 0.1037 0.47162 0.08472 L 0.64453 4.07407E-6 " pathEditMode="relative" rAng="0" ptsTypes="AAAAA">
+                                      <p:cBhvr>
+                                        <p:cTn id="50" dur="2000" fill="hold"/>
+                                        <p:tgtEl>
+                                          <p:spTgt spid="40"/>
+                                        </p:tgtEl>
+                                        <p:attrNameLst>
+                                          <p:attrName>ppt_x</p:attrName>
+                                          <p:attrName>ppt_y</p:attrName>
+                                        </p:attrNameLst>
+                                      </p:cBhvr>
+                                      <p:rCtr x="32227" y="5718"/>
+                                    </p:animMotion>
+                                  </p:childTnLst>
+                                </p:cTn>
+                              </p:par>
+                              <p:par>
+                                <p:cTn id="51" presetID="1" presetClass="entr" presetSubtype="0" fill="hold" nodeType="withEffect">
+                                  <p:stCondLst>
+                                    <p:cond delay="500"/>
+                                  </p:stCondLst>
+                                  <p:childTnLst>
+                                    <p:set>
+                                      <p:cBhvr>
+                                        <p:cTn id="52" dur="1" fill="hold">
+                                          <p:stCondLst>
+                                            <p:cond delay="0"/>
+                                          </p:stCondLst>
+                                        </p:cTn>
+                                        <p:tgtEl>
+                                          <p:spTgt spid="41"/>
+                                        </p:tgtEl>
+                                        <p:attrNameLst>
+                                          <p:attrName>style.visibility</p:attrName>
+                                        </p:attrNameLst>
+                                      </p:cBhvr>
+                                      <p:to>
+                                        <p:strVal val="visible"/>
+                                      </p:to>
+                                    </p:set>
+                                  </p:childTnLst>
+                                </p:cTn>
+                              </p:par>
+                              <p:par>
+                                <p:cTn id="53" presetID="1" presetClass="entr" presetSubtype="0" fill="hold" nodeType="withEffect">
+                                  <p:stCondLst>
+                                    <p:cond delay="750"/>
+                                  </p:stCondLst>
+                                  <p:childTnLst>
+                                    <p:set>
+                                      <p:cBhvr>
+                                        <p:cTn id="54" dur="1" fill="hold">
+                                          <p:stCondLst>
+                                            <p:cond delay="0"/>
+                                          </p:stCondLst>
+                                        </p:cTn>
+                                        <p:tgtEl>
+                                          <p:spTgt spid="44"/>
+                                        </p:tgtEl>
+                                        <p:attrNameLst>
+                                          <p:attrName>style.visibility</p:attrName>
+                                        </p:attrNameLst>
+                                      </p:cBhvr>
+                                      <p:to>
+                                        <p:strVal val="visible"/>
+                                      </p:to>
+                                    </p:set>
+                                  </p:childTnLst>
+                                </p:cTn>
+                              </p:par>
+                              <p:par>
+                                <p:cTn id="55" presetID="1" presetClass="entr" presetSubtype="0" fill="hold" nodeType="withEffect">
+                                  <p:stCondLst>
+                                    <p:cond delay="1000"/>
+                                  </p:stCondLst>
+                                  <p:childTnLst>
+                                    <p:set>
+                                      <p:cBhvr>
+                                        <p:cTn id="56" dur="1" fill="hold">
+                                          <p:stCondLst>
+                                            <p:cond delay="0"/>
+                                          </p:stCondLst>
+                                        </p:cTn>
+                                        <p:tgtEl>
+                                          <p:spTgt spid="47"/>
+                                        </p:tgtEl>
+                                        <p:attrNameLst>
+                                          <p:attrName>style.visibility</p:attrName>
+                                        </p:attrNameLst>
+                                      </p:cBhvr>
+                                      <p:to>
+                                        <p:strVal val="visible"/>
+                                      </p:to>
+                                    </p:set>
+                                  </p:childTnLst>
+                                </p:cTn>
+                              </p:par>
+                              <p:par>
+                                <p:cTn id="57" presetID="1" presetClass="entr" presetSubtype="0" fill="hold" nodeType="withEffect">
+                                  <p:stCondLst>
+                                    <p:cond delay="2000"/>
+                                  </p:stCondLst>
+                                  <p:childTnLst>
+                                    <p:set>
+                                      <p:cBhvr>
+                                        <p:cTn id="58" dur="1" fill="hold">
+                                          <p:stCondLst>
+                                            <p:cond delay="0"/>
+                                          </p:stCondLst>
+                                        </p:cTn>
+                                        <p:tgtEl>
+                                          <p:spTgt spid="50"/>
+                                        </p:tgtEl>
+                                        <p:attrNameLst>
+                                          <p:attrName>style.visibility</p:attrName>
+                                        </p:attrNameLst>
+                                      </p:cBhvr>
+                                      <p:to>
+                                        <p:strVal val="visible"/>
+                                      </p:to>
+                                    </p:set>
+                                  </p:childTnLst>
+                                </p:cTn>
+                              </p:par>
+                            </p:childTnLst>
+                          </p:cTn>
+                        </p:par>
+                      </p:childTnLst>
+                    </p:cTn>
+                  </p:par>
+                  <p:par>
+                    <p:cTn id="59" fill="hold">
+                      <p:stCondLst>
+                        <p:cond delay="indefinite"/>
+                      </p:stCondLst>
+                      <p:childTnLst>
+                        <p:par>
+                          <p:cTn id="60" fill="hold">
+                            <p:stCondLst>
+                              <p:cond delay="0"/>
+                            </p:stCondLst>
+                            <p:childTnLst>
+                              <p:par>
+                                <p:cTn id="61" presetID="1" presetClass="entr" presetSubtype="0" fill="hold" grpId="2" nodeType="clickEffect">
+                                  <p:stCondLst>
+                                    <p:cond delay="0"/>
+                                  </p:stCondLst>
+                                  <p:childTnLst>
+                                    <p:set>
+                                      <p:cBhvr>
+                                        <p:cTn id="62" dur="1" fill="hold">
+                                          <p:stCondLst>
+                                            <p:cond delay="0"/>
+                                          </p:stCondLst>
+                                        </p:cTn>
+                                        <p:tgtEl>
+                                          <p:spTgt spid="53"/>
+                                        </p:tgtEl>
+                                        <p:attrNameLst>
+                                          <p:attrName>style.visibility</p:attrName>
+                                        </p:attrNameLst>
+                                      </p:cBhvr>
+                                      <p:to>
+                                        <p:strVal val="visible"/>
+                                      </p:to>
+                                    </p:set>
+                                  </p:childTnLst>
+                                </p:cTn>
+                              </p:par>
+                              <p:par>
+                                <p:cTn id="63" presetID="42" presetClass="path" presetSubtype="0" fill="hold" grpId="0" nodeType="withEffect">
+                                  <p:stCondLst>
+                                    <p:cond delay="0"/>
+                                  </p:stCondLst>
+                                  <p:childTnLst>
+                                    <p:animMotion origin="layout" path="M -2.29167E-6 4.81481E-6 L 0.00117 0.3831 " pathEditMode="relative" rAng="0" ptsTypes="AA">
+                                      <p:cBhvr>
+                                        <p:cTn id="64" dur="2000" fill="hold"/>
+                                        <p:tgtEl>
+                                          <p:spTgt spid="53"/>
+                                        </p:tgtEl>
+                                        <p:attrNameLst>
+                                          <p:attrName>ppt_x</p:attrName>
+                                          <p:attrName>ppt_y</p:attrName>
+                                        </p:attrNameLst>
+                                      </p:cBhvr>
+                                      <p:rCtr x="52" y="19144"/>
+                                    </p:animMotion>
+                                  </p:childTnLst>
+                                </p:cTn>
+                              </p:par>
+                              <p:par>
+                                <p:cTn id="65" presetID="1" presetClass="entr" presetSubtype="0" fill="hold" nodeType="withEffect">
+                                  <p:stCondLst>
+                                    <p:cond delay="0"/>
+                                  </p:stCondLst>
+                                  <p:childTnLst>
+                                    <p:set>
+                                      <p:cBhvr>
+                                        <p:cTn id="66" dur="1" fill="hold">
+                                          <p:stCondLst>
+                                            <p:cond delay="0"/>
+                                          </p:stCondLst>
+                                        </p:cTn>
+                                        <p:tgtEl>
+                                          <p:spTgt spid="54"/>
+                                        </p:tgtEl>
+                                        <p:attrNameLst>
+                                          <p:attrName>style.visibility</p:attrName>
+                                        </p:attrNameLst>
+                                      </p:cBhvr>
+                                      <p:to>
+                                        <p:strVal val="visible"/>
+                                      </p:to>
+                                    </p:set>
+                                  </p:childTnLst>
+                                </p:cTn>
+                              </p:par>
+                              <p:par>
+                                <p:cTn id="67" presetID="1" presetClass="entr" presetSubtype="0" fill="hold" nodeType="withEffect">
+                                  <p:stCondLst>
+                                    <p:cond delay="1000"/>
+                                  </p:stCondLst>
+                                  <p:childTnLst>
+                                    <p:set>
+                                      <p:cBhvr>
+                                        <p:cTn id="68" dur="1" fill="hold">
+                                          <p:stCondLst>
+                                            <p:cond delay="0"/>
+                                          </p:stCondLst>
+                                        </p:cTn>
+                                        <p:tgtEl>
+                                          <p:spTgt spid="57"/>
+                                        </p:tgtEl>
+                                        <p:attrNameLst>
+                                          <p:attrName>style.visibility</p:attrName>
+                                        </p:attrNameLst>
+                                      </p:cBhvr>
+                                      <p:to>
+                                        <p:strVal val="visible"/>
+                                      </p:to>
+                                    </p:set>
+                                  </p:childTnLst>
+                                </p:cTn>
+                              </p:par>
+                              <p:par>
+                                <p:cTn id="69" presetID="1" presetClass="entr" presetSubtype="0" fill="hold" nodeType="withEffect">
+                                  <p:stCondLst>
+                                    <p:cond delay="1500"/>
+                                  </p:stCondLst>
+                                  <p:childTnLst>
+                                    <p:set>
+                                      <p:cBhvr>
+                                        <p:cTn id="70" dur="1" fill="hold">
+                                          <p:stCondLst>
+                                            <p:cond delay="0"/>
+                                          </p:stCondLst>
+                                        </p:cTn>
+                                        <p:tgtEl>
+                                          <p:spTgt spid="60"/>
+                                        </p:tgtEl>
+                                        <p:attrNameLst>
+                                          <p:attrName>style.visibility</p:attrName>
+                                        </p:attrNameLst>
+                                      </p:cBhvr>
+                                      <p:to>
+                                        <p:strVal val="visible"/>
+                                      </p:to>
+                                    </p:set>
+                                  </p:childTnLst>
+                                </p:cTn>
+                              </p:par>
+                              <p:par>
+                                <p:cTn id="71" presetID="1" presetClass="entr" presetSubtype="0" fill="hold" nodeType="withEffect">
+                                  <p:stCondLst>
+                                    <p:cond delay="2000"/>
+                                  </p:stCondLst>
+                                  <p:childTnLst>
+                                    <p:set>
+                                      <p:cBhvr>
+                                        <p:cTn id="72" dur="1" fill="hold">
+                                          <p:stCondLst>
+                                            <p:cond delay="0"/>
+                                          </p:stCondLst>
+                                        </p:cTn>
+                                        <p:tgtEl>
+                                          <p:spTgt spid="63"/>
+                                        </p:tgtEl>
+                                        <p:attrNameLst>
+                                          <p:attrName>style.visibility</p:attrName>
+                                        </p:attrNameLst>
+                                      </p:cBhvr>
+                                      <p:to>
+                                        <p:strVal val="visible"/>
+                                      </p:to>
+                                    </p:set>
+                                  </p:childTnLst>
+                                </p:cTn>
+                              </p:par>
+                            </p:childTnLst>
+                          </p:cTn>
+                        </p:par>
+                        <p:par>
+                          <p:cTn id="73" fill="hold">
+                            <p:stCondLst>
+                              <p:cond delay="2000"/>
+                            </p:stCondLst>
+                            <p:childTnLst>
+                              <p:par>
+                                <p:cTn id="74" presetID="1" presetClass="exit" presetSubtype="0" fill="hold" grpId="1" nodeType="afterEffect">
+                                  <p:stCondLst>
+                                    <p:cond delay="0"/>
+                                  </p:stCondLst>
+                                  <p:childTnLst>
+                                    <p:set>
+                                      <p:cBhvr>
+                                        <p:cTn id="75" dur="1" fill="hold">
+                                          <p:stCondLst>
+                                            <p:cond delay="0"/>
+                                          </p:stCondLst>
+                                        </p:cTn>
+                                        <p:tgtEl>
+                                          <p:spTgt spid="53"/>
+                                        </p:tgtEl>
+                                        <p:attrNameLst>
+                                          <p:attrName>style.visibility</p:attrName>
+                                        </p:attrNameLst>
+                                      </p:cBhvr>
+                                      <p:to>
+                                        <p:strVal val="hidden"/>
+                                      </p:to>
+                                    </p:set>
+                                  </p:childTnLst>
+                                </p:cTn>
+                              </p:par>
+                              <p:par>
+                                <p:cTn id="76" presetID="1" presetClass="entr" presetSubtype="0" fill="hold" grpId="1" nodeType="withEffect">
+                                  <p:stCondLst>
+                                    <p:cond delay="0"/>
+                                  </p:stCondLst>
+                                  <p:childTnLst>
+                                    <p:set>
+                                      <p:cBhvr>
+                                        <p:cTn id="77" dur="1" fill="hold">
+                                          <p:stCondLst>
+                                            <p:cond delay="0"/>
+                                          </p:stCondLst>
+                                        </p:cTn>
+                                        <p:tgtEl>
+                                          <p:spTgt spid="66"/>
+                                        </p:tgtEl>
+                                        <p:attrNameLst>
+                                          <p:attrName>style.visibility</p:attrName>
+                                        </p:attrNameLst>
+                                      </p:cBhvr>
+                                      <p:to>
+                                        <p:strVal val="visible"/>
+                                      </p:to>
+                                    </p:set>
+                                  </p:childTnLst>
+                                </p:cTn>
+                              </p:par>
+                              <p:par>
+                                <p:cTn id="78" presetID="0" presetClass="path" presetSubtype="0" fill="hold" grpId="0" nodeType="withEffect">
+                                  <p:stCondLst>
+                                    <p:cond delay="0"/>
+                                  </p:stCondLst>
+                                  <p:childTnLst>
+                                    <p:animMotion origin="layout" path="M -2.29167E-6 -3.33333E-6 L 0.00091 0.06204 L 0.00091 0.01412 L 0.00091 0.05718 L -2.29167E-6 0.0125 L -2.29167E-6 0.0507 L -2.29167E-6 0.01412 L 0.00091 0.05232 L -2.29167E-6 0.01111 L -2.29167E-6 0.04931 " pathEditMode="relative" rAng="0" ptsTypes="AAAAAAAAAA">
+                                      <p:cBhvr>
+                                        <p:cTn id="79" dur="3000" fill="hold"/>
+                                        <p:tgtEl>
+                                          <p:spTgt spid="66"/>
+                                        </p:tgtEl>
+                                        <p:attrNameLst>
+                                          <p:attrName>ppt_x</p:attrName>
+                                          <p:attrName>ppt_y</p:attrName>
+                                        </p:attrNameLst>
+                                      </p:cBhvr>
+                                      <p:rCtr x="39" y="3102"/>
+                                    </p:animMotion>
+                                  </p:childTnLst>
+                                </p:cTn>
+                              </p:par>
+                            </p:childTnLst>
+                          </p:cTn>
+                        </p:par>
+                      </p:childTnLst>
+                    </p:cTn>
+                  </p:par>
+                </p:childTnLst>
+              </p:cTn>
+              <p:prevCondLst>
+                <p:cond evt="onPrev" delay="0">
+                  <p:tgtEl>
+                    <p:sldTgt/>
+                  </p:tgtEl>
+                </p:cond>
+              </p:prevCondLst>
+              <p:nextCondLst>
+                <p:cond evt="onNext" delay="0">
+                  <p:tgtEl>
+                    <p:sldTgt/>
+                  </p:tgtEl>
+                </p:cond>
+              </p:nextCondLst>
+            </p:seq>
+          </p:childTnLst>
+        </p:cTn>
+      </p:par>
+    </p:tnLst>
+    <p:bldLst>
+      <p:bldP spid="15" grpId="0" animBg="1"/>
+      <p:bldP spid="15" grpId="1" animBg="1"/>
+      <p:bldP spid="15" grpId="2" animBg="1"/>
+      <p:bldP spid="30" grpId="0" animBg="1"/>
+      <p:bldP spid="30" grpId="1" animBg="1"/>
+      <p:bldP spid="31" grpId="0" animBg="1"/>
+      <p:bldP spid="31" grpId="1" animBg="1"/>
+      <p:bldP spid="31" grpId="2" animBg="1"/>
+      <p:bldP spid="4" grpId="0" animBg="1"/>
+      <p:bldP spid="4" grpId="1" animBg="1"/>
+      <p:bldP spid="4" grpId="2" animBg="1"/>
+      <p:bldP spid="40" grpId="0" animBg="1"/>
+      <p:bldP spid="40" grpId="1" animBg="1"/>
+      <p:bldP spid="53" grpId="0" animBg="1"/>
+      <p:bldP spid="53" grpId="1" animBg="1"/>
+      <p:bldP spid="53" grpId="2" animBg="1"/>
+      <p:bldP spid="66" grpId="0" animBg="1"/>
+      <p:bldP spid="66" grpId="1" animBg="1"/>
+    </p:bldLst>
+  </p:timing>
+</p:sld>
+</file>
+
+<file path=ppt/slides/slide17.xml><?xml version="1.0" encoding="utf-8"?>
+<p:sld xmlns:a="http://schemas.openxmlformats.org/drawingml/2006/main" xmlns:r="http://schemas.openxmlformats.org/officeDocument/2006/relationships" xmlns:p="http://schemas.openxmlformats.org/presentationml/2006/main">
+  <p:cSld>
+    <p:spTree>
+      <p:nvGrpSpPr>
+        <p:cNvPr id="1" name=""/>
+        <p:cNvGrpSpPr/>
+        <p:nvPr/>
+      </p:nvGrpSpPr>
+      <p:grpSpPr>
+        <a:xfrm>
+          <a:off x="0" y="0"/>
+          <a:ext cx="0" cy="0"/>
+          <a:chOff x="0" y="0"/>
+          <a:chExt cx="0" cy="0"/>
+        </a:xfrm>
+      </p:grpSpPr>
+      <p:sp>
+        <p:nvSpPr>
+          <p:cNvPr id="2" name="Title 1"/>
+          <p:cNvSpPr>
+            <a:spLocks noGrp="1"/>
+          </p:cNvSpPr>
+          <p:nvPr>
+            <p:ph type="title"/>
+          </p:nvPr>
+        </p:nvSpPr>
+        <p:spPr/>
+        <p:txBody>
+          <a:bodyPr/>
+          <a:lstStyle/>
+          <a:p>
+            <a:r>
+              <a:rPr lang="en-GB" dirty="0" smtClean="0"/>
+              <a:t>Lock Escalation</a:t>
+            </a:r>
+            <a:endParaRPr lang="en-GB" dirty="0"/>
+          </a:p>
+        </p:txBody>
+      </p:sp>
+      <p:sp>
+        <p:nvSpPr>
+          <p:cNvPr id="3" name="Content Placeholder 2"/>
+          <p:cNvSpPr>
+            <a:spLocks noGrp="1"/>
+          </p:cNvSpPr>
+          <p:nvPr>
+            <p:ph idx="1"/>
+          </p:nvPr>
+        </p:nvSpPr>
+        <p:spPr/>
+        <p:txBody>
+          <a:bodyPr/>
+          <a:lstStyle/>
+          <a:p>
+            <a:endParaRPr lang="en-GB" dirty="0"/>
+          </a:p>
+        </p:txBody>
+      </p:sp>
+    </p:spTree>
+    <p:extLst>
+      <p:ext uri="{BB962C8B-B14F-4D97-AF65-F5344CB8AC3E}">
+        <p14:creationId xmlns:p14="http://schemas.microsoft.com/office/powerpoint/2010/main" val="3466784678"/>
+      </p:ext>
+    </p:extLst>
+  </p:cSld>
+  <p:clrMapOvr>
+    <a:masterClrMapping/>
+  </p:clrMapOvr>
+  <p:timing>
+    <p:tnLst>
+      <p:par>
+        <p:cTn id="1" dur="indefinite" restart="never" nodeType="tmRoot"/>
+      </p:par>
+    </p:tnLst>
+  </p:timing>
+</p:sld>
+</file>
+
+<file path=ppt/slides/slide18.xml><?xml version="1.0" encoding="utf-8"?>
+<p:sld xmlns:a="http://schemas.openxmlformats.org/drawingml/2006/main" xmlns:r="http://schemas.openxmlformats.org/officeDocument/2006/relationships" xmlns:p="http://schemas.openxmlformats.org/presentationml/2006/main">
+  <p:cSld>
+    <p:spTree>
+      <p:nvGrpSpPr>
+        <p:cNvPr id="1" name=""/>
+        <p:cNvGrpSpPr/>
+        <p:nvPr/>
+      </p:nvGrpSpPr>
+      <p:grpSpPr>
+        <a:xfrm>
+          <a:off x="0" y="0"/>
+          <a:ext cx="0" cy="0"/>
+          <a:chOff x="0" y="0"/>
+          <a:chExt cx="0" cy="0"/>
+        </a:xfrm>
+      </p:grpSpPr>
+      <p:sp>
+        <p:nvSpPr>
+          <p:cNvPr id="2" name="Title 1"/>
+          <p:cNvSpPr>
+            <a:spLocks noGrp="1"/>
+          </p:cNvSpPr>
+          <p:nvPr>
+            <p:ph type="title"/>
+          </p:nvPr>
+        </p:nvSpPr>
+        <p:spPr/>
+        <p:txBody>
+          <a:bodyPr/>
+          <a:lstStyle/>
+          <a:p>
+            <a:r>
+              <a:rPr lang="en-GB" dirty="0" smtClean="0"/>
+              <a:t>Locking Hints (1)</a:t>
+            </a:r>
+            <a:endParaRPr lang="en-GB" dirty="0"/>
+          </a:p>
+        </p:txBody>
+      </p:sp>
+      <p:sp>
+        <p:nvSpPr>
+          <p:cNvPr id="3" name="Content Placeholder 2"/>
+          <p:cNvSpPr>
+            <a:spLocks noGrp="1"/>
+          </p:cNvSpPr>
+          <p:nvPr>
+            <p:ph idx="1"/>
+          </p:nvPr>
+        </p:nvSpPr>
+        <p:spPr/>
+        <p:txBody>
+          <a:bodyPr>
+            <a:normAutofit/>
+          </a:bodyPr>
+          <a:lstStyle/>
+          <a:p>
+            <a:pPr fontAlgn="base"/>
+            <a:r>
+              <a:rPr lang="en-GB" dirty="0"/>
+              <a:t>Force Server to hold lock longer or at a higher level (</a:t>
+            </a:r>
+            <a:r>
+              <a:rPr lang="en-GB" dirty="0" err="1"/>
+              <a:t>eg</a:t>
+            </a:r>
+            <a:r>
+              <a:rPr lang="en-GB" dirty="0"/>
+              <a:t> Table) </a:t>
+            </a:r>
+          </a:p>
+          <a:p>
+            <a:pPr fontAlgn="base"/>
+            <a:r>
+              <a:rPr lang="en-GB" dirty="0"/>
+              <a:t>Dirty reads possible (</a:t>
+            </a:r>
+            <a:r>
+              <a:rPr lang="en-GB" dirty="0" err="1"/>
+              <a:t>Nolock</a:t>
+            </a:r>
+            <a:r>
+              <a:rPr lang="en-GB" dirty="0"/>
+              <a:t>) </a:t>
+            </a:r>
+          </a:p>
+          <a:p>
+            <a:pPr fontAlgn="base"/>
+            <a:r>
+              <a:rPr lang="en-GB" dirty="0"/>
+              <a:t>Locked rows skipped (</a:t>
+            </a:r>
+            <a:r>
+              <a:rPr lang="en-GB" dirty="0" err="1"/>
+              <a:t>Readpast</a:t>
+            </a:r>
+            <a:r>
+              <a:rPr lang="en-GB" dirty="0"/>
+              <a:t>) </a:t>
+            </a:r>
+          </a:p>
+          <a:p>
+            <a:pPr marL="0" indent="0" fontAlgn="base">
+              <a:buNone/>
+            </a:pPr>
+            <a:endParaRPr lang="en-GB" dirty="0"/>
+          </a:p>
+        </p:txBody>
+      </p:sp>
+    </p:spTree>
+    <p:extLst>
+      <p:ext uri="{BB962C8B-B14F-4D97-AF65-F5344CB8AC3E}">
+        <p14:creationId xmlns:p14="http://schemas.microsoft.com/office/powerpoint/2010/main" val="4046235059"/>
+      </p:ext>
+    </p:extLst>
+  </p:cSld>
+  <p:clrMapOvr>
+    <a:masterClrMapping/>
+  </p:clrMapOvr>
+</p:sld>
+</file>
+
+<file path=ppt/slides/slide19.xml><?xml version="1.0" encoding="utf-8"?>
+<p:sld xmlns:a="http://schemas.openxmlformats.org/drawingml/2006/main" xmlns:r="http://schemas.openxmlformats.org/officeDocument/2006/relationships" xmlns:p="http://schemas.openxmlformats.org/presentationml/2006/main">
+  <p:cSld>
+    <p:spTree>
+      <p:nvGrpSpPr>
+        <p:cNvPr id="1" name=""/>
+        <p:cNvGrpSpPr/>
+        <p:nvPr/>
+      </p:nvGrpSpPr>
+      <p:grpSpPr>
+        <a:xfrm>
+          <a:off x="0" y="0"/>
+          <a:ext cx="0" cy="0"/>
+          <a:chOff x="0" y="0"/>
+          <a:chExt cx="0" cy="0"/>
+        </a:xfrm>
+      </p:grpSpPr>
+      <p:sp>
+        <p:nvSpPr>
+          <p:cNvPr id="2" name="Title 1"/>
+          <p:cNvSpPr>
+            <a:spLocks noGrp="1"/>
+          </p:cNvSpPr>
+          <p:nvPr>
+            <p:ph type="title"/>
+          </p:nvPr>
+        </p:nvSpPr>
+        <p:spPr/>
+        <p:txBody>
+          <a:bodyPr/>
+          <a:lstStyle/>
+          <a:p>
+            <a:r>
+              <a:rPr lang="en-GB" dirty="0" smtClean="0"/>
+              <a:t>Locking Hints (2)</a:t>
+            </a:r>
+            <a:endParaRPr lang="en-GB" dirty="0"/>
+          </a:p>
+        </p:txBody>
+      </p:sp>
+      <p:sp>
+        <p:nvSpPr>
+          <p:cNvPr id="3" name="Content Placeholder 2"/>
+          <p:cNvSpPr>
+            <a:spLocks noGrp="1"/>
+          </p:cNvSpPr>
+          <p:nvPr>
+            <p:ph idx="1"/>
+          </p:nvPr>
+        </p:nvSpPr>
+        <p:spPr/>
+        <p:txBody>
+          <a:bodyPr>
+            <a:normAutofit lnSpcReduction="10000"/>
+          </a:bodyPr>
+          <a:lstStyle/>
+          <a:p>
+            <a:pPr fontAlgn="base"/>
+            <a:r>
+              <a:rPr lang="en-GB" dirty="0" err="1" smtClean="0"/>
+              <a:t>Holdlock</a:t>
+            </a:r>
+            <a:r>
+              <a:rPr lang="en-GB" dirty="0"/>
+              <a:t> - Similar to Serializable </a:t>
+            </a:r>
+          </a:p>
+          <a:p>
+            <a:pPr fontAlgn="base"/>
+            <a:r>
+              <a:rPr lang="en-GB" dirty="0" err="1"/>
+              <a:t>Updlock</a:t>
+            </a:r>
+            <a:r>
+              <a:rPr lang="en-GB" dirty="0"/>
+              <a:t> - hold update locks instead of shared locks </a:t>
+            </a:r>
+          </a:p>
+          <a:p>
+            <a:pPr fontAlgn="base"/>
+            <a:r>
+              <a:rPr lang="en-GB" dirty="0" err="1"/>
+              <a:t>Tablock</a:t>
+            </a:r>
+            <a:r>
+              <a:rPr lang="en-GB" dirty="0"/>
+              <a:t> - shared table lock instead of page or row lock </a:t>
+            </a:r>
+          </a:p>
+          <a:p>
+            <a:pPr fontAlgn="base"/>
+            <a:r>
+              <a:rPr lang="en-GB" dirty="0" err="1"/>
+              <a:t>Paglock</a:t>
+            </a:r>
+            <a:r>
+              <a:rPr lang="en-GB" dirty="0"/>
+              <a:t> - shared page lock instead of table lock </a:t>
+            </a:r>
+          </a:p>
+          <a:p>
+            <a:pPr fontAlgn="base"/>
+            <a:r>
+              <a:rPr lang="en-GB" dirty="0" err="1"/>
+              <a:t>TablockX</a:t>
+            </a:r>
+            <a:r>
+              <a:rPr lang="en-GB" dirty="0"/>
+              <a:t> - exclusive table lock </a:t>
+            </a:r>
+          </a:p>
+          <a:p>
+            <a:pPr fontAlgn="base"/>
+            <a:r>
+              <a:rPr lang="en-GB" dirty="0"/>
+              <a:t>Rowlock - shared row lock instead of table or page lock </a:t>
+            </a:r>
+          </a:p>
+          <a:p>
+            <a:pPr fontAlgn="base"/>
+            <a:r>
+              <a:rPr lang="en-GB" dirty="0" err="1"/>
+              <a:t>Readuncommitted</a:t>
+            </a:r>
+            <a:r>
+              <a:rPr lang="en-GB" dirty="0"/>
+              <a:t> - set isolation level for statement or table </a:t>
+            </a:r>
+          </a:p>
+          <a:p>
+            <a:pPr marL="0" indent="0">
+              <a:buNone/>
+            </a:pPr>
+            <a:endParaRPr lang="en-GB" dirty="0"/>
+          </a:p>
+        </p:txBody>
+      </p:sp>
+    </p:spTree>
+    <p:extLst>
+      <p:ext uri="{BB962C8B-B14F-4D97-AF65-F5344CB8AC3E}">
+        <p14:creationId xmlns:p14="http://schemas.microsoft.com/office/powerpoint/2010/main" val="3207952688"/>
       </p:ext>
     </p:extLst>
   </p:cSld>
@@ -8974,6 +14521,246 @@
     <p:extLst>
       <p:ext uri="{BB962C8B-B14F-4D97-AF65-F5344CB8AC3E}">
         <p14:creationId xmlns:p14="http://schemas.microsoft.com/office/powerpoint/2010/main" val="306491305"/>
+      </p:ext>
+    </p:extLst>
+  </p:cSld>
+  <p:clrMapOvr>
+    <a:masterClrMapping/>
+  </p:clrMapOvr>
+</p:sld>
+</file>
+
+<file path=ppt/slides/slide20.xml><?xml version="1.0" encoding="utf-8"?>
+<p:sld xmlns:a="http://schemas.openxmlformats.org/drawingml/2006/main" xmlns:r="http://schemas.openxmlformats.org/officeDocument/2006/relationships" xmlns:p="http://schemas.openxmlformats.org/presentationml/2006/main">
+  <p:cSld>
+    <p:spTree>
+      <p:nvGrpSpPr>
+        <p:cNvPr id="1" name=""/>
+        <p:cNvGrpSpPr/>
+        <p:nvPr/>
+      </p:nvGrpSpPr>
+      <p:grpSpPr>
+        <a:xfrm>
+          <a:off x="0" y="0"/>
+          <a:ext cx="0" cy="0"/>
+          <a:chOff x="0" y="0"/>
+          <a:chExt cx="0" cy="0"/>
+        </a:xfrm>
+      </p:grpSpPr>
+      <p:sp>
+        <p:nvSpPr>
+          <p:cNvPr id="2" name="Title 1"/>
+          <p:cNvSpPr>
+            <a:spLocks noGrp="1"/>
+          </p:cNvSpPr>
+          <p:nvPr>
+            <p:ph type="title"/>
+          </p:nvPr>
+        </p:nvSpPr>
+        <p:spPr/>
+        <p:txBody>
+          <a:bodyPr/>
+          <a:lstStyle/>
+          <a:p>
+            <a:r>
+              <a:rPr lang="en-GB" dirty="0" smtClean="0"/>
+              <a:t>Locking Hints (2)</a:t>
+            </a:r>
+            <a:endParaRPr lang="en-GB" dirty="0"/>
+          </a:p>
+        </p:txBody>
+      </p:sp>
+      <p:sp>
+        <p:nvSpPr>
+          <p:cNvPr id="3" name="Content Placeholder 2"/>
+          <p:cNvSpPr>
+            <a:spLocks noGrp="1"/>
+          </p:cNvSpPr>
+          <p:nvPr>
+            <p:ph idx="1"/>
+          </p:nvPr>
+        </p:nvSpPr>
+        <p:spPr>
+          <a:xfrm>
+            <a:off x="685801" y="1576354"/>
+            <a:ext cx="10131425" cy="4550126"/>
+          </a:xfrm>
+        </p:spPr>
+        <p:txBody>
+          <a:bodyPr>
+            <a:normAutofit lnSpcReduction="10000"/>
+          </a:bodyPr>
+          <a:lstStyle/>
+          <a:p>
+            <a:pPr fontAlgn="base"/>
+            <a:r>
+              <a:rPr lang="en-GB" dirty="0" err="1" smtClean="0"/>
+              <a:t>Repeatableread</a:t>
+            </a:r>
+            <a:r>
+              <a:rPr lang="en-GB" dirty="0"/>
+              <a:t> - set isolation level for statement or table </a:t>
+            </a:r>
+          </a:p>
+          <a:p>
+            <a:pPr fontAlgn="base"/>
+            <a:r>
+              <a:rPr lang="en-GB" dirty="0"/>
+              <a:t>Serializable - set isolation level for statement or table </a:t>
+            </a:r>
+          </a:p>
+          <a:p>
+            <a:pPr fontAlgn="base"/>
+            <a:r>
+              <a:rPr lang="en-GB" dirty="0" err="1"/>
+              <a:t>Readcommitted</a:t>
+            </a:r>
+            <a:r>
+              <a:rPr lang="en-GB" dirty="0"/>
+              <a:t> - set isolation level for statement or table </a:t>
+            </a:r>
+          </a:p>
+          <a:p>
+            <a:pPr fontAlgn="base"/>
+            <a:r>
+              <a:rPr lang="en-GB" dirty="0" err="1"/>
+              <a:t>Readcommittedlock</a:t>
+            </a:r>
+            <a:r>
+              <a:rPr lang="en-GB" dirty="0"/>
+              <a:t> - set isolation level for statement or table (takes shared locks) </a:t>
+            </a:r>
+          </a:p>
+          <a:p>
+            <a:pPr fontAlgn="base"/>
+            <a:r>
+              <a:rPr lang="en-GB" dirty="0" err="1"/>
+              <a:t>Nolock</a:t>
+            </a:r>
+            <a:r>
+              <a:rPr lang="en-GB" dirty="0"/>
+              <a:t> - shared locks not held (dirty reads) </a:t>
+            </a:r>
+          </a:p>
+          <a:p>
+            <a:pPr fontAlgn="base"/>
+            <a:r>
+              <a:rPr lang="en-GB" dirty="0" err="1"/>
+              <a:t>Readpast</a:t>
+            </a:r>
+            <a:r>
+              <a:rPr lang="en-GB" dirty="0"/>
+              <a:t> - locked rows are skipped </a:t>
+            </a:r>
+          </a:p>
+          <a:p>
+            <a:pPr fontAlgn="base"/>
+            <a:r>
+              <a:rPr lang="en-GB" dirty="0" err="1"/>
+              <a:t>Xlock</a:t>
+            </a:r>
+            <a:r>
+              <a:rPr lang="en-GB" dirty="0"/>
+              <a:t> - can be combined with </a:t>
+            </a:r>
+            <a:r>
+              <a:rPr lang="en-GB" dirty="0" err="1"/>
+              <a:t>Paglock</a:t>
+            </a:r>
+            <a:r>
+              <a:rPr lang="en-GB" dirty="0"/>
+              <a:t> and </a:t>
+            </a:r>
+            <a:r>
+              <a:rPr lang="en-GB" dirty="0" err="1"/>
+              <a:t>Tablock</a:t>
+            </a:r>
+            <a:r>
+              <a:rPr lang="en-GB" dirty="0"/>
+              <a:t> to make them exclusive</a:t>
+            </a:r>
+          </a:p>
+          <a:p>
+            <a:endParaRPr lang="en-GB" dirty="0"/>
+          </a:p>
+        </p:txBody>
+      </p:sp>
+    </p:spTree>
+    <p:extLst>
+      <p:ext uri="{BB962C8B-B14F-4D97-AF65-F5344CB8AC3E}">
+        <p14:creationId xmlns:p14="http://schemas.microsoft.com/office/powerpoint/2010/main" val="2997503156"/>
+      </p:ext>
+    </p:extLst>
+  </p:cSld>
+  <p:clrMapOvr>
+    <a:masterClrMapping/>
+  </p:clrMapOvr>
+</p:sld>
+</file>
+
+<file path=ppt/slides/slide21.xml><?xml version="1.0" encoding="utf-8"?>
+<p:sld xmlns:a="http://schemas.openxmlformats.org/drawingml/2006/main" xmlns:r="http://schemas.openxmlformats.org/officeDocument/2006/relationships" xmlns:p="http://schemas.openxmlformats.org/presentationml/2006/main">
+  <p:cSld>
+    <p:spTree>
+      <p:nvGrpSpPr>
+        <p:cNvPr id="1" name=""/>
+        <p:cNvGrpSpPr/>
+        <p:nvPr/>
+      </p:nvGrpSpPr>
+      <p:grpSpPr>
+        <a:xfrm>
+          <a:off x="0" y="0"/>
+          <a:ext cx="0" cy="0"/>
+          <a:chOff x="0" y="0"/>
+          <a:chExt cx="0" cy="0"/>
+        </a:xfrm>
+      </p:grpSpPr>
+      <p:sp>
+        <p:nvSpPr>
+          <p:cNvPr id="2" name="Title 1"/>
+          <p:cNvSpPr>
+            <a:spLocks noGrp="1"/>
+          </p:cNvSpPr>
+          <p:nvPr>
+            <p:ph type="title"/>
+          </p:nvPr>
+        </p:nvSpPr>
+        <p:spPr/>
+        <p:txBody>
+          <a:bodyPr/>
+          <a:lstStyle/>
+          <a:p>
+            <a:r>
+              <a:rPr lang="en-GB" dirty="0" smtClean="0"/>
+              <a:t>What is a Deadlock?</a:t>
+            </a:r>
+            <a:endParaRPr lang="en-GB" dirty="0"/>
+          </a:p>
+        </p:txBody>
+      </p:sp>
+      <p:sp>
+        <p:nvSpPr>
+          <p:cNvPr id="3" name="Content Placeholder 2"/>
+          <p:cNvSpPr>
+            <a:spLocks noGrp="1"/>
+          </p:cNvSpPr>
+          <p:nvPr>
+            <p:ph idx="1"/>
+          </p:nvPr>
+        </p:nvSpPr>
+        <p:spPr/>
+        <p:txBody>
+          <a:bodyPr/>
+          <a:lstStyle/>
+          <a:p>
+            <a:endParaRPr lang="en-GB"/>
+          </a:p>
+        </p:txBody>
+      </p:sp>
+    </p:spTree>
+    <p:extLst>
+      <p:ext uri="{BB962C8B-B14F-4D97-AF65-F5344CB8AC3E}">
+        <p14:creationId xmlns:p14="http://schemas.microsoft.com/office/powerpoint/2010/main" val="1730168131"/>
       </p:ext>
     </p:extLst>
   </p:cSld>
@@ -10498,21 +16285,52 @@
             </a:r>
           </a:p>
           <a:p>
+            <a:pPr lvl="3"/>
+            <a:r>
+              <a:rPr lang="en-GB" dirty="0" smtClean="0"/>
+              <a:t>Used to Establish a lock Hierarchy</a:t>
+            </a:r>
+            <a:endParaRPr lang="en-GB" dirty="0" smtClean="0"/>
+          </a:p>
+          <a:p>
             <a:r>
               <a:rPr lang="en-GB" dirty="0" smtClean="0"/>
               <a:t>Shared</a:t>
             </a:r>
           </a:p>
           <a:p>
+            <a:pPr lvl="3"/>
+            <a:r>
+              <a:rPr lang="en-GB" dirty="0" smtClean="0"/>
+              <a:t>Used for read only operations</a:t>
+            </a:r>
+            <a:endParaRPr lang="en-GB" dirty="0" smtClean="0"/>
+          </a:p>
+          <a:p>
             <a:r>
               <a:rPr lang="en-GB" dirty="0" smtClean="0"/>
               <a:t>Update</a:t>
             </a:r>
           </a:p>
           <a:p>
+            <a:pPr lvl="3"/>
+            <a:r>
+              <a:rPr lang="en-GB" dirty="0" smtClean="0"/>
+              <a:t>Used on resources that can be Updated</a:t>
+            </a:r>
+            <a:endParaRPr lang="en-GB" dirty="0" smtClean="0"/>
+          </a:p>
+          <a:p>
             <a:r>
               <a:rPr lang="en-GB" dirty="0" smtClean="0"/>
               <a:t>Exclusive</a:t>
+            </a:r>
+          </a:p>
+          <a:p>
+            <a:pPr lvl="3"/>
+            <a:r>
+              <a:rPr lang="en-GB" dirty="0" smtClean="0"/>
+              <a:t>Used for data modifications</a:t>
             </a:r>
             <a:endParaRPr lang="en-GB" dirty="0"/>
           </a:p>
